--- a/docs/Indra.pptx
+++ b/docs/Indra.pptx
@@ -6448,9 +6448,9 @@
               </a:defRPr>
             </a:pPr>
             <a:r>
-              <a:rPr sz="8000">
-                <a:solidFill>
-                  <a:srgbClr val="FFFFFF"/>
+              <a:rPr sz="8000" dirty="0">
+                <a:solidFill>
+                  <a:schemeClr val="accent1"/>
                 </a:solidFill>
               </a:rPr>
               <a:t>Why Python?</a:t>
@@ -6586,9 +6586,9 @@
               </a:defRPr>
             </a:pPr>
             <a:r>
-              <a:rPr sz="8000">
-                <a:solidFill>
-                  <a:srgbClr val="FFFFFF"/>
+              <a:rPr sz="8000" dirty="0">
+                <a:solidFill>
+                  <a:schemeClr val="accent1"/>
                 </a:solidFill>
               </a:rPr>
               <a:t>The Object Hierarchy</a:t>
@@ -8904,10 +8904,18 @@
           <a:lstStyle/>
           <a:p>
             <a:r>
-              <a:rPr lang="en-US" dirty="0" smtClean="0"/>
+              <a:rPr lang="en-US" dirty="0" smtClean="0">
+                <a:solidFill>
+                  <a:schemeClr val="accent1"/>
+                </a:solidFill>
+              </a:rPr>
               <a:t>CREDITS</a:t>
             </a:r>
-            <a:endParaRPr lang="en-US" dirty="0"/>
+            <a:endParaRPr lang="en-US" dirty="0">
+              <a:solidFill>
+                <a:schemeClr val="accent1"/>
+              </a:solidFill>
+            </a:endParaRPr>
           </a:p>
         </p:txBody>
       </p:sp>
@@ -9048,7 +9056,7 @@
             <a:r>
               <a:rPr sz="8000" dirty="0">
                 <a:solidFill>
-                  <a:srgbClr val="FFFFFF"/>
+                  <a:schemeClr val="accent1"/>
                 </a:solidFill>
               </a:rPr>
               <a:t>The </a:t>
@@ -9056,7 +9064,7 @@
             <a:r>
               <a:rPr sz="8000" dirty="0" smtClean="0">
                 <a:solidFill>
-                  <a:srgbClr val="FFFFFF"/>
+                  <a:schemeClr val="accent1"/>
                 </a:solidFill>
               </a:rPr>
               <a:t>Problem</a:t>
@@ -9064,14 +9072,14 @@
             <a:r>
               <a:rPr lang="en-US" sz="8000" dirty="0" smtClean="0">
                 <a:solidFill>
-                  <a:srgbClr val="FFFFFF"/>
+                  <a:schemeClr val="accent1"/>
                 </a:solidFill>
               </a:rPr>
               <a:t> Set</a:t>
             </a:r>
             <a:endParaRPr sz="8000" dirty="0">
               <a:solidFill>
-                <a:srgbClr val="FFFFFF"/>
+                <a:schemeClr val="accent1"/>
               </a:solidFill>
             </a:endParaRPr>
           </a:p>
@@ -9227,6 +9235,35 @@
           <a:xfrm flipH="1">
             <a:off x="8516678" y="838121"/>
             <a:ext cx="4488121" cy="3366090"/>
+          </a:xfrm>
+          <a:prstGeom prst="rect">
+            <a:avLst/>
+          </a:prstGeom>
+        </p:spPr>
+      </p:pic>
+      <p:pic>
+        <p:nvPicPr>
+          <p:cNvPr id="2" name="Picture 1"/>
+          <p:cNvPicPr>
+            <a:picLocks noChangeAspect="1"/>
+          </p:cNvPicPr>
+          <p:nvPr/>
+        </p:nvPicPr>
+        <p:blipFill rotWithShape="1">
+          <a:blip r:embed="rId3">
+            <a:extLst>
+              <a:ext uri="{28A0092B-C50C-407E-A947-70E740481C1C}">
+                <a14:useLocalDpi xmlns:a14="http://schemas.microsoft.com/office/drawing/2010/main" val="0"/>
+              </a:ext>
+            </a:extLst>
+          </a:blip>
+          <a:srcRect l="4529" t="5967"/>
+          <a:stretch/>
+        </p:blipFill>
+        <p:spPr>
+          <a:xfrm>
+            <a:off x="2286000" y="1381124"/>
+            <a:ext cx="3743074" cy="2718923"/>
           </a:xfrm>
           <a:prstGeom prst="rect">
             <a:avLst/>
@@ -9363,18 +9400,14 @@
             <a:r>
               <a:rPr lang="en-US" dirty="0" smtClean="0">
                 <a:solidFill>
-                  <a:schemeClr val="tx1">
-                    <a:lumMod val="95000"/>
-                  </a:schemeClr>
+                  <a:schemeClr val="accent1"/>
                 </a:solidFill>
               </a:rPr>
               <a:t>Uses in Biology</a:t>
             </a:r>
             <a:endParaRPr lang="en-US" dirty="0">
               <a:solidFill>
-                <a:schemeClr val="tx1">
-                  <a:lumMod val="95000"/>
-                </a:schemeClr>
+                <a:schemeClr val="accent1"/>
               </a:solidFill>
             </a:endParaRPr>
           </a:p>
@@ -9639,10 +9672,18 @@
           <a:lstStyle/>
           <a:p>
             <a:r>
-              <a:rPr lang="en-US" dirty="0" smtClean="0"/>
+              <a:rPr lang="en-US" dirty="0" smtClean="0">
+                <a:solidFill>
+                  <a:schemeClr val="accent1"/>
+                </a:solidFill>
+              </a:rPr>
               <a:t>Uses in Business</a:t>
             </a:r>
-            <a:endParaRPr lang="en-US" dirty="0"/>
+            <a:endParaRPr lang="en-US" dirty="0">
+              <a:solidFill>
+                <a:schemeClr val="accent1"/>
+              </a:solidFill>
+            </a:endParaRPr>
           </a:p>
         </p:txBody>
       </p:sp>
@@ -9860,10 +9901,18 @@
           <a:lstStyle/>
           <a:p>
             <a:r>
-              <a:rPr lang="en-US" dirty="0" smtClean="0"/>
+              <a:rPr lang="en-US" dirty="0" smtClean="0">
+                <a:solidFill>
+                  <a:schemeClr val="accent1"/>
+                </a:solidFill>
+              </a:rPr>
               <a:t>Uses in Social Science</a:t>
             </a:r>
-            <a:endParaRPr lang="en-US" dirty="0"/>
+            <a:endParaRPr lang="en-US" dirty="0">
+              <a:solidFill>
+                <a:schemeClr val="accent1"/>
+              </a:solidFill>
+            </a:endParaRPr>
           </a:p>
         </p:txBody>
       </p:sp>
@@ -10471,15 +10520,17 @@
         </p:nvSpPr>
         <p:spPr>
           <a:xfrm>
-            <a:off x="952500" y="1497780"/>
-            <a:ext cx="11099800" cy="3103716"/>
+            <a:off x="952500" y="5082362"/>
+            <a:ext cx="11099800" cy="901366"/>
           </a:xfrm>
           <a:prstGeom prst="rect">
             <a:avLst/>
           </a:prstGeom>
         </p:spPr>
         <p:txBody>
-          <a:bodyPr/>
+          <a:bodyPr>
+            <a:normAutofit/>
+          </a:bodyPr>
           <a:lstStyle/>
           <a:p>
             <a:pPr lvl="0">
@@ -10490,29 +10541,58 @@
               </a:defRPr>
             </a:pPr>
             <a:r>
-              <a:rPr lang="en-US" sz="8000" dirty="0" smtClean="0">
-                <a:solidFill>
-                  <a:srgbClr val="FFFFFF"/>
+              <a:rPr lang="en-US" sz="5400" dirty="0" smtClean="0">
+                <a:solidFill>
+                  <a:schemeClr val="accent1"/>
                 </a:solidFill>
               </a:rPr>
-              <a:t>Example Problem: </a:t>
-            </a:r>
-            <a:r>
-              <a:rPr sz="8000" dirty="0" smtClean="0">
-                <a:solidFill>
-                  <a:srgbClr val="FFFFFF"/>
+              <a:t>Our Problem</a:t>
+            </a:r>
+            <a:r>
+              <a:rPr lang="en-US" sz="5400" dirty="0" smtClean="0">
+                <a:solidFill>
+                  <a:schemeClr val="accent1"/>
                 </a:solidFill>
               </a:rPr>
-              <a:t>A </a:t>
-            </a:r>
-            <a:r>
-              <a:rPr sz="8000" dirty="0">
-                <a:solidFill>
-                  <a:srgbClr val="FFFFFF"/>
+              <a:t>: </a:t>
+            </a:r>
+            <a:r>
+              <a:rPr sz="5400" dirty="0" smtClean="0">
+                <a:solidFill>
+                  <a:schemeClr val="accent1"/>
                 </a:solidFill>
               </a:rPr>
-              <a:t>Social Cycle</a:t>
-            </a:r>
+              <a:t> </a:t>
+            </a:r>
+            <a:r>
+              <a:rPr sz="5400" dirty="0">
+                <a:solidFill>
+                  <a:schemeClr val="accent1"/>
+                </a:solidFill>
+              </a:rPr>
+              <a:t>Social </a:t>
+            </a:r>
+            <a:r>
+              <a:rPr sz="5400" dirty="0" smtClean="0">
+                <a:solidFill>
+                  <a:schemeClr val="accent1"/>
+                </a:solidFill>
+              </a:rPr>
+              <a:t>Cycle</a:t>
+            </a:r>
+            <a:r>
+              <a:rPr lang="en-US" sz="5400" dirty="0" smtClean="0">
+                <a:solidFill>
+                  <a:schemeClr val="accent1"/>
+                </a:solidFill>
+              </a:rPr>
+              <a:t>s</a:t>
+            </a:r>
+            <a:endParaRPr sz="5400" dirty="0">
+              <a:solidFill>
+                <a:schemeClr val="accent1"/>
+              </a:solidFill>
+            </a:endParaRPr>
           </a:p>
         </p:txBody>
       </p:sp>
@@ -10528,7 +10608,7 @@
         </p:nvSpPr>
         <p:spPr>
           <a:xfrm>
-            <a:off x="952500" y="5442155"/>
+            <a:off x="952500" y="6558573"/>
             <a:ext cx="11099800" cy="2728452"/>
           </a:xfrm>
           <a:prstGeom prst="rect">
@@ -10611,8 +10691,21 @@
                   <a:srgbClr val="FFFFFF"/>
                 </a:solidFill>
               </a:rPr>
-              <a:t>Stock market bubbles</a:t>
-            </a:r>
+              <a:t>Stock </a:t>
+            </a:r>
+            <a:r>
+              <a:rPr lang="en-US" sz="3800" dirty="0" smtClean="0">
+                <a:solidFill>
+                  <a:srgbClr val="FFFFFF"/>
+                </a:solidFill>
+              </a:rPr>
+              <a:t>boom-and-bust</a:t>
+            </a:r>
+            <a:endParaRPr sz="3800" dirty="0">
+              <a:solidFill>
+                <a:srgbClr val="FFFFFF"/>
+              </a:solidFill>
+            </a:endParaRPr>
           </a:p>
         </p:txBody>
       </p:sp>
@@ -10676,9 +10769,9 @@
               </a:defRPr>
             </a:pPr>
             <a:r>
-              <a:rPr sz="8000">
-                <a:solidFill>
-                  <a:srgbClr val="FFFFFF"/>
+              <a:rPr sz="8000" dirty="0">
+                <a:solidFill>
+                  <a:schemeClr val="accent1"/>
                 </a:solidFill>
               </a:rPr>
               <a:t>Insight</a:t>
@@ -10810,9 +10903,9 @@
               </a:defRPr>
             </a:pPr>
             <a:r>
-              <a:rPr sz="8000">
-                <a:solidFill>
-                  <a:srgbClr val="FFFFFF"/>
+              <a:rPr sz="8000" dirty="0">
+                <a:solidFill>
+                  <a:schemeClr val="accent1"/>
                 </a:solidFill>
               </a:rPr>
               <a:t>Predator-Prey</a:t>
@@ -10944,9 +11037,9 @@
               </a:defRPr>
             </a:pPr>
             <a:r>
-              <a:rPr sz="6640">
-                <a:solidFill>
-                  <a:srgbClr val="FFFFFF"/>
+              <a:rPr sz="6640" dirty="0">
+                <a:solidFill>
+                  <a:schemeClr val="accent1"/>
                 </a:solidFill>
               </a:rPr>
               <a:t>Solution: Agent-Based Programming</a:t>

--- a/docs/Indra.pptx
+++ b/docs/Indra.pptx
@@ -132,6 +132,3158 @@
     </p:ext>
   </p:extLst>
 </p:presentation>
+</file>
+
+<file path=ppt/diagrams/colors1.xml><?xml version="1.0" encoding="utf-8"?>
+<dgm:colorsDef xmlns:dgm="http://schemas.openxmlformats.org/drawingml/2006/diagram" xmlns:a="http://schemas.openxmlformats.org/drawingml/2006/main" uniqueId="urn:microsoft.com/office/officeart/2005/8/colors/accent1_2">
+  <dgm:title val=""/>
+  <dgm:desc val=""/>
+  <dgm:catLst>
+    <dgm:cat type="accent1" pri="11200"/>
+  </dgm:catLst>
+  <dgm:styleLbl name="node0">
+    <dgm:fillClrLst meth="repeat">
+      <a:schemeClr val="accent1"/>
+    </dgm:fillClrLst>
+    <dgm:linClrLst meth="repeat">
+      <a:schemeClr val="lt1"/>
+    </dgm:linClrLst>
+    <dgm:effectClrLst/>
+    <dgm:txLinClrLst/>
+    <dgm:txFillClrLst/>
+    <dgm:txEffectClrLst/>
+  </dgm:styleLbl>
+  <dgm:styleLbl name="alignNode1">
+    <dgm:fillClrLst meth="repeat">
+      <a:schemeClr val="accent1"/>
+    </dgm:fillClrLst>
+    <dgm:linClrLst meth="repeat">
+      <a:schemeClr val="accent1"/>
+    </dgm:linClrLst>
+    <dgm:effectClrLst/>
+    <dgm:txLinClrLst/>
+    <dgm:txFillClrLst/>
+    <dgm:txEffectClrLst/>
+  </dgm:styleLbl>
+  <dgm:styleLbl name="node1">
+    <dgm:fillClrLst meth="repeat">
+      <a:schemeClr val="accent1"/>
+    </dgm:fillClrLst>
+    <dgm:linClrLst meth="repeat">
+      <a:schemeClr val="lt1"/>
+    </dgm:linClrLst>
+    <dgm:effectClrLst/>
+    <dgm:txLinClrLst/>
+    <dgm:txFillClrLst/>
+    <dgm:txEffectClrLst/>
+  </dgm:styleLbl>
+  <dgm:styleLbl name="lnNode1">
+    <dgm:fillClrLst meth="repeat">
+      <a:schemeClr val="accent1"/>
+    </dgm:fillClrLst>
+    <dgm:linClrLst meth="repeat">
+      <a:schemeClr val="lt1"/>
+    </dgm:linClrLst>
+    <dgm:effectClrLst/>
+    <dgm:txLinClrLst/>
+    <dgm:txFillClrLst/>
+    <dgm:txEffectClrLst/>
+  </dgm:styleLbl>
+  <dgm:styleLbl name="vennNode1">
+    <dgm:fillClrLst meth="repeat">
+      <a:schemeClr val="accent1">
+        <a:alpha val="50000"/>
+      </a:schemeClr>
+    </dgm:fillClrLst>
+    <dgm:linClrLst meth="repeat">
+      <a:schemeClr val="lt1"/>
+    </dgm:linClrLst>
+    <dgm:effectClrLst/>
+    <dgm:txLinClrLst/>
+    <dgm:txFillClrLst/>
+    <dgm:txEffectClrLst/>
+  </dgm:styleLbl>
+  <dgm:styleLbl name="node2">
+    <dgm:fillClrLst meth="repeat">
+      <a:schemeClr val="accent1"/>
+    </dgm:fillClrLst>
+    <dgm:linClrLst meth="repeat">
+      <a:schemeClr val="lt1"/>
+    </dgm:linClrLst>
+    <dgm:effectClrLst/>
+    <dgm:txLinClrLst/>
+    <dgm:txFillClrLst/>
+    <dgm:txEffectClrLst/>
+  </dgm:styleLbl>
+  <dgm:styleLbl name="node3">
+    <dgm:fillClrLst meth="repeat">
+      <a:schemeClr val="accent1"/>
+    </dgm:fillClrLst>
+    <dgm:linClrLst meth="repeat">
+      <a:schemeClr val="lt1"/>
+    </dgm:linClrLst>
+    <dgm:effectClrLst/>
+    <dgm:txLinClrLst/>
+    <dgm:txFillClrLst/>
+    <dgm:txEffectClrLst/>
+  </dgm:styleLbl>
+  <dgm:styleLbl name="node4">
+    <dgm:fillClrLst meth="repeat">
+      <a:schemeClr val="accent1"/>
+    </dgm:fillClrLst>
+    <dgm:linClrLst meth="repeat">
+      <a:schemeClr val="lt1"/>
+    </dgm:linClrLst>
+    <dgm:effectClrLst/>
+    <dgm:txLinClrLst/>
+    <dgm:txFillClrLst/>
+    <dgm:txEffectClrLst/>
+  </dgm:styleLbl>
+  <dgm:styleLbl name="fgImgPlace1">
+    <dgm:fillClrLst meth="repeat">
+      <a:schemeClr val="accent1">
+        <a:tint val="50000"/>
+      </a:schemeClr>
+    </dgm:fillClrLst>
+    <dgm:linClrLst meth="repeat">
+      <a:schemeClr val="lt1"/>
+    </dgm:linClrLst>
+    <dgm:effectClrLst/>
+    <dgm:txLinClrLst/>
+    <dgm:txFillClrLst meth="repeat">
+      <a:schemeClr val="lt1"/>
+    </dgm:txFillClrLst>
+    <dgm:txEffectClrLst/>
+  </dgm:styleLbl>
+  <dgm:styleLbl name="alignImgPlace1">
+    <dgm:fillClrLst meth="repeat">
+      <a:schemeClr val="accent1">
+        <a:tint val="50000"/>
+      </a:schemeClr>
+    </dgm:fillClrLst>
+    <dgm:linClrLst meth="repeat">
+      <a:schemeClr val="lt1"/>
+    </dgm:linClrLst>
+    <dgm:effectClrLst/>
+    <dgm:txLinClrLst/>
+    <dgm:txFillClrLst meth="repeat">
+      <a:schemeClr val="lt1"/>
+    </dgm:txFillClrLst>
+    <dgm:txEffectClrLst/>
+  </dgm:styleLbl>
+  <dgm:styleLbl name="bgImgPlace1">
+    <dgm:fillClrLst meth="repeat">
+      <a:schemeClr val="accent1">
+        <a:tint val="50000"/>
+      </a:schemeClr>
+    </dgm:fillClrLst>
+    <dgm:linClrLst meth="repeat">
+      <a:schemeClr val="lt1"/>
+    </dgm:linClrLst>
+    <dgm:effectClrLst/>
+    <dgm:txLinClrLst/>
+    <dgm:txFillClrLst meth="repeat">
+      <a:schemeClr val="lt1"/>
+    </dgm:txFillClrLst>
+    <dgm:txEffectClrLst/>
+  </dgm:styleLbl>
+  <dgm:styleLbl name="sibTrans2D1">
+    <dgm:fillClrLst meth="repeat">
+      <a:schemeClr val="accent1">
+        <a:tint val="60000"/>
+      </a:schemeClr>
+    </dgm:fillClrLst>
+    <dgm:linClrLst meth="repeat">
+      <a:schemeClr val="accent1">
+        <a:tint val="60000"/>
+      </a:schemeClr>
+    </dgm:linClrLst>
+    <dgm:effectClrLst/>
+    <dgm:txLinClrLst/>
+    <dgm:txFillClrLst/>
+    <dgm:txEffectClrLst/>
+  </dgm:styleLbl>
+  <dgm:styleLbl name="fgSibTrans2D1">
+    <dgm:fillClrLst meth="repeat">
+      <a:schemeClr val="accent1">
+        <a:tint val="60000"/>
+      </a:schemeClr>
+    </dgm:fillClrLst>
+    <dgm:linClrLst meth="repeat">
+      <a:schemeClr val="accent1">
+        <a:tint val="60000"/>
+      </a:schemeClr>
+    </dgm:linClrLst>
+    <dgm:effectClrLst/>
+    <dgm:txLinClrLst/>
+    <dgm:txFillClrLst/>
+    <dgm:txEffectClrLst/>
+  </dgm:styleLbl>
+  <dgm:styleLbl name="bgSibTrans2D1">
+    <dgm:fillClrLst meth="repeat">
+      <a:schemeClr val="accent1">
+        <a:tint val="60000"/>
+      </a:schemeClr>
+    </dgm:fillClrLst>
+    <dgm:linClrLst meth="repeat">
+      <a:schemeClr val="accent1">
+        <a:tint val="60000"/>
+      </a:schemeClr>
+    </dgm:linClrLst>
+    <dgm:effectClrLst/>
+    <dgm:txLinClrLst/>
+    <dgm:txFillClrLst/>
+    <dgm:txEffectClrLst/>
+  </dgm:styleLbl>
+  <dgm:styleLbl name="sibTrans1D1">
+    <dgm:fillClrLst meth="repeat">
+      <a:schemeClr val="accent1"/>
+    </dgm:fillClrLst>
+    <dgm:linClrLst meth="repeat">
+      <a:schemeClr val="accent1"/>
+    </dgm:linClrLst>
+    <dgm:effectClrLst/>
+    <dgm:txLinClrLst/>
+    <dgm:txFillClrLst meth="repeat">
+      <a:schemeClr val="tx1"/>
+    </dgm:txFillClrLst>
+    <dgm:txEffectClrLst/>
+  </dgm:styleLbl>
+  <dgm:styleLbl name="callout">
+    <dgm:fillClrLst meth="repeat">
+      <a:schemeClr val="accent1"/>
+    </dgm:fillClrLst>
+    <dgm:linClrLst meth="repeat">
+      <a:schemeClr val="accent1">
+        <a:tint val="50000"/>
+      </a:schemeClr>
+    </dgm:linClrLst>
+    <dgm:effectClrLst/>
+    <dgm:txLinClrLst/>
+    <dgm:txFillClrLst meth="repeat">
+      <a:schemeClr val="tx1"/>
+    </dgm:txFillClrLst>
+    <dgm:txEffectClrLst/>
+  </dgm:styleLbl>
+  <dgm:styleLbl name="asst0">
+    <dgm:fillClrLst meth="repeat">
+      <a:schemeClr val="accent1"/>
+    </dgm:fillClrLst>
+    <dgm:linClrLst meth="repeat">
+      <a:schemeClr val="lt1"/>
+    </dgm:linClrLst>
+    <dgm:effectClrLst/>
+    <dgm:txLinClrLst/>
+    <dgm:txFillClrLst/>
+    <dgm:txEffectClrLst/>
+  </dgm:styleLbl>
+  <dgm:styleLbl name="asst1">
+    <dgm:fillClrLst meth="repeat">
+      <a:schemeClr val="accent1"/>
+    </dgm:fillClrLst>
+    <dgm:linClrLst meth="repeat">
+      <a:schemeClr val="lt1"/>
+    </dgm:linClrLst>
+    <dgm:effectClrLst/>
+    <dgm:txLinClrLst/>
+    <dgm:txFillClrLst/>
+    <dgm:txEffectClrLst/>
+  </dgm:styleLbl>
+  <dgm:styleLbl name="asst2">
+    <dgm:fillClrLst meth="repeat">
+      <a:schemeClr val="accent1"/>
+    </dgm:fillClrLst>
+    <dgm:linClrLst meth="repeat">
+      <a:schemeClr val="lt1"/>
+    </dgm:linClrLst>
+    <dgm:effectClrLst/>
+    <dgm:txLinClrLst/>
+    <dgm:txFillClrLst/>
+    <dgm:txEffectClrLst/>
+  </dgm:styleLbl>
+  <dgm:styleLbl name="asst3">
+    <dgm:fillClrLst meth="repeat">
+      <a:schemeClr val="accent1"/>
+    </dgm:fillClrLst>
+    <dgm:linClrLst meth="repeat">
+      <a:schemeClr val="lt1"/>
+    </dgm:linClrLst>
+    <dgm:effectClrLst/>
+    <dgm:txLinClrLst/>
+    <dgm:txFillClrLst/>
+    <dgm:txEffectClrLst/>
+  </dgm:styleLbl>
+  <dgm:styleLbl name="asst4">
+    <dgm:fillClrLst meth="repeat">
+      <a:schemeClr val="accent1"/>
+    </dgm:fillClrLst>
+    <dgm:linClrLst meth="repeat">
+      <a:schemeClr val="lt1"/>
+    </dgm:linClrLst>
+    <dgm:effectClrLst/>
+    <dgm:txLinClrLst/>
+    <dgm:txFillClrLst/>
+    <dgm:txEffectClrLst/>
+  </dgm:styleLbl>
+  <dgm:styleLbl name="parChTrans2D1">
+    <dgm:fillClrLst meth="repeat">
+      <a:schemeClr val="accent1">
+        <a:tint val="60000"/>
+      </a:schemeClr>
+    </dgm:fillClrLst>
+    <dgm:linClrLst meth="repeat">
+      <a:schemeClr val="accent1">
+        <a:tint val="60000"/>
+      </a:schemeClr>
+    </dgm:linClrLst>
+    <dgm:effectClrLst/>
+    <dgm:txLinClrLst/>
+    <dgm:txFillClrLst meth="repeat">
+      <a:schemeClr val="lt1"/>
+    </dgm:txFillClrLst>
+    <dgm:txEffectClrLst/>
+  </dgm:styleLbl>
+  <dgm:styleLbl name="parChTrans2D2">
+    <dgm:fillClrLst meth="repeat">
+      <a:schemeClr val="accent1"/>
+    </dgm:fillClrLst>
+    <dgm:linClrLst meth="repeat">
+      <a:schemeClr val="accent1"/>
+    </dgm:linClrLst>
+    <dgm:effectClrLst/>
+    <dgm:txLinClrLst/>
+    <dgm:txFillClrLst meth="repeat">
+      <a:schemeClr val="lt1"/>
+    </dgm:txFillClrLst>
+    <dgm:txEffectClrLst/>
+  </dgm:styleLbl>
+  <dgm:styleLbl name="parChTrans2D3">
+    <dgm:fillClrLst meth="repeat">
+      <a:schemeClr val="accent1"/>
+    </dgm:fillClrLst>
+    <dgm:linClrLst meth="repeat">
+      <a:schemeClr val="accent1"/>
+    </dgm:linClrLst>
+    <dgm:effectClrLst/>
+    <dgm:txLinClrLst/>
+    <dgm:txFillClrLst meth="repeat">
+      <a:schemeClr val="lt1"/>
+    </dgm:txFillClrLst>
+    <dgm:txEffectClrLst/>
+  </dgm:styleLbl>
+  <dgm:styleLbl name="parChTrans2D4">
+    <dgm:fillClrLst meth="repeat">
+      <a:schemeClr val="accent1"/>
+    </dgm:fillClrLst>
+    <dgm:linClrLst meth="repeat">
+      <a:schemeClr val="accent1"/>
+    </dgm:linClrLst>
+    <dgm:effectClrLst/>
+    <dgm:txLinClrLst/>
+    <dgm:txFillClrLst meth="repeat">
+      <a:schemeClr val="lt1"/>
+    </dgm:txFillClrLst>
+    <dgm:txEffectClrLst/>
+  </dgm:styleLbl>
+  <dgm:styleLbl name="parChTrans1D1">
+    <dgm:fillClrLst meth="repeat">
+      <a:schemeClr val="accent1"/>
+    </dgm:fillClrLst>
+    <dgm:linClrLst meth="repeat">
+      <a:schemeClr val="accent1">
+        <a:shade val="60000"/>
+      </a:schemeClr>
+    </dgm:linClrLst>
+    <dgm:effectClrLst/>
+    <dgm:txLinClrLst/>
+    <dgm:txFillClrLst meth="repeat">
+      <a:schemeClr val="tx1"/>
+    </dgm:txFillClrLst>
+    <dgm:txEffectClrLst/>
+  </dgm:styleLbl>
+  <dgm:styleLbl name="parChTrans1D2">
+    <dgm:fillClrLst meth="repeat">
+      <a:schemeClr val="accent1"/>
+    </dgm:fillClrLst>
+    <dgm:linClrLst meth="repeat">
+      <a:schemeClr val="accent1">
+        <a:shade val="60000"/>
+      </a:schemeClr>
+    </dgm:linClrLst>
+    <dgm:effectClrLst/>
+    <dgm:txLinClrLst/>
+    <dgm:txFillClrLst meth="repeat">
+      <a:schemeClr val="tx1"/>
+    </dgm:txFillClrLst>
+    <dgm:txEffectClrLst/>
+  </dgm:styleLbl>
+  <dgm:styleLbl name="parChTrans1D3">
+    <dgm:fillClrLst meth="repeat">
+      <a:schemeClr val="accent1"/>
+    </dgm:fillClrLst>
+    <dgm:linClrLst meth="repeat">
+      <a:schemeClr val="accent1">
+        <a:shade val="80000"/>
+      </a:schemeClr>
+    </dgm:linClrLst>
+    <dgm:effectClrLst/>
+    <dgm:txLinClrLst/>
+    <dgm:txFillClrLst meth="repeat">
+      <a:schemeClr val="tx1"/>
+    </dgm:txFillClrLst>
+    <dgm:txEffectClrLst/>
+  </dgm:styleLbl>
+  <dgm:styleLbl name="parChTrans1D4">
+    <dgm:fillClrLst meth="repeat">
+      <a:schemeClr val="accent1"/>
+    </dgm:fillClrLst>
+    <dgm:linClrLst meth="repeat">
+      <a:schemeClr val="accent1">
+        <a:shade val="80000"/>
+      </a:schemeClr>
+    </dgm:linClrLst>
+    <dgm:effectClrLst/>
+    <dgm:txLinClrLst/>
+    <dgm:txFillClrLst meth="repeat">
+      <a:schemeClr val="tx1"/>
+    </dgm:txFillClrLst>
+    <dgm:txEffectClrLst/>
+  </dgm:styleLbl>
+  <dgm:styleLbl name="fgAcc1">
+    <dgm:fillClrLst meth="repeat">
+      <a:schemeClr val="lt1">
+        <a:alpha val="90000"/>
+      </a:schemeClr>
+    </dgm:fillClrLst>
+    <dgm:linClrLst meth="repeat">
+      <a:schemeClr val="accent1"/>
+    </dgm:linClrLst>
+    <dgm:effectClrLst/>
+    <dgm:txLinClrLst/>
+    <dgm:txFillClrLst meth="repeat">
+      <a:schemeClr val="dk1"/>
+    </dgm:txFillClrLst>
+    <dgm:txEffectClrLst/>
+  </dgm:styleLbl>
+  <dgm:styleLbl name="conFgAcc1">
+    <dgm:fillClrLst meth="repeat">
+      <a:schemeClr val="lt1">
+        <a:alpha val="90000"/>
+      </a:schemeClr>
+    </dgm:fillClrLst>
+    <dgm:linClrLst meth="repeat">
+      <a:schemeClr val="accent1"/>
+    </dgm:linClrLst>
+    <dgm:effectClrLst/>
+    <dgm:txLinClrLst/>
+    <dgm:txFillClrLst meth="repeat">
+      <a:schemeClr val="dk1"/>
+    </dgm:txFillClrLst>
+    <dgm:txEffectClrLst/>
+  </dgm:styleLbl>
+  <dgm:styleLbl name="alignAcc1">
+    <dgm:fillClrLst meth="repeat">
+      <a:schemeClr val="lt1">
+        <a:alpha val="90000"/>
+      </a:schemeClr>
+    </dgm:fillClrLst>
+    <dgm:linClrLst meth="repeat">
+      <a:schemeClr val="accent1"/>
+    </dgm:linClrLst>
+    <dgm:effectClrLst/>
+    <dgm:txLinClrLst/>
+    <dgm:txFillClrLst meth="repeat">
+      <a:schemeClr val="dk1"/>
+    </dgm:txFillClrLst>
+    <dgm:txEffectClrLst/>
+  </dgm:styleLbl>
+  <dgm:styleLbl name="trAlignAcc1">
+    <dgm:fillClrLst meth="repeat">
+      <a:schemeClr val="lt1">
+        <a:alpha val="40000"/>
+      </a:schemeClr>
+    </dgm:fillClrLst>
+    <dgm:linClrLst meth="repeat">
+      <a:schemeClr val="accent1"/>
+    </dgm:linClrLst>
+    <dgm:effectClrLst/>
+    <dgm:txLinClrLst/>
+    <dgm:txFillClrLst meth="repeat">
+      <a:schemeClr val="dk1"/>
+    </dgm:txFillClrLst>
+    <dgm:txEffectClrLst/>
+  </dgm:styleLbl>
+  <dgm:styleLbl name="bgAcc1">
+    <dgm:fillClrLst meth="repeat">
+      <a:schemeClr val="lt1">
+        <a:alpha val="90000"/>
+      </a:schemeClr>
+    </dgm:fillClrLst>
+    <dgm:linClrLst meth="repeat">
+      <a:schemeClr val="accent1"/>
+    </dgm:linClrLst>
+    <dgm:effectClrLst/>
+    <dgm:txLinClrLst/>
+    <dgm:txFillClrLst meth="repeat">
+      <a:schemeClr val="dk1"/>
+    </dgm:txFillClrLst>
+    <dgm:txEffectClrLst/>
+  </dgm:styleLbl>
+  <dgm:styleLbl name="solidFgAcc1">
+    <dgm:fillClrLst meth="repeat">
+      <a:schemeClr val="lt1"/>
+    </dgm:fillClrLst>
+    <dgm:linClrLst meth="repeat">
+      <a:schemeClr val="accent1"/>
+    </dgm:linClrLst>
+    <dgm:effectClrLst/>
+    <dgm:txLinClrLst/>
+    <dgm:txFillClrLst meth="repeat">
+      <a:schemeClr val="dk1"/>
+    </dgm:txFillClrLst>
+    <dgm:txEffectClrLst/>
+  </dgm:styleLbl>
+  <dgm:styleLbl name="solidAlignAcc1">
+    <dgm:fillClrLst meth="repeat">
+      <a:schemeClr val="lt1"/>
+    </dgm:fillClrLst>
+    <dgm:linClrLst meth="repeat">
+      <a:schemeClr val="accent1"/>
+    </dgm:linClrLst>
+    <dgm:effectClrLst/>
+    <dgm:txLinClrLst/>
+    <dgm:txFillClrLst meth="repeat">
+      <a:schemeClr val="dk1"/>
+    </dgm:txFillClrLst>
+    <dgm:txEffectClrLst/>
+  </dgm:styleLbl>
+  <dgm:styleLbl name="solidBgAcc1">
+    <dgm:fillClrLst meth="repeat">
+      <a:schemeClr val="lt1"/>
+    </dgm:fillClrLst>
+    <dgm:linClrLst meth="repeat">
+      <a:schemeClr val="accent1"/>
+    </dgm:linClrLst>
+    <dgm:effectClrLst/>
+    <dgm:txLinClrLst/>
+    <dgm:txFillClrLst meth="repeat">
+      <a:schemeClr val="dk1"/>
+    </dgm:txFillClrLst>
+    <dgm:txEffectClrLst/>
+  </dgm:styleLbl>
+  <dgm:styleLbl name="fgAccFollowNode1">
+    <dgm:fillClrLst meth="repeat">
+      <a:schemeClr val="accent1">
+        <a:alpha val="90000"/>
+        <a:tint val="40000"/>
+      </a:schemeClr>
+    </dgm:fillClrLst>
+    <dgm:linClrLst meth="repeat">
+      <a:schemeClr val="accent1">
+        <a:alpha val="90000"/>
+        <a:tint val="40000"/>
+      </a:schemeClr>
+    </dgm:linClrLst>
+    <dgm:effectClrLst/>
+    <dgm:txLinClrLst/>
+    <dgm:txFillClrLst meth="repeat">
+      <a:schemeClr val="dk1"/>
+    </dgm:txFillClrLst>
+    <dgm:txEffectClrLst/>
+  </dgm:styleLbl>
+  <dgm:styleLbl name="alignAccFollowNode1">
+    <dgm:fillClrLst meth="repeat">
+      <a:schemeClr val="accent1">
+        <a:alpha val="90000"/>
+        <a:tint val="40000"/>
+      </a:schemeClr>
+    </dgm:fillClrLst>
+    <dgm:linClrLst meth="repeat">
+      <a:schemeClr val="accent1">
+        <a:alpha val="90000"/>
+        <a:tint val="40000"/>
+      </a:schemeClr>
+    </dgm:linClrLst>
+    <dgm:effectClrLst/>
+    <dgm:txLinClrLst/>
+    <dgm:txFillClrLst meth="repeat">
+      <a:schemeClr val="dk1"/>
+    </dgm:txFillClrLst>
+    <dgm:txEffectClrLst/>
+  </dgm:styleLbl>
+  <dgm:styleLbl name="bgAccFollowNode1">
+    <dgm:fillClrLst meth="repeat">
+      <a:schemeClr val="accent1">
+        <a:alpha val="90000"/>
+        <a:tint val="40000"/>
+      </a:schemeClr>
+    </dgm:fillClrLst>
+    <dgm:linClrLst meth="repeat">
+      <a:schemeClr val="accent1">
+        <a:alpha val="90000"/>
+        <a:tint val="40000"/>
+      </a:schemeClr>
+    </dgm:linClrLst>
+    <dgm:effectClrLst/>
+    <dgm:txLinClrLst/>
+    <dgm:txFillClrLst meth="repeat">
+      <a:schemeClr val="dk1"/>
+    </dgm:txFillClrLst>
+    <dgm:txEffectClrLst/>
+  </dgm:styleLbl>
+  <dgm:styleLbl name="fgAcc0">
+    <dgm:fillClrLst meth="repeat">
+      <a:schemeClr val="lt1">
+        <a:alpha val="90000"/>
+      </a:schemeClr>
+    </dgm:fillClrLst>
+    <dgm:linClrLst meth="repeat">
+      <a:schemeClr val="accent1"/>
+    </dgm:linClrLst>
+    <dgm:effectClrLst/>
+    <dgm:txLinClrLst/>
+    <dgm:txFillClrLst meth="repeat">
+      <a:schemeClr val="dk1"/>
+    </dgm:txFillClrLst>
+    <dgm:txEffectClrLst/>
+  </dgm:styleLbl>
+  <dgm:styleLbl name="fgAcc2">
+    <dgm:fillClrLst meth="repeat">
+      <a:schemeClr val="lt1">
+        <a:alpha val="90000"/>
+      </a:schemeClr>
+    </dgm:fillClrLst>
+    <dgm:linClrLst meth="repeat">
+      <a:schemeClr val="accent1"/>
+    </dgm:linClrLst>
+    <dgm:effectClrLst/>
+    <dgm:txLinClrLst/>
+    <dgm:txFillClrLst meth="repeat">
+      <a:schemeClr val="dk1"/>
+    </dgm:txFillClrLst>
+    <dgm:txEffectClrLst/>
+  </dgm:styleLbl>
+  <dgm:styleLbl name="fgAcc3">
+    <dgm:fillClrLst meth="repeat">
+      <a:schemeClr val="lt1">
+        <a:alpha val="90000"/>
+      </a:schemeClr>
+    </dgm:fillClrLst>
+    <dgm:linClrLst meth="repeat">
+      <a:schemeClr val="accent1"/>
+    </dgm:linClrLst>
+    <dgm:effectClrLst/>
+    <dgm:txLinClrLst/>
+    <dgm:txFillClrLst meth="repeat">
+      <a:schemeClr val="dk1"/>
+    </dgm:txFillClrLst>
+    <dgm:txEffectClrLst/>
+  </dgm:styleLbl>
+  <dgm:styleLbl name="fgAcc4">
+    <dgm:fillClrLst meth="repeat">
+      <a:schemeClr val="lt1">
+        <a:alpha val="90000"/>
+      </a:schemeClr>
+    </dgm:fillClrLst>
+    <dgm:linClrLst meth="repeat">
+      <a:schemeClr val="accent1"/>
+    </dgm:linClrLst>
+    <dgm:effectClrLst/>
+    <dgm:txLinClrLst/>
+    <dgm:txFillClrLst meth="repeat">
+      <a:schemeClr val="dk1"/>
+    </dgm:txFillClrLst>
+    <dgm:txEffectClrLst/>
+  </dgm:styleLbl>
+  <dgm:styleLbl name="bgShp">
+    <dgm:fillClrLst meth="repeat">
+      <a:schemeClr val="accent1">
+        <a:tint val="40000"/>
+      </a:schemeClr>
+    </dgm:fillClrLst>
+    <dgm:linClrLst meth="repeat">
+      <a:schemeClr val="accent1"/>
+    </dgm:linClrLst>
+    <dgm:effectClrLst/>
+    <dgm:txLinClrLst/>
+    <dgm:txFillClrLst meth="repeat">
+      <a:schemeClr val="dk1"/>
+    </dgm:txFillClrLst>
+    <dgm:txEffectClrLst/>
+  </dgm:styleLbl>
+  <dgm:styleLbl name="dkBgShp">
+    <dgm:fillClrLst meth="repeat">
+      <a:schemeClr val="accent1">
+        <a:shade val="80000"/>
+      </a:schemeClr>
+    </dgm:fillClrLst>
+    <dgm:linClrLst meth="repeat">
+      <a:schemeClr val="accent1"/>
+    </dgm:linClrLst>
+    <dgm:effectClrLst/>
+    <dgm:txLinClrLst/>
+    <dgm:txFillClrLst meth="repeat">
+      <a:schemeClr val="lt1"/>
+    </dgm:txFillClrLst>
+    <dgm:txEffectClrLst/>
+  </dgm:styleLbl>
+  <dgm:styleLbl name="trBgShp">
+    <dgm:fillClrLst meth="repeat">
+      <a:schemeClr val="accent1">
+        <a:tint val="50000"/>
+        <a:alpha val="40000"/>
+      </a:schemeClr>
+    </dgm:fillClrLst>
+    <dgm:linClrLst meth="repeat">
+      <a:schemeClr val="accent1"/>
+    </dgm:linClrLst>
+    <dgm:effectClrLst/>
+    <dgm:txLinClrLst/>
+    <dgm:txFillClrLst meth="repeat">
+      <a:schemeClr val="lt1"/>
+    </dgm:txFillClrLst>
+    <dgm:txEffectClrLst/>
+  </dgm:styleLbl>
+  <dgm:styleLbl name="fgShp">
+    <dgm:fillClrLst meth="repeat">
+      <a:schemeClr val="accent1">
+        <a:tint val="60000"/>
+      </a:schemeClr>
+    </dgm:fillClrLst>
+    <dgm:linClrLst meth="repeat">
+      <a:schemeClr val="lt1"/>
+    </dgm:linClrLst>
+    <dgm:effectClrLst/>
+    <dgm:txLinClrLst/>
+    <dgm:txFillClrLst meth="repeat">
+      <a:schemeClr val="dk1"/>
+    </dgm:txFillClrLst>
+    <dgm:txEffectClrLst/>
+  </dgm:styleLbl>
+  <dgm:styleLbl name="revTx">
+    <dgm:fillClrLst meth="repeat">
+      <a:schemeClr val="lt1">
+        <a:alpha val="0"/>
+      </a:schemeClr>
+    </dgm:fillClrLst>
+    <dgm:linClrLst meth="repeat">
+      <a:schemeClr val="dk1">
+        <a:alpha val="0"/>
+      </a:schemeClr>
+    </dgm:linClrLst>
+    <dgm:effectClrLst/>
+    <dgm:txLinClrLst/>
+    <dgm:txFillClrLst meth="repeat">
+      <a:schemeClr val="tx1"/>
+    </dgm:txFillClrLst>
+    <dgm:txEffectClrLst/>
+  </dgm:styleLbl>
+</dgm:colorsDef>
+</file>
+
+<file path=ppt/diagrams/data1.xml><?xml version="1.0" encoding="utf-8"?>
+<dgm:dataModel xmlns:dgm="http://schemas.openxmlformats.org/drawingml/2006/diagram" xmlns:a="http://schemas.openxmlformats.org/drawingml/2006/main">
+  <dgm:ptLst>
+    <dgm:pt modelId="{FB16CEF0-2569-6B4C-BE2B-AFE3C60E98A6}" type="doc">
+      <dgm:prSet loTypeId="urn:microsoft.com/office/officeart/2005/8/layout/cycle2" loCatId="" qsTypeId="urn:microsoft.com/office/officeart/2005/8/quickstyle/simple4" qsCatId="simple" csTypeId="urn:microsoft.com/office/officeart/2005/8/colors/accent1_2" csCatId="accent1" phldr="1"/>
+      <dgm:spPr/>
+      <dgm:t>
+        <a:bodyPr/>
+        <a:lstStyle/>
+        <a:p>
+          <a:endParaRPr lang="en-US"/>
+        </a:p>
+      </dgm:t>
+    </dgm:pt>
+    <dgm:pt modelId="{37EADD1E-6766-D042-AB30-C1A1E7232FF2}">
+      <dgm:prSet phldrT="[Text]"/>
+      <dgm:spPr/>
+      <dgm:t>
+        <a:bodyPr/>
+        <a:lstStyle/>
+        <a:p>
+          <a:r>
+            <a:rPr lang="en-US" smtClean="0"/>
+            <a:t>Monarchy</a:t>
+          </a:r>
+          <a:endParaRPr lang="en-US"/>
+        </a:p>
+      </dgm:t>
+    </dgm:pt>
+    <dgm:pt modelId="{B6B831BB-D55B-7045-AF74-D6B34D615C7D}" type="parTrans" cxnId="{57521F8C-173D-E142-AA93-0E63C9285AB8}">
+      <dgm:prSet/>
+      <dgm:spPr/>
+      <dgm:t>
+        <a:bodyPr/>
+        <a:lstStyle/>
+        <a:p>
+          <a:endParaRPr lang="en-US"/>
+        </a:p>
+      </dgm:t>
+    </dgm:pt>
+    <dgm:pt modelId="{5AB83336-0D36-5B47-A681-AED638EDA44E}" type="sibTrans" cxnId="{57521F8C-173D-E142-AA93-0E63C9285AB8}">
+      <dgm:prSet/>
+      <dgm:spPr/>
+      <dgm:t>
+        <a:bodyPr/>
+        <a:lstStyle/>
+        <a:p>
+          <a:endParaRPr lang="en-US"/>
+        </a:p>
+      </dgm:t>
+    </dgm:pt>
+    <dgm:pt modelId="{1D321C66-8FC0-C546-AE1A-5D5DB5823710}">
+      <dgm:prSet phldrT="[Text]"/>
+      <dgm:spPr/>
+      <dgm:t>
+        <a:bodyPr/>
+        <a:lstStyle/>
+        <a:p>
+          <a:r>
+            <a:rPr lang="en-US" dirty="0" smtClean="0"/>
+            <a:t>Aristocracy</a:t>
+          </a:r>
+          <a:endParaRPr lang="en-US" dirty="0"/>
+        </a:p>
+      </dgm:t>
+    </dgm:pt>
+    <dgm:pt modelId="{57E9755A-AF2D-A748-82CB-3F978AF5A804}" type="parTrans" cxnId="{6604C691-3170-1244-940D-31DC8D163F63}">
+      <dgm:prSet/>
+      <dgm:spPr/>
+      <dgm:t>
+        <a:bodyPr/>
+        <a:lstStyle/>
+        <a:p>
+          <a:endParaRPr lang="en-US"/>
+        </a:p>
+      </dgm:t>
+    </dgm:pt>
+    <dgm:pt modelId="{B58B709A-17AD-CA46-9A66-CDE109F2596A}" type="sibTrans" cxnId="{6604C691-3170-1244-940D-31DC8D163F63}">
+      <dgm:prSet/>
+      <dgm:spPr/>
+      <dgm:t>
+        <a:bodyPr/>
+        <a:lstStyle/>
+        <a:p>
+          <a:endParaRPr lang="en-US"/>
+        </a:p>
+      </dgm:t>
+    </dgm:pt>
+    <dgm:pt modelId="{6FAB5E4F-3B29-2D40-A7B3-510B67F0F36B}">
+      <dgm:prSet phldrT="[Text]"/>
+      <dgm:spPr/>
+      <dgm:t>
+        <a:bodyPr/>
+        <a:lstStyle/>
+        <a:p>
+          <a:r>
+            <a:rPr lang="en-US" dirty="0" smtClean="0"/>
+            <a:t>Democracy</a:t>
+          </a:r>
+          <a:endParaRPr lang="en-US" dirty="0"/>
+        </a:p>
+      </dgm:t>
+    </dgm:pt>
+    <dgm:pt modelId="{E5F12C19-4AD7-394B-A8E2-6FA4330DF1DB}" type="parTrans" cxnId="{A1629383-FED4-F44F-8870-EA0CBFBE82CF}">
+      <dgm:prSet/>
+      <dgm:spPr/>
+      <dgm:t>
+        <a:bodyPr/>
+        <a:lstStyle/>
+        <a:p>
+          <a:endParaRPr lang="en-US"/>
+        </a:p>
+      </dgm:t>
+    </dgm:pt>
+    <dgm:pt modelId="{7E9DC87A-8C15-AB4A-AC63-A8CFD7403CDF}" type="sibTrans" cxnId="{A1629383-FED4-F44F-8870-EA0CBFBE82CF}">
+      <dgm:prSet/>
+      <dgm:spPr/>
+      <dgm:t>
+        <a:bodyPr/>
+        <a:lstStyle/>
+        <a:p>
+          <a:endParaRPr lang="en-US"/>
+        </a:p>
+      </dgm:t>
+    </dgm:pt>
+    <dgm:pt modelId="{DFBCBB2B-9243-D644-B374-8736E146E74C}">
+      <dgm:prSet phldrT="[Text]"/>
+      <dgm:spPr/>
+      <dgm:t>
+        <a:bodyPr/>
+        <a:lstStyle/>
+        <a:p>
+          <a:r>
+            <a:rPr lang="en-US" dirty="0" smtClean="0"/>
+            <a:t>Anarchy</a:t>
+          </a:r>
+          <a:endParaRPr lang="en-US" dirty="0"/>
+        </a:p>
+      </dgm:t>
+    </dgm:pt>
+    <dgm:pt modelId="{87876333-7E72-8945-94FE-F130EB76CA64}" type="parTrans" cxnId="{C17B54D8-47AE-6448-8810-48DBC5D9412F}">
+      <dgm:prSet/>
+      <dgm:spPr/>
+      <dgm:t>
+        <a:bodyPr/>
+        <a:lstStyle/>
+        <a:p>
+          <a:endParaRPr lang="en-US"/>
+        </a:p>
+      </dgm:t>
+    </dgm:pt>
+    <dgm:pt modelId="{25AA5A84-54D2-7949-8783-7A8A4B3BA792}" type="sibTrans" cxnId="{C17B54D8-47AE-6448-8810-48DBC5D9412F}">
+      <dgm:prSet/>
+      <dgm:spPr/>
+      <dgm:t>
+        <a:bodyPr/>
+        <a:lstStyle/>
+        <a:p>
+          <a:endParaRPr lang="en-US"/>
+        </a:p>
+      </dgm:t>
+    </dgm:pt>
+    <dgm:pt modelId="{EF3E6153-FC19-C047-AE23-C501F0291717}" type="pres">
+      <dgm:prSet presAssocID="{FB16CEF0-2569-6B4C-BE2B-AFE3C60E98A6}" presName="cycle" presStyleCnt="0">
+        <dgm:presLayoutVars>
+          <dgm:dir/>
+          <dgm:resizeHandles val="exact"/>
+        </dgm:presLayoutVars>
+      </dgm:prSet>
+      <dgm:spPr/>
+      <dgm:t>
+        <a:bodyPr/>
+        <a:lstStyle/>
+        <a:p>
+          <a:endParaRPr lang="en-US"/>
+        </a:p>
+      </dgm:t>
+    </dgm:pt>
+    <dgm:pt modelId="{EC0F7217-DBE1-0A40-A387-65E0FC30A780}" type="pres">
+      <dgm:prSet presAssocID="{37EADD1E-6766-D042-AB30-C1A1E7232FF2}" presName="node" presStyleLbl="node1" presStyleIdx="0" presStyleCnt="4">
+        <dgm:presLayoutVars>
+          <dgm:bulletEnabled val="1"/>
+        </dgm:presLayoutVars>
+      </dgm:prSet>
+      <dgm:spPr/>
+      <dgm:t>
+        <a:bodyPr/>
+        <a:lstStyle/>
+        <a:p>
+          <a:endParaRPr lang="en-US"/>
+        </a:p>
+      </dgm:t>
+    </dgm:pt>
+    <dgm:pt modelId="{365D6472-2462-1B48-9FC4-20B6AD4D6189}" type="pres">
+      <dgm:prSet presAssocID="{5AB83336-0D36-5B47-A681-AED638EDA44E}" presName="sibTrans" presStyleLbl="sibTrans2D1" presStyleIdx="0" presStyleCnt="4"/>
+      <dgm:spPr/>
+      <dgm:t>
+        <a:bodyPr/>
+        <a:lstStyle/>
+        <a:p>
+          <a:endParaRPr lang="en-US"/>
+        </a:p>
+      </dgm:t>
+    </dgm:pt>
+    <dgm:pt modelId="{FFAA87DE-4BD2-EE4D-8B80-FF09AAEE570A}" type="pres">
+      <dgm:prSet presAssocID="{5AB83336-0D36-5B47-A681-AED638EDA44E}" presName="connectorText" presStyleLbl="sibTrans2D1" presStyleIdx="0" presStyleCnt="4"/>
+      <dgm:spPr/>
+      <dgm:t>
+        <a:bodyPr/>
+        <a:lstStyle/>
+        <a:p>
+          <a:endParaRPr lang="en-US"/>
+        </a:p>
+      </dgm:t>
+    </dgm:pt>
+    <dgm:pt modelId="{88047F29-16DD-F145-8787-409FB1CB42C6}" type="pres">
+      <dgm:prSet presAssocID="{1D321C66-8FC0-C546-AE1A-5D5DB5823710}" presName="node" presStyleLbl="node1" presStyleIdx="1" presStyleCnt="4">
+        <dgm:presLayoutVars>
+          <dgm:bulletEnabled val="1"/>
+        </dgm:presLayoutVars>
+      </dgm:prSet>
+      <dgm:spPr/>
+      <dgm:t>
+        <a:bodyPr/>
+        <a:lstStyle/>
+        <a:p>
+          <a:endParaRPr lang="en-US"/>
+        </a:p>
+      </dgm:t>
+    </dgm:pt>
+    <dgm:pt modelId="{71835ACE-F13F-EE4C-B9A4-8222943FFE19}" type="pres">
+      <dgm:prSet presAssocID="{B58B709A-17AD-CA46-9A66-CDE109F2596A}" presName="sibTrans" presStyleLbl="sibTrans2D1" presStyleIdx="1" presStyleCnt="4"/>
+      <dgm:spPr/>
+      <dgm:t>
+        <a:bodyPr/>
+        <a:lstStyle/>
+        <a:p>
+          <a:endParaRPr lang="en-US"/>
+        </a:p>
+      </dgm:t>
+    </dgm:pt>
+    <dgm:pt modelId="{A666E3E9-DEA2-7349-A6E6-043E19DE9007}" type="pres">
+      <dgm:prSet presAssocID="{B58B709A-17AD-CA46-9A66-CDE109F2596A}" presName="connectorText" presStyleLbl="sibTrans2D1" presStyleIdx="1" presStyleCnt="4"/>
+      <dgm:spPr/>
+      <dgm:t>
+        <a:bodyPr/>
+        <a:lstStyle/>
+        <a:p>
+          <a:endParaRPr lang="en-US"/>
+        </a:p>
+      </dgm:t>
+    </dgm:pt>
+    <dgm:pt modelId="{40BA3D9E-90A8-A548-AA11-4DE2A7A9D3F9}" type="pres">
+      <dgm:prSet presAssocID="{6FAB5E4F-3B29-2D40-A7B3-510B67F0F36B}" presName="node" presStyleLbl="node1" presStyleIdx="2" presStyleCnt="4">
+        <dgm:presLayoutVars>
+          <dgm:bulletEnabled val="1"/>
+        </dgm:presLayoutVars>
+      </dgm:prSet>
+      <dgm:spPr/>
+      <dgm:t>
+        <a:bodyPr/>
+        <a:lstStyle/>
+        <a:p>
+          <a:endParaRPr lang="en-US"/>
+        </a:p>
+      </dgm:t>
+    </dgm:pt>
+    <dgm:pt modelId="{9179D2E7-F1A2-CD40-857D-153E403AC013}" type="pres">
+      <dgm:prSet presAssocID="{7E9DC87A-8C15-AB4A-AC63-A8CFD7403CDF}" presName="sibTrans" presStyleLbl="sibTrans2D1" presStyleIdx="2" presStyleCnt="4"/>
+      <dgm:spPr/>
+      <dgm:t>
+        <a:bodyPr/>
+        <a:lstStyle/>
+        <a:p>
+          <a:endParaRPr lang="en-US"/>
+        </a:p>
+      </dgm:t>
+    </dgm:pt>
+    <dgm:pt modelId="{CB725231-152A-594D-9D8F-EA520728B276}" type="pres">
+      <dgm:prSet presAssocID="{7E9DC87A-8C15-AB4A-AC63-A8CFD7403CDF}" presName="connectorText" presStyleLbl="sibTrans2D1" presStyleIdx="2" presStyleCnt="4"/>
+      <dgm:spPr/>
+      <dgm:t>
+        <a:bodyPr/>
+        <a:lstStyle/>
+        <a:p>
+          <a:endParaRPr lang="en-US"/>
+        </a:p>
+      </dgm:t>
+    </dgm:pt>
+    <dgm:pt modelId="{7D15EF89-AD1E-B043-96B5-8897DDAF6CAD}" type="pres">
+      <dgm:prSet presAssocID="{DFBCBB2B-9243-D644-B374-8736E146E74C}" presName="node" presStyleLbl="node1" presStyleIdx="3" presStyleCnt="4">
+        <dgm:presLayoutVars>
+          <dgm:bulletEnabled val="1"/>
+        </dgm:presLayoutVars>
+      </dgm:prSet>
+      <dgm:spPr/>
+      <dgm:t>
+        <a:bodyPr/>
+        <a:lstStyle/>
+        <a:p>
+          <a:endParaRPr lang="en-US"/>
+        </a:p>
+      </dgm:t>
+    </dgm:pt>
+    <dgm:pt modelId="{3053905C-C7C8-A74B-84F0-190FB21282E3}" type="pres">
+      <dgm:prSet presAssocID="{25AA5A84-54D2-7949-8783-7A8A4B3BA792}" presName="sibTrans" presStyleLbl="sibTrans2D1" presStyleIdx="3" presStyleCnt="4"/>
+      <dgm:spPr/>
+      <dgm:t>
+        <a:bodyPr/>
+        <a:lstStyle/>
+        <a:p>
+          <a:endParaRPr lang="en-US"/>
+        </a:p>
+      </dgm:t>
+    </dgm:pt>
+    <dgm:pt modelId="{BCD1CF91-4D4F-3545-9EE2-F76FD6053301}" type="pres">
+      <dgm:prSet presAssocID="{25AA5A84-54D2-7949-8783-7A8A4B3BA792}" presName="connectorText" presStyleLbl="sibTrans2D1" presStyleIdx="3" presStyleCnt="4"/>
+      <dgm:spPr/>
+      <dgm:t>
+        <a:bodyPr/>
+        <a:lstStyle/>
+        <a:p>
+          <a:endParaRPr lang="en-US"/>
+        </a:p>
+      </dgm:t>
+    </dgm:pt>
+  </dgm:ptLst>
+  <dgm:cxnLst>
+    <dgm:cxn modelId="{39124406-F3DE-C646-BFC9-60A732EF4FE8}" type="presOf" srcId="{25AA5A84-54D2-7949-8783-7A8A4B3BA792}" destId="{BCD1CF91-4D4F-3545-9EE2-F76FD6053301}" srcOrd="1" destOrd="0" presId="urn:microsoft.com/office/officeart/2005/8/layout/cycle2"/>
+    <dgm:cxn modelId="{FF3E847B-B7A7-944C-923D-F470E974698F}" type="presOf" srcId="{7E9DC87A-8C15-AB4A-AC63-A8CFD7403CDF}" destId="{9179D2E7-F1A2-CD40-857D-153E403AC013}" srcOrd="0" destOrd="0" presId="urn:microsoft.com/office/officeart/2005/8/layout/cycle2"/>
+    <dgm:cxn modelId="{6D41B2F6-2538-6342-8DF4-E94F4B9EBBBC}" type="presOf" srcId="{37EADD1E-6766-D042-AB30-C1A1E7232FF2}" destId="{EC0F7217-DBE1-0A40-A387-65E0FC30A780}" srcOrd="0" destOrd="0" presId="urn:microsoft.com/office/officeart/2005/8/layout/cycle2"/>
+    <dgm:cxn modelId="{57521F8C-173D-E142-AA93-0E63C9285AB8}" srcId="{FB16CEF0-2569-6B4C-BE2B-AFE3C60E98A6}" destId="{37EADD1E-6766-D042-AB30-C1A1E7232FF2}" srcOrd="0" destOrd="0" parTransId="{B6B831BB-D55B-7045-AF74-D6B34D615C7D}" sibTransId="{5AB83336-0D36-5B47-A681-AED638EDA44E}"/>
+    <dgm:cxn modelId="{D6D24449-7341-0C45-8C7D-961CC8879572}" type="presOf" srcId="{7E9DC87A-8C15-AB4A-AC63-A8CFD7403CDF}" destId="{CB725231-152A-594D-9D8F-EA520728B276}" srcOrd="1" destOrd="0" presId="urn:microsoft.com/office/officeart/2005/8/layout/cycle2"/>
+    <dgm:cxn modelId="{880FD280-B7D3-E54F-A7D7-BBAF1F5B8A10}" type="presOf" srcId="{25AA5A84-54D2-7949-8783-7A8A4B3BA792}" destId="{3053905C-C7C8-A74B-84F0-190FB21282E3}" srcOrd="0" destOrd="0" presId="urn:microsoft.com/office/officeart/2005/8/layout/cycle2"/>
+    <dgm:cxn modelId="{A1629383-FED4-F44F-8870-EA0CBFBE82CF}" srcId="{FB16CEF0-2569-6B4C-BE2B-AFE3C60E98A6}" destId="{6FAB5E4F-3B29-2D40-A7B3-510B67F0F36B}" srcOrd="2" destOrd="0" parTransId="{E5F12C19-4AD7-394B-A8E2-6FA4330DF1DB}" sibTransId="{7E9DC87A-8C15-AB4A-AC63-A8CFD7403CDF}"/>
+    <dgm:cxn modelId="{3ABEE63B-0DF9-374A-9414-EB7BB38D84ED}" type="presOf" srcId="{B58B709A-17AD-CA46-9A66-CDE109F2596A}" destId="{71835ACE-F13F-EE4C-B9A4-8222943FFE19}" srcOrd="0" destOrd="0" presId="urn:microsoft.com/office/officeart/2005/8/layout/cycle2"/>
+    <dgm:cxn modelId="{6604C691-3170-1244-940D-31DC8D163F63}" srcId="{FB16CEF0-2569-6B4C-BE2B-AFE3C60E98A6}" destId="{1D321C66-8FC0-C546-AE1A-5D5DB5823710}" srcOrd="1" destOrd="0" parTransId="{57E9755A-AF2D-A748-82CB-3F978AF5A804}" sibTransId="{B58B709A-17AD-CA46-9A66-CDE109F2596A}"/>
+    <dgm:cxn modelId="{DBFE0E90-6215-3440-9C5F-BC3C20F85BA5}" type="presOf" srcId="{B58B709A-17AD-CA46-9A66-CDE109F2596A}" destId="{A666E3E9-DEA2-7349-A6E6-043E19DE9007}" srcOrd="1" destOrd="0" presId="urn:microsoft.com/office/officeart/2005/8/layout/cycle2"/>
+    <dgm:cxn modelId="{A08FE06A-939C-1944-9966-FD386D2F732D}" type="presOf" srcId="{5AB83336-0D36-5B47-A681-AED638EDA44E}" destId="{FFAA87DE-4BD2-EE4D-8B80-FF09AAEE570A}" srcOrd="1" destOrd="0" presId="urn:microsoft.com/office/officeart/2005/8/layout/cycle2"/>
+    <dgm:cxn modelId="{C17B54D8-47AE-6448-8810-48DBC5D9412F}" srcId="{FB16CEF0-2569-6B4C-BE2B-AFE3C60E98A6}" destId="{DFBCBB2B-9243-D644-B374-8736E146E74C}" srcOrd="3" destOrd="0" parTransId="{87876333-7E72-8945-94FE-F130EB76CA64}" sibTransId="{25AA5A84-54D2-7949-8783-7A8A4B3BA792}"/>
+    <dgm:cxn modelId="{F3CA97DC-5F35-9744-A272-E3C236F61BFD}" type="presOf" srcId="{5AB83336-0D36-5B47-A681-AED638EDA44E}" destId="{365D6472-2462-1B48-9FC4-20B6AD4D6189}" srcOrd="0" destOrd="0" presId="urn:microsoft.com/office/officeart/2005/8/layout/cycle2"/>
+    <dgm:cxn modelId="{5151580D-8CFA-7443-B279-146BBF33CDDD}" type="presOf" srcId="{1D321C66-8FC0-C546-AE1A-5D5DB5823710}" destId="{88047F29-16DD-F145-8787-409FB1CB42C6}" srcOrd="0" destOrd="0" presId="urn:microsoft.com/office/officeart/2005/8/layout/cycle2"/>
+    <dgm:cxn modelId="{30541C35-8A8F-E041-98C5-245315247D2B}" type="presOf" srcId="{FB16CEF0-2569-6B4C-BE2B-AFE3C60E98A6}" destId="{EF3E6153-FC19-C047-AE23-C501F0291717}" srcOrd="0" destOrd="0" presId="urn:microsoft.com/office/officeart/2005/8/layout/cycle2"/>
+    <dgm:cxn modelId="{9C67C569-3F90-6843-AD77-59B462E5DE9E}" type="presOf" srcId="{DFBCBB2B-9243-D644-B374-8736E146E74C}" destId="{7D15EF89-AD1E-B043-96B5-8897DDAF6CAD}" srcOrd="0" destOrd="0" presId="urn:microsoft.com/office/officeart/2005/8/layout/cycle2"/>
+    <dgm:cxn modelId="{D2871590-A263-E246-A31F-A6223016754E}" type="presOf" srcId="{6FAB5E4F-3B29-2D40-A7B3-510B67F0F36B}" destId="{40BA3D9E-90A8-A548-AA11-4DE2A7A9D3F9}" srcOrd="0" destOrd="0" presId="urn:microsoft.com/office/officeart/2005/8/layout/cycle2"/>
+    <dgm:cxn modelId="{DAB6962C-324C-EB47-A1D4-D07B230EBD3E}" type="presParOf" srcId="{EF3E6153-FC19-C047-AE23-C501F0291717}" destId="{EC0F7217-DBE1-0A40-A387-65E0FC30A780}" srcOrd="0" destOrd="0" presId="urn:microsoft.com/office/officeart/2005/8/layout/cycle2"/>
+    <dgm:cxn modelId="{5569EAD0-D7D8-474C-95C5-AC03DF89A56D}" type="presParOf" srcId="{EF3E6153-FC19-C047-AE23-C501F0291717}" destId="{365D6472-2462-1B48-9FC4-20B6AD4D6189}" srcOrd="1" destOrd="0" presId="urn:microsoft.com/office/officeart/2005/8/layout/cycle2"/>
+    <dgm:cxn modelId="{B3094B73-65F1-9C4C-B542-F88F888CC2B4}" type="presParOf" srcId="{365D6472-2462-1B48-9FC4-20B6AD4D6189}" destId="{FFAA87DE-4BD2-EE4D-8B80-FF09AAEE570A}" srcOrd="0" destOrd="0" presId="urn:microsoft.com/office/officeart/2005/8/layout/cycle2"/>
+    <dgm:cxn modelId="{D8DD56E5-B382-9A40-BBD2-F213C1643FCF}" type="presParOf" srcId="{EF3E6153-FC19-C047-AE23-C501F0291717}" destId="{88047F29-16DD-F145-8787-409FB1CB42C6}" srcOrd="2" destOrd="0" presId="urn:microsoft.com/office/officeart/2005/8/layout/cycle2"/>
+    <dgm:cxn modelId="{28D90C80-6A5B-344A-A6BD-964A261E6AA0}" type="presParOf" srcId="{EF3E6153-FC19-C047-AE23-C501F0291717}" destId="{71835ACE-F13F-EE4C-B9A4-8222943FFE19}" srcOrd="3" destOrd="0" presId="urn:microsoft.com/office/officeart/2005/8/layout/cycle2"/>
+    <dgm:cxn modelId="{E888C7BD-667E-9A40-98C4-6FE28650E0D4}" type="presParOf" srcId="{71835ACE-F13F-EE4C-B9A4-8222943FFE19}" destId="{A666E3E9-DEA2-7349-A6E6-043E19DE9007}" srcOrd="0" destOrd="0" presId="urn:microsoft.com/office/officeart/2005/8/layout/cycle2"/>
+    <dgm:cxn modelId="{D2FB7F03-BB7F-044D-96B4-863B69E0F61A}" type="presParOf" srcId="{EF3E6153-FC19-C047-AE23-C501F0291717}" destId="{40BA3D9E-90A8-A548-AA11-4DE2A7A9D3F9}" srcOrd="4" destOrd="0" presId="urn:microsoft.com/office/officeart/2005/8/layout/cycle2"/>
+    <dgm:cxn modelId="{31AF1DFA-4C05-F048-80E8-6A812143B9CD}" type="presParOf" srcId="{EF3E6153-FC19-C047-AE23-C501F0291717}" destId="{9179D2E7-F1A2-CD40-857D-153E403AC013}" srcOrd="5" destOrd="0" presId="urn:microsoft.com/office/officeart/2005/8/layout/cycle2"/>
+    <dgm:cxn modelId="{DCBE73BD-96F1-BB4A-BEB2-32CEF1B53DAB}" type="presParOf" srcId="{9179D2E7-F1A2-CD40-857D-153E403AC013}" destId="{CB725231-152A-594D-9D8F-EA520728B276}" srcOrd="0" destOrd="0" presId="urn:microsoft.com/office/officeart/2005/8/layout/cycle2"/>
+    <dgm:cxn modelId="{947B0CFD-7388-8A4C-97B9-E7C9CB133F2F}" type="presParOf" srcId="{EF3E6153-FC19-C047-AE23-C501F0291717}" destId="{7D15EF89-AD1E-B043-96B5-8897DDAF6CAD}" srcOrd="6" destOrd="0" presId="urn:microsoft.com/office/officeart/2005/8/layout/cycle2"/>
+    <dgm:cxn modelId="{63F35310-3E7B-F240-ACC4-213C33825F66}" type="presParOf" srcId="{EF3E6153-FC19-C047-AE23-C501F0291717}" destId="{3053905C-C7C8-A74B-84F0-190FB21282E3}" srcOrd="7" destOrd="0" presId="urn:microsoft.com/office/officeart/2005/8/layout/cycle2"/>
+    <dgm:cxn modelId="{FD8AC99A-4E34-D34D-AE8F-C49BB1A282A2}" type="presParOf" srcId="{3053905C-C7C8-A74B-84F0-190FB21282E3}" destId="{BCD1CF91-4D4F-3545-9EE2-F76FD6053301}" srcOrd="0" destOrd="0" presId="urn:microsoft.com/office/officeart/2005/8/layout/cycle2"/>
+  </dgm:cxnLst>
+  <dgm:bg/>
+  <dgm:whole/>
+  <dgm:extLst>
+    <a:ext uri="http://schemas.microsoft.com/office/drawing/2008/diagram">
+      <dsp:dataModelExt xmlns:dsp="http://schemas.microsoft.com/office/drawing/2008/diagram" relId="rId6" minVer="http://schemas.openxmlformats.org/drawingml/2006/diagram"/>
+    </a:ext>
+  </dgm:extLst>
+</dgm:dataModel>
+</file>
+
+<file path=ppt/diagrams/drawing1.xml><?xml version="1.0" encoding="utf-8"?>
+<dsp:drawing xmlns:dgm="http://schemas.openxmlformats.org/drawingml/2006/diagram" xmlns:dsp="http://schemas.microsoft.com/office/drawing/2008/diagram" xmlns:a="http://schemas.openxmlformats.org/drawingml/2006/main">
+  <dsp:spTree>
+    <dsp:nvGrpSpPr>
+      <dsp:cNvPr id="0" name=""/>
+      <dsp:cNvGrpSpPr/>
+    </dsp:nvGrpSpPr>
+    <dsp:grpSpPr/>
+    <dsp:sp modelId="{EC0F7217-DBE1-0A40-A387-65E0FC30A780}">
+      <dsp:nvSpPr>
+        <dsp:cNvPr id="0" name=""/>
+        <dsp:cNvSpPr/>
+      </dsp:nvSpPr>
+      <dsp:spPr>
+        <a:xfrm>
+          <a:off x="2068219" y="1388"/>
+          <a:ext cx="1140065" cy="1140065"/>
+        </a:xfrm>
+        <a:prstGeom prst="ellipse">
+          <a:avLst/>
+        </a:prstGeom>
+        <a:gradFill rotWithShape="0">
+          <a:gsLst>
+            <a:gs pos="0">
+              <a:schemeClr val="accent1">
+                <a:hueOff val="0"/>
+                <a:satOff val="0"/>
+                <a:lumOff val="0"/>
+                <a:alphaOff val="0"/>
+                <a:tint val="96000"/>
+                <a:satMod val="100000"/>
+                <a:lumMod val="104000"/>
+              </a:schemeClr>
+            </a:gs>
+            <a:gs pos="78000">
+              <a:schemeClr val="accent1">
+                <a:hueOff val="0"/>
+                <a:satOff val="0"/>
+                <a:lumOff val="0"/>
+                <a:alphaOff val="0"/>
+                <a:shade val="100000"/>
+                <a:satMod val="110000"/>
+                <a:lumMod val="100000"/>
+              </a:schemeClr>
+            </a:gs>
+          </a:gsLst>
+          <a:lin ang="5400000" scaled="0"/>
+        </a:gradFill>
+        <a:ln>
+          <a:noFill/>
+        </a:ln>
+        <a:effectLst/>
+        <a:scene3d>
+          <a:camera prst="orthographicFront">
+            <a:rot lat="0" lon="0" rev="0"/>
+          </a:camera>
+          <a:lightRig rig="threePt" dir="t"/>
+        </a:scene3d>
+        <a:sp3d>
+          <a:bevelT w="25400" h="12700"/>
+        </a:sp3d>
+      </dsp:spPr>
+      <dsp:style>
+        <a:lnRef idx="0">
+          <a:scrgbClr r="0" g="0" b="0"/>
+        </a:lnRef>
+        <a:fillRef idx="3">
+          <a:scrgbClr r="0" g="0" b="0"/>
+        </a:fillRef>
+        <a:effectRef idx="2">
+          <a:scrgbClr r="0" g="0" b="0"/>
+        </a:effectRef>
+        <a:fontRef idx="minor">
+          <a:schemeClr val="lt1"/>
+        </a:fontRef>
+      </dsp:style>
+      <dsp:txBody>
+        <a:bodyPr spcFirstLastPara="0" vert="horz" wrap="square" lIns="12700" tIns="12700" rIns="12700" bIns="12700" numCol="1" spcCol="1270" anchor="ctr" anchorCtr="0">
+          <a:noAutofit/>
+        </a:bodyPr>
+        <a:lstStyle/>
+        <a:p>
+          <a:pPr lvl="0" algn="ctr" defTabSz="444500">
+            <a:lnSpc>
+              <a:spcPct val="90000"/>
+            </a:lnSpc>
+            <a:spcBef>
+              <a:spcPct val="0"/>
+            </a:spcBef>
+            <a:spcAft>
+              <a:spcPct val="35000"/>
+            </a:spcAft>
+          </a:pPr>
+          <a:r>
+            <a:rPr lang="en-US" sz="1000" kern="1200" smtClean="0"/>
+            <a:t>Monarchy</a:t>
+          </a:r>
+          <a:endParaRPr lang="en-US" sz="1000" kern="1200"/>
+        </a:p>
+      </dsp:txBody>
+      <dsp:txXfrm>
+        <a:off x="2235178" y="168347"/>
+        <a:ext cx="806147" cy="806147"/>
+      </dsp:txXfrm>
+    </dsp:sp>
+    <dsp:sp modelId="{365D6472-2462-1B48-9FC4-20B6AD4D6189}">
+      <dsp:nvSpPr>
+        <dsp:cNvPr id="0" name=""/>
+        <dsp:cNvSpPr/>
+      </dsp:nvSpPr>
+      <dsp:spPr>
+        <a:xfrm rot="2700000">
+          <a:off x="3085872" y="978100"/>
+          <a:ext cx="302890" cy="384771"/>
+        </a:xfrm>
+        <a:prstGeom prst="rightArrow">
+          <a:avLst>
+            <a:gd name="adj1" fmla="val 60000"/>
+            <a:gd name="adj2" fmla="val 50000"/>
+          </a:avLst>
+        </a:prstGeom>
+        <a:gradFill rotWithShape="0">
+          <a:gsLst>
+            <a:gs pos="0">
+              <a:schemeClr val="accent1">
+                <a:tint val="60000"/>
+                <a:hueOff val="0"/>
+                <a:satOff val="0"/>
+                <a:lumOff val="0"/>
+                <a:alphaOff val="0"/>
+                <a:tint val="96000"/>
+                <a:satMod val="100000"/>
+                <a:lumMod val="104000"/>
+              </a:schemeClr>
+            </a:gs>
+            <a:gs pos="78000">
+              <a:schemeClr val="accent1">
+                <a:tint val="60000"/>
+                <a:hueOff val="0"/>
+                <a:satOff val="0"/>
+                <a:lumOff val="0"/>
+                <a:alphaOff val="0"/>
+                <a:shade val="100000"/>
+                <a:satMod val="110000"/>
+                <a:lumMod val="100000"/>
+              </a:schemeClr>
+            </a:gs>
+          </a:gsLst>
+          <a:lin ang="5400000" scaled="0"/>
+        </a:gradFill>
+        <a:ln>
+          <a:noFill/>
+        </a:ln>
+        <a:effectLst/>
+        <a:scene3d>
+          <a:camera prst="orthographicFront">
+            <a:rot lat="0" lon="0" rev="0"/>
+          </a:camera>
+          <a:lightRig rig="threePt" dir="t"/>
+        </a:scene3d>
+        <a:sp3d>
+          <a:bevelT w="25400" h="12700"/>
+        </a:sp3d>
+      </dsp:spPr>
+      <dsp:style>
+        <a:lnRef idx="0">
+          <a:scrgbClr r="0" g="0" b="0"/>
+        </a:lnRef>
+        <a:fillRef idx="3">
+          <a:scrgbClr r="0" g="0" b="0"/>
+        </a:fillRef>
+        <a:effectRef idx="2">
+          <a:scrgbClr r="0" g="0" b="0"/>
+        </a:effectRef>
+        <a:fontRef idx="minor">
+          <a:schemeClr val="lt1"/>
+        </a:fontRef>
+      </dsp:style>
+      <dsp:txBody>
+        <a:bodyPr spcFirstLastPara="0" vert="horz" wrap="square" lIns="0" tIns="0" rIns="0" bIns="0" numCol="1" spcCol="1270" anchor="ctr" anchorCtr="0">
+          <a:noAutofit/>
+        </a:bodyPr>
+        <a:lstStyle/>
+        <a:p>
+          <a:pPr lvl="0" algn="ctr" defTabSz="355600">
+            <a:lnSpc>
+              <a:spcPct val="90000"/>
+            </a:lnSpc>
+            <a:spcBef>
+              <a:spcPct val="0"/>
+            </a:spcBef>
+            <a:spcAft>
+              <a:spcPct val="35000"/>
+            </a:spcAft>
+          </a:pPr>
+          <a:endParaRPr lang="en-US" sz="800" kern="1200"/>
+        </a:p>
+      </dsp:txBody>
+      <dsp:txXfrm>
+        <a:off x="3099179" y="1022928"/>
+        <a:ext cx="212023" cy="230863"/>
+      </dsp:txXfrm>
+    </dsp:sp>
+    <dsp:sp modelId="{88047F29-16DD-F145-8787-409FB1CB42C6}">
+      <dsp:nvSpPr>
+        <dsp:cNvPr id="0" name=""/>
+        <dsp:cNvSpPr/>
+      </dsp:nvSpPr>
+      <dsp:spPr>
+        <a:xfrm>
+          <a:off x="3278473" y="1211642"/>
+          <a:ext cx="1140065" cy="1140065"/>
+        </a:xfrm>
+        <a:prstGeom prst="ellipse">
+          <a:avLst/>
+        </a:prstGeom>
+        <a:gradFill rotWithShape="0">
+          <a:gsLst>
+            <a:gs pos="0">
+              <a:schemeClr val="accent1">
+                <a:hueOff val="0"/>
+                <a:satOff val="0"/>
+                <a:lumOff val="0"/>
+                <a:alphaOff val="0"/>
+                <a:tint val="96000"/>
+                <a:satMod val="100000"/>
+                <a:lumMod val="104000"/>
+              </a:schemeClr>
+            </a:gs>
+            <a:gs pos="78000">
+              <a:schemeClr val="accent1">
+                <a:hueOff val="0"/>
+                <a:satOff val="0"/>
+                <a:lumOff val="0"/>
+                <a:alphaOff val="0"/>
+                <a:shade val="100000"/>
+                <a:satMod val="110000"/>
+                <a:lumMod val="100000"/>
+              </a:schemeClr>
+            </a:gs>
+          </a:gsLst>
+          <a:lin ang="5400000" scaled="0"/>
+        </a:gradFill>
+        <a:ln>
+          <a:noFill/>
+        </a:ln>
+        <a:effectLst/>
+        <a:scene3d>
+          <a:camera prst="orthographicFront">
+            <a:rot lat="0" lon="0" rev="0"/>
+          </a:camera>
+          <a:lightRig rig="threePt" dir="t"/>
+        </a:scene3d>
+        <a:sp3d>
+          <a:bevelT w="25400" h="12700"/>
+        </a:sp3d>
+      </dsp:spPr>
+      <dsp:style>
+        <a:lnRef idx="0">
+          <a:scrgbClr r="0" g="0" b="0"/>
+        </a:lnRef>
+        <a:fillRef idx="3">
+          <a:scrgbClr r="0" g="0" b="0"/>
+        </a:fillRef>
+        <a:effectRef idx="2">
+          <a:scrgbClr r="0" g="0" b="0"/>
+        </a:effectRef>
+        <a:fontRef idx="minor">
+          <a:schemeClr val="lt1"/>
+        </a:fontRef>
+      </dsp:style>
+      <dsp:txBody>
+        <a:bodyPr spcFirstLastPara="0" vert="horz" wrap="square" lIns="12700" tIns="12700" rIns="12700" bIns="12700" numCol="1" spcCol="1270" anchor="ctr" anchorCtr="0">
+          <a:noAutofit/>
+        </a:bodyPr>
+        <a:lstStyle/>
+        <a:p>
+          <a:pPr lvl="0" algn="ctr" defTabSz="444500">
+            <a:lnSpc>
+              <a:spcPct val="90000"/>
+            </a:lnSpc>
+            <a:spcBef>
+              <a:spcPct val="0"/>
+            </a:spcBef>
+            <a:spcAft>
+              <a:spcPct val="35000"/>
+            </a:spcAft>
+          </a:pPr>
+          <a:r>
+            <a:rPr lang="en-US" sz="1000" kern="1200" dirty="0" smtClean="0"/>
+            <a:t>Aristocracy</a:t>
+          </a:r>
+          <a:endParaRPr lang="en-US" sz="1000" kern="1200" dirty="0"/>
+        </a:p>
+      </dsp:txBody>
+      <dsp:txXfrm>
+        <a:off x="3445432" y="1378601"/>
+        <a:ext cx="806147" cy="806147"/>
+      </dsp:txXfrm>
+    </dsp:sp>
+    <dsp:sp modelId="{71835ACE-F13F-EE4C-B9A4-8222943FFE19}">
+      <dsp:nvSpPr>
+        <dsp:cNvPr id="0" name=""/>
+        <dsp:cNvSpPr/>
+      </dsp:nvSpPr>
+      <dsp:spPr>
+        <a:xfrm rot="8100000">
+          <a:off x="3097995" y="2188354"/>
+          <a:ext cx="302890" cy="384771"/>
+        </a:xfrm>
+        <a:prstGeom prst="rightArrow">
+          <a:avLst>
+            <a:gd name="adj1" fmla="val 60000"/>
+            <a:gd name="adj2" fmla="val 50000"/>
+          </a:avLst>
+        </a:prstGeom>
+        <a:gradFill rotWithShape="0">
+          <a:gsLst>
+            <a:gs pos="0">
+              <a:schemeClr val="accent1">
+                <a:tint val="60000"/>
+                <a:hueOff val="0"/>
+                <a:satOff val="0"/>
+                <a:lumOff val="0"/>
+                <a:alphaOff val="0"/>
+                <a:tint val="96000"/>
+                <a:satMod val="100000"/>
+                <a:lumMod val="104000"/>
+              </a:schemeClr>
+            </a:gs>
+            <a:gs pos="78000">
+              <a:schemeClr val="accent1">
+                <a:tint val="60000"/>
+                <a:hueOff val="0"/>
+                <a:satOff val="0"/>
+                <a:lumOff val="0"/>
+                <a:alphaOff val="0"/>
+                <a:shade val="100000"/>
+                <a:satMod val="110000"/>
+                <a:lumMod val="100000"/>
+              </a:schemeClr>
+            </a:gs>
+          </a:gsLst>
+          <a:lin ang="5400000" scaled="0"/>
+        </a:gradFill>
+        <a:ln>
+          <a:noFill/>
+        </a:ln>
+        <a:effectLst/>
+        <a:scene3d>
+          <a:camera prst="orthographicFront">
+            <a:rot lat="0" lon="0" rev="0"/>
+          </a:camera>
+          <a:lightRig rig="threePt" dir="t"/>
+        </a:scene3d>
+        <a:sp3d>
+          <a:bevelT w="25400" h="12700"/>
+        </a:sp3d>
+      </dsp:spPr>
+      <dsp:style>
+        <a:lnRef idx="0">
+          <a:scrgbClr r="0" g="0" b="0"/>
+        </a:lnRef>
+        <a:fillRef idx="3">
+          <a:scrgbClr r="0" g="0" b="0"/>
+        </a:fillRef>
+        <a:effectRef idx="2">
+          <a:scrgbClr r="0" g="0" b="0"/>
+        </a:effectRef>
+        <a:fontRef idx="minor">
+          <a:schemeClr val="lt1"/>
+        </a:fontRef>
+      </dsp:style>
+      <dsp:txBody>
+        <a:bodyPr spcFirstLastPara="0" vert="horz" wrap="square" lIns="0" tIns="0" rIns="0" bIns="0" numCol="1" spcCol="1270" anchor="ctr" anchorCtr="0">
+          <a:noAutofit/>
+        </a:bodyPr>
+        <a:lstStyle/>
+        <a:p>
+          <a:pPr lvl="0" algn="ctr" defTabSz="355600">
+            <a:lnSpc>
+              <a:spcPct val="90000"/>
+            </a:lnSpc>
+            <a:spcBef>
+              <a:spcPct val="0"/>
+            </a:spcBef>
+            <a:spcAft>
+              <a:spcPct val="35000"/>
+            </a:spcAft>
+          </a:pPr>
+          <a:endParaRPr lang="en-US" sz="800" kern="1200"/>
+        </a:p>
+      </dsp:txBody>
+      <dsp:txXfrm rot="10800000">
+        <a:off x="3175555" y="2233182"/>
+        <a:ext cx="212023" cy="230863"/>
+      </dsp:txXfrm>
+    </dsp:sp>
+    <dsp:sp modelId="{40BA3D9E-90A8-A548-AA11-4DE2A7A9D3F9}">
+      <dsp:nvSpPr>
+        <dsp:cNvPr id="0" name=""/>
+        <dsp:cNvSpPr/>
+      </dsp:nvSpPr>
+      <dsp:spPr>
+        <a:xfrm>
+          <a:off x="2068219" y="2421896"/>
+          <a:ext cx="1140065" cy="1140065"/>
+        </a:xfrm>
+        <a:prstGeom prst="ellipse">
+          <a:avLst/>
+        </a:prstGeom>
+        <a:gradFill rotWithShape="0">
+          <a:gsLst>
+            <a:gs pos="0">
+              <a:schemeClr val="accent1">
+                <a:hueOff val="0"/>
+                <a:satOff val="0"/>
+                <a:lumOff val="0"/>
+                <a:alphaOff val="0"/>
+                <a:tint val="96000"/>
+                <a:satMod val="100000"/>
+                <a:lumMod val="104000"/>
+              </a:schemeClr>
+            </a:gs>
+            <a:gs pos="78000">
+              <a:schemeClr val="accent1">
+                <a:hueOff val="0"/>
+                <a:satOff val="0"/>
+                <a:lumOff val="0"/>
+                <a:alphaOff val="0"/>
+                <a:shade val="100000"/>
+                <a:satMod val="110000"/>
+                <a:lumMod val="100000"/>
+              </a:schemeClr>
+            </a:gs>
+          </a:gsLst>
+          <a:lin ang="5400000" scaled="0"/>
+        </a:gradFill>
+        <a:ln>
+          <a:noFill/>
+        </a:ln>
+        <a:effectLst/>
+        <a:scene3d>
+          <a:camera prst="orthographicFront">
+            <a:rot lat="0" lon="0" rev="0"/>
+          </a:camera>
+          <a:lightRig rig="threePt" dir="t"/>
+        </a:scene3d>
+        <a:sp3d>
+          <a:bevelT w="25400" h="12700"/>
+        </a:sp3d>
+      </dsp:spPr>
+      <dsp:style>
+        <a:lnRef idx="0">
+          <a:scrgbClr r="0" g="0" b="0"/>
+        </a:lnRef>
+        <a:fillRef idx="3">
+          <a:scrgbClr r="0" g="0" b="0"/>
+        </a:fillRef>
+        <a:effectRef idx="2">
+          <a:scrgbClr r="0" g="0" b="0"/>
+        </a:effectRef>
+        <a:fontRef idx="minor">
+          <a:schemeClr val="lt1"/>
+        </a:fontRef>
+      </dsp:style>
+      <dsp:txBody>
+        <a:bodyPr spcFirstLastPara="0" vert="horz" wrap="square" lIns="12700" tIns="12700" rIns="12700" bIns="12700" numCol="1" spcCol="1270" anchor="ctr" anchorCtr="0">
+          <a:noAutofit/>
+        </a:bodyPr>
+        <a:lstStyle/>
+        <a:p>
+          <a:pPr lvl="0" algn="ctr" defTabSz="444500">
+            <a:lnSpc>
+              <a:spcPct val="90000"/>
+            </a:lnSpc>
+            <a:spcBef>
+              <a:spcPct val="0"/>
+            </a:spcBef>
+            <a:spcAft>
+              <a:spcPct val="35000"/>
+            </a:spcAft>
+          </a:pPr>
+          <a:r>
+            <a:rPr lang="en-US" sz="1000" kern="1200" dirty="0" smtClean="0"/>
+            <a:t>Democracy</a:t>
+          </a:r>
+          <a:endParaRPr lang="en-US" sz="1000" kern="1200" dirty="0"/>
+        </a:p>
+      </dsp:txBody>
+      <dsp:txXfrm>
+        <a:off x="2235178" y="2588855"/>
+        <a:ext cx="806147" cy="806147"/>
+      </dsp:txXfrm>
+    </dsp:sp>
+    <dsp:sp modelId="{9179D2E7-F1A2-CD40-857D-153E403AC013}">
+      <dsp:nvSpPr>
+        <dsp:cNvPr id="0" name=""/>
+        <dsp:cNvSpPr/>
+      </dsp:nvSpPr>
+      <dsp:spPr>
+        <a:xfrm rot="13500000">
+          <a:off x="1887741" y="2200477"/>
+          <a:ext cx="302890" cy="384771"/>
+        </a:xfrm>
+        <a:prstGeom prst="rightArrow">
+          <a:avLst>
+            <a:gd name="adj1" fmla="val 60000"/>
+            <a:gd name="adj2" fmla="val 50000"/>
+          </a:avLst>
+        </a:prstGeom>
+        <a:gradFill rotWithShape="0">
+          <a:gsLst>
+            <a:gs pos="0">
+              <a:schemeClr val="accent1">
+                <a:tint val="60000"/>
+                <a:hueOff val="0"/>
+                <a:satOff val="0"/>
+                <a:lumOff val="0"/>
+                <a:alphaOff val="0"/>
+                <a:tint val="96000"/>
+                <a:satMod val="100000"/>
+                <a:lumMod val="104000"/>
+              </a:schemeClr>
+            </a:gs>
+            <a:gs pos="78000">
+              <a:schemeClr val="accent1">
+                <a:tint val="60000"/>
+                <a:hueOff val="0"/>
+                <a:satOff val="0"/>
+                <a:lumOff val="0"/>
+                <a:alphaOff val="0"/>
+                <a:shade val="100000"/>
+                <a:satMod val="110000"/>
+                <a:lumMod val="100000"/>
+              </a:schemeClr>
+            </a:gs>
+          </a:gsLst>
+          <a:lin ang="5400000" scaled="0"/>
+        </a:gradFill>
+        <a:ln>
+          <a:noFill/>
+        </a:ln>
+        <a:effectLst/>
+        <a:scene3d>
+          <a:camera prst="orthographicFront">
+            <a:rot lat="0" lon="0" rev="0"/>
+          </a:camera>
+          <a:lightRig rig="threePt" dir="t"/>
+        </a:scene3d>
+        <a:sp3d>
+          <a:bevelT w="25400" h="12700"/>
+        </a:sp3d>
+      </dsp:spPr>
+      <dsp:style>
+        <a:lnRef idx="0">
+          <a:scrgbClr r="0" g="0" b="0"/>
+        </a:lnRef>
+        <a:fillRef idx="3">
+          <a:scrgbClr r="0" g="0" b="0"/>
+        </a:fillRef>
+        <a:effectRef idx="2">
+          <a:scrgbClr r="0" g="0" b="0"/>
+        </a:effectRef>
+        <a:fontRef idx="minor">
+          <a:schemeClr val="lt1"/>
+        </a:fontRef>
+      </dsp:style>
+      <dsp:txBody>
+        <a:bodyPr spcFirstLastPara="0" vert="horz" wrap="square" lIns="0" tIns="0" rIns="0" bIns="0" numCol="1" spcCol="1270" anchor="ctr" anchorCtr="0">
+          <a:noAutofit/>
+        </a:bodyPr>
+        <a:lstStyle/>
+        <a:p>
+          <a:pPr lvl="0" algn="ctr" defTabSz="355600">
+            <a:lnSpc>
+              <a:spcPct val="90000"/>
+            </a:lnSpc>
+            <a:spcBef>
+              <a:spcPct val="0"/>
+            </a:spcBef>
+            <a:spcAft>
+              <a:spcPct val="35000"/>
+            </a:spcAft>
+          </a:pPr>
+          <a:endParaRPr lang="en-US" sz="800" kern="1200"/>
+        </a:p>
+      </dsp:txBody>
+      <dsp:txXfrm rot="10800000">
+        <a:off x="1965301" y="2309557"/>
+        <a:ext cx="212023" cy="230863"/>
+      </dsp:txXfrm>
+    </dsp:sp>
+    <dsp:sp modelId="{7D15EF89-AD1E-B043-96B5-8897DDAF6CAD}">
+      <dsp:nvSpPr>
+        <dsp:cNvPr id="0" name=""/>
+        <dsp:cNvSpPr/>
+      </dsp:nvSpPr>
+      <dsp:spPr>
+        <a:xfrm>
+          <a:off x="857966" y="1211642"/>
+          <a:ext cx="1140065" cy="1140065"/>
+        </a:xfrm>
+        <a:prstGeom prst="ellipse">
+          <a:avLst/>
+        </a:prstGeom>
+        <a:gradFill rotWithShape="0">
+          <a:gsLst>
+            <a:gs pos="0">
+              <a:schemeClr val="accent1">
+                <a:hueOff val="0"/>
+                <a:satOff val="0"/>
+                <a:lumOff val="0"/>
+                <a:alphaOff val="0"/>
+                <a:tint val="96000"/>
+                <a:satMod val="100000"/>
+                <a:lumMod val="104000"/>
+              </a:schemeClr>
+            </a:gs>
+            <a:gs pos="78000">
+              <a:schemeClr val="accent1">
+                <a:hueOff val="0"/>
+                <a:satOff val="0"/>
+                <a:lumOff val="0"/>
+                <a:alphaOff val="0"/>
+                <a:shade val="100000"/>
+                <a:satMod val="110000"/>
+                <a:lumMod val="100000"/>
+              </a:schemeClr>
+            </a:gs>
+          </a:gsLst>
+          <a:lin ang="5400000" scaled="0"/>
+        </a:gradFill>
+        <a:ln>
+          <a:noFill/>
+        </a:ln>
+        <a:effectLst/>
+        <a:scene3d>
+          <a:camera prst="orthographicFront">
+            <a:rot lat="0" lon="0" rev="0"/>
+          </a:camera>
+          <a:lightRig rig="threePt" dir="t"/>
+        </a:scene3d>
+        <a:sp3d>
+          <a:bevelT w="25400" h="12700"/>
+        </a:sp3d>
+      </dsp:spPr>
+      <dsp:style>
+        <a:lnRef idx="0">
+          <a:scrgbClr r="0" g="0" b="0"/>
+        </a:lnRef>
+        <a:fillRef idx="3">
+          <a:scrgbClr r="0" g="0" b="0"/>
+        </a:fillRef>
+        <a:effectRef idx="2">
+          <a:scrgbClr r="0" g="0" b="0"/>
+        </a:effectRef>
+        <a:fontRef idx="minor">
+          <a:schemeClr val="lt1"/>
+        </a:fontRef>
+      </dsp:style>
+      <dsp:txBody>
+        <a:bodyPr spcFirstLastPara="0" vert="horz" wrap="square" lIns="12700" tIns="12700" rIns="12700" bIns="12700" numCol="1" spcCol="1270" anchor="ctr" anchorCtr="0">
+          <a:noAutofit/>
+        </a:bodyPr>
+        <a:lstStyle/>
+        <a:p>
+          <a:pPr lvl="0" algn="ctr" defTabSz="444500">
+            <a:lnSpc>
+              <a:spcPct val="90000"/>
+            </a:lnSpc>
+            <a:spcBef>
+              <a:spcPct val="0"/>
+            </a:spcBef>
+            <a:spcAft>
+              <a:spcPct val="35000"/>
+            </a:spcAft>
+          </a:pPr>
+          <a:r>
+            <a:rPr lang="en-US" sz="1000" kern="1200" dirty="0" smtClean="0"/>
+            <a:t>Anarchy</a:t>
+          </a:r>
+          <a:endParaRPr lang="en-US" sz="1000" kern="1200" dirty="0"/>
+        </a:p>
+      </dsp:txBody>
+      <dsp:txXfrm>
+        <a:off x="1024925" y="1378601"/>
+        <a:ext cx="806147" cy="806147"/>
+      </dsp:txXfrm>
+    </dsp:sp>
+    <dsp:sp modelId="{3053905C-C7C8-A74B-84F0-190FB21282E3}">
+      <dsp:nvSpPr>
+        <dsp:cNvPr id="0" name=""/>
+        <dsp:cNvSpPr/>
+      </dsp:nvSpPr>
+      <dsp:spPr>
+        <a:xfrm rot="18900000">
+          <a:off x="1875618" y="990223"/>
+          <a:ext cx="302890" cy="384771"/>
+        </a:xfrm>
+        <a:prstGeom prst="rightArrow">
+          <a:avLst>
+            <a:gd name="adj1" fmla="val 60000"/>
+            <a:gd name="adj2" fmla="val 50000"/>
+          </a:avLst>
+        </a:prstGeom>
+        <a:gradFill rotWithShape="0">
+          <a:gsLst>
+            <a:gs pos="0">
+              <a:schemeClr val="accent1">
+                <a:tint val="60000"/>
+                <a:hueOff val="0"/>
+                <a:satOff val="0"/>
+                <a:lumOff val="0"/>
+                <a:alphaOff val="0"/>
+                <a:tint val="96000"/>
+                <a:satMod val="100000"/>
+                <a:lumMod val="104000"/>
+              </a:schemeClr>
+            </a:gs>
+            <a:gs pos="78000">
+              <a:schemeClr val="accent1">
+                <a:tint val="60000"/>
+                <a:hueOff val="0"/>
+                <a:satOff val="0"/>
+                <a:lumOff val="0"/>
+                <a:alphaOff val="0"/>
+                <a:shade val="100000"/>
+                <a:satMod val="110000"/>
+                <a:lumMod val="100000"/>
+              </a:schemeClr>
+            </a:gs>
+          </a:gsLst>
+          <a:lin ang="5400000" scaled="0"/>
+        </a:gradFill>
+        <a:ln>
+          <a:noFill/>
+        </a:ln>
+        <a:effectLst/>
+        <a:scene3d>
+          <a:camera prst="orthographicFront">
+            <a:rot lat="0" lon="0" rev="0"/>
+          </a:camera>
+          <a:lightRig rig="threePt" dir="t"/>
+        </a:scene3d>
+        <a:sp3d>
+          <a:bevelT w="25400" h="12700"/>
+        </a:sp3d>
+      </dsp:spPr>
+      <dsp:style>
+        <a:lnRef idx="0">
+          <a:scrgbClr r="0" g="0" b="0"/>
+        </a:lnRef>
+        <a:fillRef idx="3">
+          <a:scrgbClr r="0" g="0" b="0"/>
+        </a:fillRef>
+        <a:effectRef idx="2">
+          <a:scrgbClr r="0" g="0" b="0"/>
+        </a:effectRef>
+        <a:fontRef idx="minor">
+          <a:schemeClr val="lt1"/>
+        </a:fontRef>
+      </dsp:style>
+      <dsp:txBody>
+        <a:bodyPr spcFirstLastPara="0" vert="horz" wrap="square" lIns="0" tIns="0" rIns="0" bIns="0" numCol="1" spcCol="1270" anchor="ctr" anchorCtr="0">
+          <a:noAutofit/>
+        </a:bodyPr>
+        <a:lstStyle/>
+        <a:p>
+          <a:pPr lvl="0" algn="ctr" defTabSz="355600">
+            <a:lnSpc>
+              <a:spcPct val="90000"/>
+            </a:lnSpc>
+            <a:spcBef>
+              <a:spcPct val="0"/>
+            </a:spcBef>
+            <a:spcAft>
+              <a:spcPct val="35000"/>
+            </a:spcAft>
+          </a:pPr>
+          <a:endParaRPr lang="en-US" sz="800" kern="1200"/>
+        </a:p>
+      </dsp:txBody>
+      <dsp:txXfrm>
+        <a:off x="1888925" y="1099303"/>
+        <a:ext cx="212023" cy="230863"/>
+      </dsp:txXfrm>
+    </dsp:sp>
+  </dsp:spTree>
+</dsp:drawing>
+</file>
+
+<file path=ppt/diagrams/layout1.xml><?xml version="1.0" encoding="utf-8"?>
+<dgm:layoutDef xmlns:dgm="http://schemas.openxmlformats.org/drawingml/2006/diagram" xmlns:a="http://schemas.openxmlformats.org/drawingml/2006/main" uniqueId="urn:microsoft.com/office/officeart/2005/8/layout/cycle2">
+  <dgm:title val=""/>
+  <dgm:desc val=""/>
+  <dgm:catLst>
+    <dgm:cat type="cycle" pri="1000"/>
+    <dgm:cat type="convert" pri="10000"/>
+  </dgm:catLst>
+  <dgm:sampData>
+    <dgm:dataModel>
+      <dgm:ptLst>
+        <dgm:pt modelId="0" type="doc"/>
+        <dgm:pt modelId="1">
+          <dgm:prSet phldr="1"/>
+        </dgm:pt>
+        <dgm:pt modelId="2">
+          <dgm:prSet phldr="1"/>
+        </dgm:pt>
+        <dgm:pt modelId="3">
+          <dgm:prSet phldr="1"/>
+        </dgm:pt>
+        <dgm:pt modelId="4">
+          <dgm:prSet phldr="1"/>
+        </dgm:pt>
+        <dgm:pt modelId="5">
+          <dgm:prSet phldr="1"/>
+        </dgm:pt>
+      </dgm:ptLst>
+      <dgm:cxnLst>
+        <dgm:cxn modelId="6" srcId="0" destId="1" srcOrd="0" destOrd="0"/>
+        <dgm:cxn modelId="7" srcId="0" destId="2" srcOrd="1" destOrd="0"/>
+        <dgm:cxn modelId="8" srcId="0" destId="3" srcOrd="2" destOrd="0"/>
+        <dgm:cxn modelId="9" srcId="0" destId="4" srcOrd="3" destOrd="0"/>
+        <dgm:cxn modelId="10" srcId="0" destId="5" srcOrd="4" destOrd="0"/>
+      </dgm:cxnLst>
+      <dgm:bg/>
+      <dgm:whole/>
+    </dgm:dataModel>
+  </dgm:sampData>
+  <dgm:styleData>
+    <dgm:dataModel>
+      <dgm:ptLst>
+        <dgm:pt modelId="0" type="doc"/>
+        <dgm:pt modelId="1"/>
+        <dgm:pt modelId="2"/>
+        <dgm:pt modelId="3"/>
+      </dgm:ptLst>
+      <dgm:cxnLst>
+        <dgm:cxn modelId="4" srcId="0" destId="1" srcOrd="0" destOrd="0"/>
+        <dgm:cxn modelId="5" srcId="0" destId="2" srcOrd="1" destOrd="0"/>
+        <dgm:cxn modelId="6" srcId="0" destId="3" srcOrd="2" destOrd="0"/>
+      </dgm:cxnLst>
+      <dgm:bg/>
+      <dgm:whole/>
+    </dgm:dataModel>
+  </dgm:styleData>
+  <dgm:clrData>
+    <dgm:dataModel>
+      <dgm:ptLst>
+        <dgm:pt modelId="0" type="doc"/>
+        <dgm:pt modelId="1"/>
+        <dgm:pt modelId="2"/>
+        <dgm:pt modelId="3"/>
+        <dgm:pt modelId="4"/>
+        <dgm:pt modelId="5"/>
+        <dgm:pt modelId="6"/>
+      </dgm:ptLst>
+      <dgm:cxnLst>
+        <dgm:cxn modelId="7" srcId="0" destId="1" srcOrd="0" destOrd="0"/>
+        <dgm:cxn modelId="8" srcId="0" destId="2" srcOrd="1" destOrd="0"/>
+        <dgm:cxn modelId="9" srcId="0" destId="3" srcOrd="2" destOrd="0"/>
+        <dgm:cxn modelId="10" srcId="0" destId="4" srcOrd="3" destOrd="0"/>
+        <dgm:cxn modelId="11" srcId="0" destId="5" srcOrd="4" destOrd="0"/>
+        <dgm:cxn modelId="12" srcId="0" destId="6" srcOrd="5" destOrd="0"/>
+      </dgm:cxnLst>
+      <dgm:bg/>
+      <dgm:whole/>
+    </dgm:dataModel>
+  </dgm:clrData>
+  <dgm:layoutNode name="cycle">
+    <dgm:varLst>
+      <dgm:dir/>
+      <dgm:resizeHandles val="exact"/>
+    </dgm:varLst>
+    <dgm:choose name="Name0">
+      <dgm:if name="Name1" func="var" arg="dir" op="equ" val="norm">
+        <dgm:choose name="Name2">
+          <dgm:if name="Name3" axis="ch" ptType="node" func="cnt" op="gt" val="2">
+            <dgm:alg type="cycle">
+              <dgm:param type="stAng" val="0"/>
+              <dgm:param type="spanAng" val="360"/>
+            </dgm:alg>
+          </dgm:if>
+          <dgm:else name="Name4">
+            <dgm:alg type="cycle">
+              <dgm:param type="stAng" val="-90"/>
+              <dgm:param type="spanAng" val="360"/>
+            </dgm:alg>
+          </dgm:else>
+        </dgm:choose>
+      </dgm:if>
+      <dgm:else name="Name5">
+        <dgm:choose name="Name6">
+          <dgm:if name="Name7" axis="ch" ptType="node" func="cnt" op="gt" val="2">
+            <dgm:alg type="cycle">
+              <dgm:param type="stAng" val="0"/>
+              <dgm:param type="spanAng" val="-360"/>
+            </dgm:alg>
+          </dgm:if>
+          <dgm:else name="Name8">
+            <dgm:alg type="cycle">
+              <dgm:param type="stAng" val="90"/>
+              <dgm:param type="spanAng" val="-360"/>
+            </dgm:alg>
+          </dgm:else>
+        </dgm:choose>
+      </dgm:else>
+    </dgm:choose>
+    <dgm:shape xmlns:r="http://schemas.openxmlformats.org/officeDocument/2006/relationships" r:blip="">
+      <dgm:adjLst/>
+    </dgm:shape>
+    <dgm:presOf/>
+    <dgm:constrLst>
+      <dgm:constr type="w" for="ch" ptType="node" refType="w"/>
+      <dgm:constr type="w" for="ch" ptType="sibTrans" refType="w" refFor="ch" refPtType="node" op="equ" fact="0.25"/>
+      <dgm:constr type="sibSp" refType="w" refFor="ch" refPtType="node" fact="0.5"/>
+      <dgm:constr type="primFontSz" for="ch" ptType="node" op="equ" val="65"/>
+      <dgm:constr type="primFontSz" for="des" forName="connectorText" op="equ" val="55"/>
+      <dgm:constr type="primFontSz" for="des" forName="connectorText" refType="primFontSz" refFor="ch" refPtType="node" op="lte" fact="0.8"/>
+    </dgm:constrLst>
+    <dgm:ruleLst/>
+    <dgm:forEach name="nodesForEach" axis="ch" ptType="node">
+      <dgm:layoutNode name="node">
+        <dgm:varLst>
+          <dgm:bulletEnabled val="1"/>
+        </dgm:varLst>
+        <dgm:alg type="tx">
+          <dgm:param type="txAnchorVertCh" val="mid"/>
+        </dgm:alg>
+        <dgm:shape xmlns:r="http://schemas.openxmlformats.org/officeDocument/2006/relationships" type="ellipse" r:blip="">
+          <dgm:adjLst/>
+        </dgm:shape>
+        <dgm:presOf axis="desOrSelf" ptType="node"/>
+        <dgm:constrLst>
+          <dgm:constr type="h" refType="w"/>
+          <dgm:constr type="lMarg" refType="primFontSz" fact="0.1"/>
+          <dgm:constr type="rMarg" refType="primFontSz" fact="0.1"/>
+          <dgm:constr type="tMarg" refType="primFontSz" fact="0.1"/>
+          <dgm:constr type="bMarg" refType="primFontSz" fact="0.1"/>
+        </dgm:constrLst>
+        <dgm:ruleLst>
+          <dgm:rule type="primFontSz" val="5" fact="NaN" max="NaN"/>
+        </dgm:ruleLst>
+      </dgm:layoutNode>
+      <dgm:choose name="Name9">
+        <dgm:if name="Name10" axis="par ch" ptType="doc node" func="cnt" op="gt" val="1">
+          <dgm:forEach name="sibTransForEach" axis="followSib" ptType="sibTrans" hideLastTrans="0" cnt="1">
+            <dgm:layoutNode name="sibTrans">
+              <dgm:choose name="Name11">
+                <dgm:if name="Name12" axis="par ch" ptType="doc node" func="cnt" op="lt" val="3">
+                  <dgm:alg type="conn">
+                    <dgm:param type="begPts" val="radial"/>
+                    <dgm:param type="endPts" val="radial"/>
+                  </dgm:alg>
+                </dgm:if>
+                <dgm:else name="Name13">
+                  <dgm:alg type="conn">
+                    <dgm:param type="begPts" val="auto"/>
+                    <dgm:param type="endPts" val="auto"/>
+                  </dgm:alg>
+                </dgm:else>
+              </dgm:choose>
+              <dgm:shape xmlns:r="http://schemas.openxmlformats.org/officeDocument/2006/relationships" type="conn" r:blip="">
+                <dgm:adjLst/>
+              </dgm:shape>
+              <dgm:presOf axis="self"/>
+              <dgm:constrLst>
+                <dgm:constr type="h" refType="w" fact="1.35"/>
+                <dgm:constr type="connDist"/>
+                <dgm:constr type="w" for="ch" refType="connDist" fact="0.45"/>
+                <dgm:constr type="h" for="ch" refType="h"/>
+              </dgm:constrLst>
+              <dgm:ruleLst/>
+              <dgm:layoutNode name="connectorText">
+                <dgm:alg type="tx">
+                  <dgm:param type="autoTxRot" val="grav"/>
+                </dgm:alg>
+                <dgm:shape xmlns:r="http://schemas.openxmlformats.org/officeDocument/2006/relationships" type="conn" r:blip="" hideGeom="1">
+                  <dgm:adjLst/>
+                </dgm:shape>
+                <dgm:presOf axis="self"/>
+                <dgm:constrLst>
+                  <dgm:constr type="lMarg"/>
+                  <dgm:constr type="rMarg"/>
+                  <dgm:constr type="tMarg"/>
+                  <dgm:constr type="bMarg"/>
+                </dgm:constrLst>
+                <dgm:ruleLst>
+                  <dgm:rule type="primFontSz" val="5" fact="NaN" max="NaN"/>
+                </dgm:ruleLst>
+              </dgm:layoutNode>
+            </dgm:layoutNode>
+          </dgm:forEach>
+        </dgm:if>
+        <dgm:else name="Name14"/>
+      </dgm:choose>
+    </dgm:forEach>
+  </dgm:layoutNode>
+</dgm:layoutDef>
+</file>
+
+<file path=ppt/diagrams/quickStyle1.xml><?xml version="1.0" encoding="utf-8"?>
+<dgm:styleDef xmlns:dgm="http://schemas.openxmlformats.org/drawingml/2006/diagram" xmlns:a="http://schemas.openxmlformats.org/drawingml/2006/main" uniqueId="urn:microsoft.com/office/officeart/2005/8/quickstyle/simple4">
+  <dgm:title val=""/>
+  <dgm:desc val=""/>
+  <dgm:catLst>
+    <dgm:cat type="simple" pri="10400"/>
+  </dgm:catLst>
+  <dgm:scene3d>
+    <a:camera prst="orthographicFront"/>
+    <a:lightRig rig="threePt" dir="t"/>
+  </dgm:scene3d>
+  <dgm:styleLbl name="node0">
+    <dgm:scene3d>
+      <a:camera prst="orthographicFront"/>
+      <a:lightRig rig="threePt" dir="t"/>
+    </dgm:scene3d>
+    <dgm:sp3d/>
+    <dgm:txPr/>
+    <dgm:style>
+      <a:lnRef idx="0">
+        <a:scrgbClr r="0" g="0" b="0"/>
+      </a:lnRef>
+      <a:fillRef idx="3">
+        <a:scrgbClr r="0" g="0" b="0"/>
+      </a:fillRef>
+      <a:effectRef idx="2">
+        <a:scrgbClr r="0" g="0" b="0"/>
+      </a:effectRef>
+      <a:fontRef idx="minor">
+        <a:schemeClr val="lt1"/>
+      </a:fontRef>
+    </dgm:style>
+  </dgm:styleLbl>
+  <dgm:styleLbl name="lnNode1">
+    <dgm:scene3d>
+      <a:camera prst="orthographicFront"/>
+      <a:lightRig rig="threePt" dir="t"/>
+    </dgm:scene3d>
+    <dgm:sp3d/>
+    <dgm:txPr/>
+    <dgm:style>
+      <a:lnRef idx="1">
+        <a:scrgbClr r="0" g="0" b="0"/>
+      </a:lnRef>
+      <a:fillRef idx="3">
+        <a:scrgbClr r="0" g="0" b="0"/>
+      </a:fillRef>
+      <a:effectRef idx="2">
+        <a:scrgbClr r="0" g="0" b="0"/>
+      </a:effectRef>
+      <a:fontRef idx="minor">
+        <a:schemeClr val="lt1"/>
+      </a:fontRef>
+    </dgm:style>
+  </dgm:styleLbl>
+  <dgm:styleLbl name="vennNode1">
+    <dgm:scene3d>
+      <a:camera prst="orthographicFront"/>
+      <a:lightRig rig="threePt" dir="t"/>
+    </dgm:scene3d>
+    <dgm:sp3d/>
+    <dgm:txPr/>
+    <dgm:style>
+      <a:lnRef idx="0">
+        <a:scrgbClr r="0" g="0" b="0"/>
+      </a:lnRef>
+      <a:fillRef idx="3">
+        <a:scrgbClr r="0" g="0" b="0"/>
+      </a:fillRef>
+      <a:effectRef idx="0">
+        <a:scrgbClr r="0" g="0" b="0"/>
+      </a:effectRef>
+      <a:fontRef idx="minor">
+        <a:schemeClr val="tx1"/>
+      </a:fontRef>
+    </dgm:style>
+  </dgm:styleLbl>
+  <dgm:styleLbl name="alignNode1">
+    <dgm:scene3d>
+      <a:camera prst="orthographicFront"/>
+      <a:lightRig rig="threePt" dir="t"/>
+    </dgm:scene3d>
+    <dgm:sp3d/>
+    <dgm:txPr/>
+    <dgm:style>
+      <a:lnRef idx="1">
+        <a:scrgbClr r="0" g="0" b="0"/>
+      </a:lnRef>
+      <a:fillRef idx="3">
+        <a:scrgbClr r="0" g="0" b="0"/>
+      </a:fillRef>
+      <a:effectRef idx="2">
+        <a:scrgbClr r="0" g="0" b="0"/>
+      </a:effectRef>
+      <a:fontRef idx="minor">
+        <a:schemeClr val="lt1"/>
+      </a:fontRef>
+    </dgm:style>
+  </dgm:styleLbl>
+  <dgm:styleLbl name="node1">
+    <dgm:scene3d>
+      <a:camera prst="orthographicFront"/>
+      <a:lightRig rig="threePt" dir="t"/>
+    </dgm:scene3d>
+    <dgm:sp3d/>
+    <dgm:txPr/>
+    <dgm:style>
+      <a:lnRef idx="0">
+        <a:scrgbClr r="0" g="0" b="0"/>
+      </a:lnRef>
+      <a:fillRef idx="3">
+        <a:scrgbClr r="0" g="0" b="0"/>
+      </a:fillRef>
+      <a:effectRef idx="2">
+        <a:scrgbClr r="0" g="0" b="0"/>
+      </a:effectRef>
+      <a:fontRef idx="minor">
+        <a:schemeClr val="lt1"/>
+      </a:fontRef>
+    </dgm:style>
+  </dgm:styleLbl>
+  <dgm:styleLbl name="node2">
+    <dgm:scene3d>
+      <a:camera prst="orthographicFront"/>
+      <a:lightRig rig="threePt" dir="t"/>
+    </dgm:scene3d>
+    <dgm:sp3d/>
+    <dgm:txPr/>
+    <dgm:style>
+      <a:lnRef idx="0">
+        <a:scrgbClr r="0" g="0" b="0"/>
+      </a:lnRef>
+      <a:fillRef idx="3">
+        <a:scrgbClr r="0" g="0" b="0"/>
+      </a:fillRef>
+      <a:effectRef idx="2">
+        <a:scrgbClr r="0" g="0" b="0"/>
+      </a:effectRef>
+      <a:fontRef idx="minor">
+        <a:schemeClr val="lt1"/>
+      </a:fontRef>
+    </dgm:style>
+  </dgm:styleLbl>
+  <dgm:styleLbl name="node3">
+    <dgm:scene3d>
+      <a:camera prst="orthographicFront"/>
+      <a:lightRig rig="threePt" dir="t"/>
+    </dgm:scene3d>
+    <dgm:sp3d/>
+    <dgm:txPr/>
+    <dgm:style>
+      <a:lnRef idx="0">
+        <a:scrgbClr r="0" g="0" b="0"/>
+      </a:lnRef>
+      <a:fillRef idx="3">
+        <a:scrgbClr r="0" g="0" b="0"/>
+      </a:fillRef>
+      <a:effectRef idx="2">
+        <a:scrgbClr r="0" g="0" b="0"/>
+      </a:effectRef>
+      <a:fontRef idx="minor">
+        <a:schemeClr val="lt1"/>
+      </a:fontRef>
+    </dgm:style>
+  </dgm:styleLbl>
+  <dgm:styleLbl name="node4">
+    <dgm:scene3d>
+      <a:camera prst="orthographicFront"/>
+      <a:lightRig rig="threePt" dir="t"/>
+    </dgm:scene3d>
+    <dgm:sp3d/>
+    <dgm:txPr/>
+    <dgm:style>
+      <a:lnRef idx="0">
+        <a:scrgbClr r="0" g="0" b="0"/>
+      </a:lnRef>
+      <a:fillRef idx="3">
+        <a:scrgbClr r="0" g="0" b="0"/>
+      </a:fillRef>
+      <a:effectRef idx="2">
+        <a:scrgbClr r="0" g="0" b="0"/>
+      </a:effectRef>
+      <a:fontRef idx="minor">
+        <a:schemeClr val="lt1"/>
+      </a:fontRef>
+    </dgm:style>
+  </dgm:styleLbl>
+  <dgm:styleLbl name="fgImgPlace1">
+    <dgm:scene3d>
+      <a:camera prst="orthographicFront"/>
+      <a:lightRig rig="threePt" dir="t"/>
+    </dgm:scene3d>
+    <dgm:sp3d/>
+    <dgm:txPr/>
+    <dgm:style>
+      <a:lnRef idx="0">
+        <a:scrgbClr r="0" g="0" b="0"/>
+      </a:lnRef>
+      <a:fillRef idx="1">
+        <a:scrgbClr r="0" g="0" b="0"/>
+      </a:fillRef>
+      <a:effectRef idx="2">
+        <a:scrgbClr r="0" g="0" b="0"/>
+      </a:effectRef>
+      <a:fontRef idx="minor"/>
+    </dgm:style>
+  </dgm:styleLbl>
+  <dgm:styleLbl name="alignImgPlace1">
+    <dgm:scene3d>
+      <a:camera prst="orthographicFront"/>
+      <a:lightRig rig="threePt" dir="t"/>
+    </dgm:scene3d>
+    <dgm:sp3d/>
+    <dgm:txPr/>
+    <dgm:style>
+      <a:lnRef idx="0">
+        <a:scrgbClr r="0" g="0" b="0"/>
+      </a:lnRef>
+      <a:fillRef idx="1">
+        <a:scrgbClr r="0" g="0" b="0"/>
+      </a:fillRef>
+      <a:effectRef idx="2">
+        <a:scrgbClr r="0" g="0" b="0"/>
+      </a:effectRef>
+      <a:fontRef idx="minor"/>
+    </dgm:style>
+  </dgm:styleLbl>
+  <dgm:styleLbl name="bgImgPlace1">
+    <dgm:scene3d>
+      <a:camera prst="orthographicFront"/>
+      <a:lightRig rig="threePt" dir="t"/>
+    </dgm:scene3d>
+    <dgm:sp3d/>
+    <dgm:txPr/>
+    <dgm:style>
+      <a:lnRef idx="0">
+        <a:scrgbClr r="0" g="0" b="0"/>
+      </a:lnRef>
+      <a:fillRef idx="1">
+        <a:scrgbClr r="0" g="0" b="0"/>
+      </a:fillRef>
+      <a:effectRef idx="2">
+        <a:scrgbClr r="0" g="0" b="0"/>
+      </a:effectRef>
+      <a:fontRef idx="minor"/>
+    </dgm:style>
+  </dgm:styleLbl>
+  <dgm:styleLbl name="sibTrans2D1">
+    <dgm:scene3d>
+      <a:camera prst="orthographicFront"/>
+      <a:lightRig rig="threePt" dir="t"/>
+    </dgm:scene3d>
+    <dgm:sp3d/>
+    <dgm:txPr/>
+    <dgm:style>
+      <a:lnRef idx="0">
+        <a:scrgbClr r="0" g="0" b="0"/>
+      </a:lnRef>
+      <a:fillRef idx="3">
+        <a:scrgbClr r="0" g="0" b="0"/>
+      </a:fillRef>
+      <a:effectRef idx="2">
+        <a:scrgbClr r="0" g="0" b="0"/>
+      </a:effectRef>
+      <a:fontRef idx="minor">
+        <a:schemeClr val="lt1"/>
+      </a:fontRef>
+    </dgm:style>
+  </dgm:styleLbl>
+  <dgm:styleLbl name="fgSibTrans2D1">
+    <dgm:scene3d>
+      <a:camera prst="orthographicFront"/>
+      <a:lightRig rig="threePt" dir="t"/>
+    </dgm:scene3d>
+    <dgm:sp3d/>
+    <dgm:txPr/>
+    <dgm:style>
+      <a:lnRef idx="0">
+        <a:scrgbClr r="0" g="0" b="0"/>
+      </a:lnRef>
+      <a:fillRef idx="3">
+        <a:scrgbClr r="0" g="0" b="0"/>
+      </a:fillRef>
+      <a:effectRef idx="2">
+        <a:scrgbClr r="0" g="0" b="0"/>
+      </a:effectRef>
+      <a:fontRef idx="minor">
+        <a:schemeClr val="lt1"/>
+      </a:fontRef>
+    </dgm:style>
+  </dgm:styleLbl>
+  <dgm:styleLbl name="bgSibTrans2D1">
+    <dgm:scene3d>
+      <a:camera prst="orthographicFront"/>
+      <a:lightRig rig="threePt" dir="t"/>
+    </dgm:scene3d>
+    <dgm:sp3d/>
+    <dgm:txPr/>
+    <dgm:style>
+      <a:lnRef idx="0">
+        <a:scrgbClr r="0" g="0" b="0"/>
+      </a:lnRef>
+      <a:fillRef idx="3">
+        <a:scrgbClr r="0" g="0" b="0"/>
+      </a:fillRef>
+      <a:effectRef idx="2">
+        <a:scrgbClr r="0" g="0" b="0"/>
+      </a:effectRef>
+      <a:fontRef idx="minor">
+        <a:schemeClr val="lt1"/>
+      </a:fontRef>
+    </dgm:style>
+  </dgm:styleLbl>
+  <dgm:styleLbl name="sibTrans1D1">
+    <dgm:scene3d>
+      <a:camera prst="orthographicFront"/>
+      <a:lightRig rig="threePt" dir="t"/>
+    </dgm:scene3d>
+    <dgm:sp3d/>
+    <dgm:txPr/>
+    <dgm:style>
+      <a:lnRef idx="1">
+        <a:scrgbClr r="0" g="0" b="0"/>
+      </a:lnRef>
+      <a:fillRef idx="0">
+        <a:scrgbClr r="0" g="0" b="0"/>
+      </a:fillRef>
+      <a:effectRef idx="0">
+        <a:scrgbClr r="0" g="0" b="0"/>
+      </a:effectRef>
+      <a:fontRef idx="minor"/>
+    </dgm:style>
+  </dgm:styleLbl>
+  <dgm:styleLbl name="callout">
+    <dgm:scene3d>
+      <a:camera prst="orthographicFront"/>
+      <a:lightRig rig="threePt" dir="t"/>
+    </dgm:scene3d>
+    <dgm:sp3d/>
+    <dgm:txPr/>
+    <dgm:style>
+      <a:lnRef idx="2">
+        <a:scrgbClr r="0" g="0" b="0"/>
+      </a:lnRef>
+      <a:fillRef idx="1">
+        <a:scrgbClr r="0" g="0" b="0"/>
+      </a:fillRef>
+      <a:effectRef idx="1">
+        <a:scrgbClr r="0" g="0" b="0"/>
+      </a:effectRef>
+      <a:fontRef idx="minor"/>
+    </dgm:style>
+  </dgm:styleLbl>
+  <dgm:styleLbl name="asst0">
+    <dgm:scene3d>
+      <a:camera prst="orthographicFront"/>
+      <a:lightRig rig="threePt" dir="t"/>
+    </dgm:scene3d>
+    <dgm:sp3d/>
+    <dgm:txPr/>
+    <dgm:style>
+      <a:lnRef idx="0">
+        <a:scrgbClr r="0" g="0" b="0"/>
+      </a:lnRef>
+      <a:fillRef idx="3">
+        <a:scrgbClr r="0" g="0" b="0"/>
+      </a:fillRef>
+      <a:effectRef idx="2">
+        <a:scrgbClr r="0" g="0" b="0"/>
+      </a:effectRef>
+      <a:fontRef idx="minor">
+        <a:schemeClr val="lt1"/>
+      </a:fontRef>
+    </dgm:style>
+  </dgm:styleLbl>
+  <dgm:styleLbl name="asst1">
+    <dgm:scene3d>
+      <a:camera prst="orthographicFront"/>
+      <a:lightRig rig="threePt" dir="t"/>
+    </dgm:scene3d>
+    <dgm:sp3d/>
+    <dgm:txPr/>
+    <dgm:style>
+      <a:lnRef idx="0">
+        <a:scrgbClr r="0" g="0" b="0"/>
+      </a:lnRef>
+      <a:fillRef idx="3">
+        <a:scrgbClr r="0" g="0" b="0"/>
+      </a:fillRef>
+      <a:effectRef idx="2">
+        <a:scrgbClr r="0" g="0" b="0"/>
+      </a:effectRef>
+      <a:fontRef idx="minor">
+        <a:schemeClr val="lt1"/>
+      </a:fontRef>
+    </dgm:style>
+  </dgm:styleLbl>
+  <dgm:styleLbl name="asst2">
+    <dgm:scene3d>
+      <a:camera prst="orthographicFront"/>
+      <a:lightRig rig="threePt" dir="t"/>
+    </dgm:scene3d>
+    <dgm:sp3d/>
+    <dgm:txPr/>
+    <dgm:style>
+      <a:lnRef idx="0">
+        <a:scrgbClr r="0" g="0" b="0"/>
+      </a:lnRef>
+      <a:fillRef idx="3">
+        <a:scrgbClr r="0" g="0" b="0"/>
+      </a:fillRef>
+      <a:effectRef idx="2">
+        <a:scrgbClr r="0" g="0" b="0"/>
+      </a:effectRef>
+      <a:fontRef idx="minor">
+        <a:schemeClr val="lt1"/>
+      </a:fontRef>
+    </dgm:style>
+  </dgm:styleLbl>
+  <dgm:styleLbl name="asst3">
+    <dgm:scene3d>
+      <a:camera prst="orthographicFront"/>
+      <a:lightRig rig="threePt" dir="t"/>
+    </dgm:scene3d>
+    <dgm:sp3d/>
+    <dgm:txPr/>
+    <dgm:style>
+      <a:lnRef idx="0">
+        <a:scrgbClr r="0" g="0" b="0"/>
+      </a:lnRef>
+      <a:fillRef idx="3">
+        <a:scrgbClr r="0" g="0" b="0"/>
+      </a:fillRef>
+      <a:effectRef idx="2">
+        <a:scrgbClr r="0" g="0" b="0"/>
+      </a:effectRef>
+      <a:fontRef idx="minor">
+        <a:schemeClr val="lt1"/>
+      </a:fontRef>
+    </dgm:style>
+  </dgm:styleLbl>
+  <dgm:styleLbl name="asst4">
+    <dgm:scene3d>
+      <a:camera prst="orthographicFront"/>
+      <a:lightRig rig="threePt" dir="t"/>
+    </dgm:scene3d>
+    <dgm:sp3d/>
+    <dgm:txPr/>
+    <dgm:style>
+      <a:lnRef idx="0">
+        <a:scrgbClr r="0" g="0" b="0"/>
+      </a:lnRef>
+      <a:fillRef idx="3">
+        <a:scrgbClr r="0" g="0" b="0"/>
+      </a:fillRef>
+      <a:effectRef idx="2">
+        <a:scrgbClr r="0" g="0" b="0"/>
+      </a:effectRef>
+      <a:fontRef idx="minor">
+        <a:schemeClr val="lt1"/>
+      </a:fontRef>
+    </dgm:style>
+  </dgm:styleLbl>
+  <dgm:styleLbl name="parChTrans2D1">
+    <dgm:scene3d>
+      <a:camera prst="orthographicFront"/>
+      <a:lightRig rig="threePt" dir="t"/>
+    </dgm:scene3d>
+    <dgm:sp3d/>
+    <dgm:txPr/>
+    <dgm:style>
+      <a:lnRef idx="0">
+        <a:scrgbClr r="0" g="0" b="0"/>
+      </a:lnRef>
+      <a:fillRef idx="3">
+        <a:scrgbClr r="0" g="0" b="0"/>
+      </a:fillRef>
+      <a:effectRef idx="2">
+        <a:scrgbClr r="0" g="0" b="0"/>
+      </a:effectRef>
+      <a:fontRef idx="minor">
+        <a:schemeClr val="lt1"/>
+      </a:fontRef>
+    </dgm:style>
+  </dgm:styleLbl>
+  <dgm:styleLbl name="parChTrans2D2">
+    <dgm:scene3d>
+      <a:camera prst="orthographicFront"/>
+      <a:lightRig rig="threePt" dir="t"/>
+    </dgm:scene3d>
+    <dgm:sp3d/>
+    <dgm:txPr/>
+    <dgm:style>
+      <a:lnRef idx="0">
+        <a:scrgbClr r="0" g="0" b="0"/>
+      </a:lnRef>
+      <a:fillRef idx="3">
+        <a:scrgbClr r="0" g="0" b="0"/>
+      </a:fillRef>
+      <a:effectRef idx="2">
+        <a:scrgbClr r="0" g="0" b="0"/>
+      </a:effectRef>
+      <a:fontRef idx="minor">
+        <a:schemeClr val="lt1"/>
+      </a:fontRef>
+    </dgm:style>
+  </dgm:styleLbl>
+  <dgm:styleLbl name="parChTrans2D3">
+    <dgm:scene3d>
+      <a:camera prst="orthographicFront"/>
+      <a:lightRig rig="threePt" dir="t"/>
+    </dgm:scene3d>
+    <dgm:sp3d/>
+    <dgm:txPr/>
+    <dgm:style>
+      <a:lnRef idx="1">
+        <a:scrgbClr r="0" g="0" b="0"/>
+      </a:lnRef>
+      <a:fillRef idx="3">
+        <a:scrgbClr r="0" g="0" b="0"/>
+      </a:fillRef>
+      <a:effectRef idx="2">
+        <a:scrgbClr r="0" g="0" b="0"/>
+      </a:effectRef>
+      <a:fontRef idx="minor">
+        <a:schemeClr val="lt1"/>
+      </a:fontRef>
+    </dgm:style>
+  </dgm:styleLbl>
+  <dgm:styleLbl name="parChTrans2D4">
+    <dgm:scene3d>
+      <a:camera prst="orthographicFront"/>
+      <a:lightRig rig="threePt" dir="t"/>
+    </dgm:scene3d>
+    <dgm:sp3d/>
+    <dgm:txPr/>
+    <dgm:style>
+      <a:lnRef idx="1">
+        <a:scrgbClr r="0" g="0" b="0"/>
+      </a:lnRef>
+      <a:fillRef idx="3">
+        <a:scrgbClr r="0" g="0" b="0"/>
+      </a:fillRef>
+      <a:effectRef idx="2">
+        <a:scrgbClr r="0" g="0" b="0"/>
+      </a:effectRef>
+      <a:fontRef idx="minor">
+        <a:schemeClr val="lt1"/>
+      </a:fontRef>
+    </dgm:style>
+  </dgm:styleLbl>
+  <dgm:styleLbl name="parChTrans1D1">
+    <dgm:scene3d>
+      <a:camera prst="orthographicFront"/>
+      <a:lightRig rig="threePt" dir="t"/>
+    </dgm:scene3d>
+    <dgm:sp3d/>
+    <dgm:txPr/>
+    <dgm:style>
+      <a:lnRef idx="1">
+        <a:scrgbClr r="0" g="0" b="0"/>
+      </a:lnRef>
+      <a:fillRef idx="0">
+        <a:scrgbClr r="0" g="0" b="0"/>
+      </a:fillRef>
+      <a:effectRef idx="0">
+        <a:scrgbClr r="0" g="0" b="0"/>
+      </a:effectRef>
+      <a:fontRef idx="minor"/>
+    </dgm:style>
+  </dgm:styleLbl>
+  <dgm:styleLbl name="parChTrans1D2">
+    <dgm:scene3d>
+      <a:camera prst="orthographicFront"/>
+      <a:lightRig rig="threePt" dir="t"/>
+    </dgm:scene3d>
+    <dgm:sp3d/>
+    <dgm:txPr/>
+    <dgm:style>
+      <a:lnRef idx="1">
+        <a:scrgbClr r="0" g="0" b="0"/>
+      </a:lnRef>
+      <a:fillRef idx="0">
+        <a:scrgbClr r="0" g="0" b="0"/>
+      </a:fillRef>
+      <a:effectRef idx="0">
+        <a:scrgbClr r="0" g="0" b="0"/>
+      </a:effectRef>
+      <a:fontRef idx="minor"/>
+    </dgm:style>
+  </dgm:styleLbl>
+  <dgm:styleLbl name="parChTrans1D3">
+    <dgm:scene3d>
+      <a:camera prst="orthographicFront"/>
+      <a:lightRig rig="threePt" dir="t"/>
+    </dgm:scene3d>
+    <dgm:sp3d/>
+    <dgm:txPr/>
+    <dgm:style>
+      <a:lnRef idx="1">
+        <a:scrgbClr r="0" g="0" b="0"/>
+      </a:lnRef>
+      <a:fillRef idx="0">
+        <a:scrgbClr r="0" g="0" b="0"/>
+      </a:fillRef>
+      <a:effectRef idx="0">
+        <a:scrgbClr r="0" g="0" b="0"/>
+      </a:effectRef>
+      <a:fontRef idx="minor"/>
+    </dgm:style>
+  </dgm:styleLbl>
+  <dgm:styleLbl name="parChTrans1D4">
+    <dgm:scene3d>
+      <a:camera prst="orthographicFront"/>
+      <a:lightRig rig="threePt" dir="t"/>
+    </dgm:scene3d>
+    <dgm:sp3d/>
+    <dgm:txPr/>
+    <dgm:style>
+      <a:lnRef idx="1">
+        <a:scrgbClr r="0" g="0" b="0"/>
+      </a:lnRef>
+      <a:fillRef idx="0">
+        <a:scrgbClr r="0" g="0" b="0"/>
+      </a:fillRef>
+      <a:effectRef idx="0">
+        <a:scrgbClr r="0" g="0" b="0"/>
+      </a:effectRef>
+      <a:fontRef idx="minor"/>
+    </dgm:style>
+  </dgm:styleLbl>
+  <dgm:styleLbl name="fgAcc1">
+    <dgm:scene3d>
+      <a:camera prst="orthographicFront"/>
+      <a:lightRig rig="threePt" dir="t"/>
+    </dgm:scene3d>
+    <dgm:sp3d/>
+    <dgm:txPr/>
+    <dgm:style>
+      <a:lnRef idx="1">
+        <a:scrgbClr r="0" g="0" b="0"/>
+      </a:lnRef>
+      <a:fillRef idx="1">
+        <a:scrgbClr r="0" g="0" b="0"/>
+      </a:fillRef>
+      <a:effectRef idx="0">
+        <a:scrgbClr r="0" g="0" b="0"/>
+      </a:effectRef>
+      <a:fontRef idx="minor"/>
+    </dgm:style>
+  </dgm:styleLbl>
+  <dgm:styleLbl name="conFgAcc1">
+    <dgm:scene3d>
+      <a:camera prst="orthographicFront"/>
+      <a:lightRig rig="threePt" dir="t"/>
+    </dgm:scene3d>
+    <dgm:sp3d/>
+    <dgm:txPr/>
+    <dgm:style>
+      <a:lnRef idx="1">
+        <a:scrgbClr r="0" g="0" b="0"/>
+      </a:lnRef>
+      <a:fillRef idx="1">
+        <a:scrgbClr r="0" g="0" b="0"/>
+      </a:fillRef>
+      <a:effectRef idx="0">
+        <a:scrgbClr r="0" g="0" b="0"/>
+      </a:effectRef>
+      <a:fontRef idx="minor"/>
+    </dgm:style>
+  </dgm:styleLbl>
+  <dgm:styleLbl name="alignAcc1">
+    <dgm:scene3d>
+      <a:camera prst="orthographicFront"/>
+      <a:lightRig rig="threePt" dir="t"/>
+    </dgm:scene3d>
+    <dgm:sp3d/>
+    <dgm:txPr/>
+    <dgm:style>
+      <a:lnRef idx="1">
+        <a:scrgbClr r="0" g="0" b="0"/>
+      </a:lnRef>
+      <a:fillRef idx="1">
+        <a:scrgbClr r="0" g="0" b="0"/>
+      </a:fillRef>
+      <a:effectRef idx="0">
+        <a:scrgbClr r="0" g="0" b="0"/>
+      </a:effectRef>
+      <a:fontRef idx="minor"/>
+    </dgm:style>
+  </dgm:styleLbl>
+  <dgm:styleLbl name="trAlignAcc1">
+    <dgm:scene3d>
+      <a:camera prst="orthographicFront"/>
+      <a:lightRig rig="threePt" dir="t"/>
+    </dgm:scene3d>
+    <dgm:sp3d/>
+    <dgm:txPr/>
+    <dgm:style>
+      <a:lnRef idx="1">
+        <a:scrgbClr r="0" g="0" b="0"/>
+      </a:lnRef>
+      <a:fillRef idx="1">
+        <a:scrgbClr r="0" g="0" b="0"/>
+      </a:fillRef>
+      <a:effectRef idx="0">
+        <a:scrgbClr r="0" g="0" b="0"/>
+      </a:effectRef>
+      <a:fontRef idx="minor"/>
+    </dgm:style>
+  </dgm:styleLbl>
+  <dgm:styleLbl name="bgAcc1">
+    <dgm:scene3d>
+      <a:camera prst="orthographicFront"/>
+      <a:lightRig rig="threePt" dir="t"/>
+    </dgm:scene3d>
+    <dgm:sp3d/>
+    <dgm:txPr/>
+    <dgm:style>
+      <a:lnRef idx="1">
+        <a:scrgbClr r="0" g="0" b="0"/>
+      </a:lnRef>
+      <a:fillRef idx="1">
+        <a:scrgbClr r="0" g="0" b="0"/>
+      </a:fillRef>
+      <a:effectRef idx="0">
+        <a:scrgbClr r="0" g="0" b="0"/>
+      </a:effectRef>
+      <a:fontRef idx="minor"/>
+    </dgm:style>
+  </dgm:styleLbl>
+  <dgm:styleLbl name="solidFgAcc1">
+    <dgm:scene3d>
+      <a:camera prst="orthographicFront"/>
+      <a:lightRig rig="threePt" dir="t"/>
+    </dgm:scene3d>
+    <dgm:sp3d/>
+    <dgm:txPr/>
+    <dgm:style>
+      <a:lnRef idx="1">
+        <a:scrgbClr r="0" g="0" b="0"/>
+      </a:lnRef>
+      <a:fillRef idx="1">
+        <a:scrgbClr r="0" g="0" b="0"/>
+      </a:fillRef>
+      <a:effectRef idx="0">
+        <a:scrgbClr r="0" g="0" b="0"/>
+      </a:effectRef>
+      <a:fontRef idx="minor"/>
+    </dgm:style>
+  </dgm:styleLbl>
+  <dgm:styleLbl name="solidAlignAcc1">
+    <dgm:scene3d>
+      <a:camera prst="orthographicFront"/>
+      <a:lightRig rig="threePt" dir="t"/>
+    </dgm:scene3d>
+    <dgm:sp3d/>
+    <dgm:txPr/>
+    <dgm:style>
+      <a:lnRef idx="1">
+        <a:scrgbClr r="0" g="0" b="0"/>
+      </a:lnRef>
+      <a:fillRef idx="1">
+        <a:scrgbClr r="0" g="0" b="0"/>
+      </a:fillRef>
+      <a:effectRef idx="0">
+        <a:scrgbClr r="0" g="0" b="0"/>
+      </a:effectRef>
+      <a:fontRef idx="minor"/>
+    </dgm:style>
+  </dgm:styleLbl>
+  <dgm:styleLbl name="solidBgAcc1">
+    <dgm:scene3d>
+      <a:camera prst="orthographicFront"/>
+      <a:lightRig rig="threePt" dir="t"/>
+    </dgm:scene3d>
+    <dgm:sp3d/>
+    <dgm:txPr/>
+    <dgm:style>
+      <a:lnRef idx="1">
+        <a:scrgbClr r="0" g="0" b="0"/>
+      </a:lnRef>
+      <a:fillRef idx="1">
+        <a:scrgbClr r="0" g="0" b="0"/>
+      </a:fillRef>
+      <a:effectRef idx="0">
+        <a:scrgbClr r="0" g="0" b="0"/>
+      </a:effectRef>
+      <a:fontRef idx="minor"/>
+    </dgm:style>
+  </dgm:styleLbl>
+  <dgm:styleLbl name="fgAccFollowNode1">
+    <dgm:scene3d>
+      <a:camera prst="orthographicFront"/>
+      <a:lightRig rig="threePt" dir="t"/>
+    </dgm:scene3d>
+    <dgm:sp3d/>
+    <dgm:txPr/>
+    <dgm:style>
+      <a:lnRef idx="1">
+        <a:scrgbClr r="0" g="0" b="0"/>
+      </a:lnRef>
+      <a:fillRef idx="1">
+        <a:scrgbClr r="0" g="0" b="0"/>
+      </a:fillRef>
+      <a:effectRef idx="0">
+        <a:scrgbClr r="0" g="0" b="0"/>
+      </a:effectRef>
+      <a:fontRef idx="minor"/>
+    </dgm:style>
+  </dgm:styleLbl>
+  <dgm:styleLbl name="alignAccFollowNode1">
+    <dgm:scene3d>
+      <a:camera prst="orthographicFront"/>
+      <a:lightRig rig="threePt" dir="t"/>
+    </dgm:scene3d>
+    <dgm:sp3d/>
+    <dgm:txPr/>
+    <dgm:style>
+      <a:lnRef idx="1">
+        <a:scrgbClr r="0" g="0" b="0"/>
+      </a:lnRef>
+      <a:fillRef idx="1">
+        <a:scrgbClr r="0" g="0" b="0"/>
+      </a:fillRef>
+      <a:effectRef idx="0">
+        <a:scrgbClr r="0" g="0" b="0"/>
+      </a:effectRef>
+      <a:fontRef idx="minor"/>
+    </dgm:style>
+  </dgm:styleLbl>
+  <dgm:styleLbl name="bgAccFollowNode1">
+    <dgm:scene3d>
+      <a:camera prst="orthographicFront"/>
+      <a:lightRig rig="threePt" dir="t"/>
+    </dgm:scene3d>
+    <dgm:sp3d/>
+    <dgm:txPr/>
+    <dgm:style>
+      <a:lnRef idx="1">
+        <a:scrgbClr r="0" g="0" b="0"/>
+      </a:lnRef>
+      <a:fillRef idx="1">
+        <a:scrgbClr r="0" g="0" b="0"/>
+      </a:fillRef>
+      <a:effectRef idx="0">
+        <a:scrgbClr r="0" g="0" b="0"/>
+      </a:effectRef>
+      <a:fontRef idx="minor"/>
+    </dgm:style>
+  </dgm:styleLbl>
+  <dgm:styleLbl name="fgAcc0">
+    <dgm:scene3d>
+      <a:camera prst="orthographicFront"/>
+      <a:lightRig rig="threePt" dir="t"/>
+    </dgm:scene3d>
+    <dgm:sp3d/>
+    <dgm:txPr/>
+    <dgm:style>
+      <a:lnRef idx="1">
+        <a:scrgbClr r="0" g="0" b="0"/>
+      </a:lnRef>
+      <a:fillRef idx="1">
+        <a:scrgbClr r="0" g="0" b="0"/>
+      </a:fillRef>
+      <a:effectRef idx="0">
+        <a:scrgbClr r="0" g="0" b="0"/>
+      </a:effectRef>
+      <a:fontRef idx="minor"/>
+    </dgm:style>
+  </dgm:styleLbl>
+  <dgm:styleLbl name="fgAcc2">
+    <dgm:scene3d>
+      <a:camera prst="orthographicFront"/>
+      <a:lightRig rig="threePt" dir="t"/>
+    </dgm:scene3d>
+    <dgm:sp3d/>
+    <dgm:txPr/>
+    <dgm:style>
+      <a:lnRef idx="1">
+        <a:scrgbClr r="0" g="0" b="0"/>
+      </a:lnRef>
+      <a:fillRef idx="1">
+        <a:scrgbClr r="0" g="0" b="0"/>
+      </a:fillRef>
+      <a:effectRef idx="0">
+        <a:scrgbClr r="0" g="0" b="0"/>
+      </a:effectRef>
+      <a:fontRef idx="minor"/>
+    </dgm:style>
+  </dgm:styleLbl>
+  <dgm:styleLbl name="fgAcc3">
+    <dgm:scene3d>
+      <a:camera prst="orthographicFront"/>
+      <a:lightRig rig="threePt" dir="t"/>
+    </dgm:scene3d>
+    <dgm:sp3d/>
+    <dgm:txPr/>
+    <dgm:style>
+      <a:lnRef idx="1">
+        <a:scrgbClr r="0" g="0" b="0"/>
+      </a:lnRef>
+      <a:fillRef idx="1">
+        <a:scrgbClr r="0" g="0" b="0"/>
+      </a:fillRef>
+      <a:effectRef idx="0">
+        <a:scrgbClr r="0" g="0" b="0"/>
+      </a:effectRef>
+      <a:fontRef idx="minor"/>
+    </dgm:style>
+  </dgm:styleLbl>
+  <dgm:styleLbl name="fgAcc4">
+    <dgm:scene3d>
+      <a:camera prst="orthographicFront"/>
+      <a:lightRig rig="threePt" dir="t"/>
+    </dgm:scene3d>
+    <dgm:sp3d/>
+    <dgm:txPr/>
+    <dgm:style>
+      <a:lnRef idx="1">
+        <a:scrgbClr r="0" g="0" b="0"/>
+      </a:lnRef>
+      <a:fillRef idx="1">
+        <a:scrgbClr r="0" g="0" b="0"/>
+      </a:fillRef>
+      <a:effectRef idx="0">
+        <a:scrgbClr r="0" g="0" b="0"/>
+      </a:effectRef>
+      <a:fontRef idx="minor"/>
+    </dgm:style>
+  </dgm:styleLbl>
+  <dgm:styleLbl name="bgShp">
+    <dgm:scene3d>
+      <a:camera prst="orthographicFront"/>
+      <a:lightRig rig="threePt" dir="t"/>
+    </dgm:scene3d>
+    <dgm:sp3d/>
+    <dgm:txPr/>
+    <dgm:style>
+      <a:lnRef idx="0">
+        <a:scrgbClr r="0" g="0" b="0"/>
+      </a:lnRef>
+      <a:fillRef idx="1">
+        <a:scrgbClr r="0" g="0" b="0"/>
+      </a:fillRef>
+      <a:effectRef idx="2">
+        <a:scrgbClr r="0" g="0" b="0"/>
+      </a:effectRef>
+      <a:fontRef idx="minor"/>
+    </dgm:style>
+  </dgm:styleLbl>
+  <dgm:styleLbl name="dkBgShp">
+    <dgm:scene3d>
+      <a:camera prst="orthographicFront"/>
+      <a:lightRig rig="threePt" dir="t"/>
+    </dgm:scene3d>
+    <dgm:sp3d/>
+    <dgm:txPr/>
+    <dgm:style>
+      <a:lnRef idx="0">
+        <a:scrgbClr r="0" g="0" b="0"/>
+      </a:lnRef>
+      <a:fillRef idx="1">
+        <a:scrgbClr r="0" g="0" b="0"/>
+      </a:fillRef>
+      <a:effectRef idx="2">
+        <a:scrgbClr r="0" g="0" b="0"/>
+      </a:effectRef>
+      <a:fontRef idx="minor"/>
+    </dgm:style>
+  </dgm:styleLbl>
+  <dgm:styleLbl name="trBgShp">
+    <dgm:scene3d>
+      <a:camera prst="orthographicFront"/>
+      <a:lightRig rig="threePt" dir="t"/>
+    </dgm:scene3d>
+    <dgm:sp3d/>
+    <dgm:txPr/>
+    <dgm:style>
+      <a:lnRef idx="0">
+        <a:scrgbClr r="0" g="0" b="0"/>
+      </a:lnRef>
+      <a:fillRef idx="1">
+        <a:scrgbClr r="0" g="0" b="0"/>
+      </a:fillRef>
+      <a:effectRef idx="0">
+        <a:scrgbClr r="0" g="0" b="0"/>
+      </a:effectRef>
+      <a:fontRef idx="minor"/>
+    </dgm:style>
+  </dgm:styleLbl>
+  <dgm:styleLbl name="fgShp">
+    <dgm:scene3d>
+      <a:camera prst="orthographicFront"/>
+      <a:lightRig rig="threePt" dir="t"/>
+    </dgm:scene3d>
+    <dgm:sp3d/>
+    <dgm:txPr/>
+    <dgm:style>
+      <a:lnRef idx="0">
+        <a:scrgbClr r="0" g="0" b="0"/>
+      </a:lnRef>
+      <a:fillRef idx="3">
+        <a:scrgbClr r="0" g="0" b="0"/>
+      </a:fillRef>
+      <a:effectRef idx="2">
+        <a:scrgbClr r="0" g="0" b="0"/>
+      </a:effectRef>
+      <a:fontRef idx="minor"/>
+    </dgm:style>
+  </dgm:styleLbl>
+  <dgm:styleLbl name="revTx">
+    <dgm:scene3d>
+      <a:camera prst="orthographicFront"/>
+      <a:lightRig rig="threePt" dir="t"/>
+    </dgm:scene3d>
+    <dgm:sp3d/>
+    <dgm:txPr/>
+    <dgm:style>
+      <a:lnRef idx="0">
+        <a:scrgbClr r="0" g="0" b="0"/>
+      </a:lnRef>
+      <a:fillRef idx="0">
+        <a:scrgbClr r="0" g="0" b="0"/>
+      </a:fillRef>
+      <a:effectRef idx="0">
+        <a:scrgbClr r="0" g="0" b="0"/>
+      </a:effectRef>
+      <a:fontRef idx="minor"/>
+    </dgm:style>
+  </dgm:styleLbl>
+</dgm:styleDef>
 </file>
 
 <file path=ppt/notesMasters/notesMaster1.xml><?xml version="1.0" encoding="utf-8"?>
@@ -10520,7 +13672,7 @@
         </p:nvSpPr>
         <p:spPr>
           <a:xfrm>
-            <a:off x="952500" y="5082362"/>
+            <a:off x="952500" y="5338230"/>
             <a:ext cx="11099800" cy="901366"/>
           </a:xfrm>
           <a:prstGeom prst="rect">
@@ -10546,15 +13698,7 @@
                   <a:schemeClr val="accent1"/>
                 </a:solidFill>
               </a:rPr>
-              <a:t>Our Problem</a:t>
-            </a:r>
-            <a:r>
-              <a:rPr lang="en-US" sz="5400" dirty="0" smtClean="0">
-                <a:solidFill>
-                  <a:schemeClr val="accent1"/>
-                </a:solidFill>
-              </a:rPr>
-              <a:t>: </a:t>
+              <a:t>Our Problem: </a:t>
             </a:r>
             <a:r>
               <a:rPr sz="5400" dirty="0" smtClean="0">
@@ -10608,7 +13752,7 @@
         </p:nvSpPr>
         <p:spPr>
           <a:xfrm>
-            <a:off x="952500" y="6558573"/>
+            <a:off x="952500" y="6665585"/>
             <a:ext cx="11099800" cy="2728452"/>
           </a:xfrm>
           <a:prstGeom prst="rect">
@@ -10709,6 +13853,28 @@
           </a:p>
         </p:txBody>
       </p:sp>
+      <p:graphicFrame>
+        <p:nvGraphicFramePr>
+          <p:cNvPr id="2" name="Diagram 1"/>
+          <p:cNvGraphicFramePr/>
+          <p:nvPr>
+            <p:extLst>
+              <p:ext uri="{D42A27DB-BD31-4B8C-83A1-F6EECF244321}">
+                <p14:modId xmlns:p14="http://schemas.microsoft.com/office/powerpoint/2010/main" val="1435516146"/>
+              </p:ext>
+            </p:extLst>
+          </p:nvPr>
+        </p:nvGraphicFramePr>
+        <p:xfrm>
+          <a:off x="6379535" y="1029915"/>
+          <a:ext cx="5276505" cy="3563350"/>
+        </p:xfrm>
+        <a:graphic>
+          <a:graphicData uri="http://schemas.openxmlformats.org/drawingml/2006/diagram">
+            <dgm:relIds xmlns:dgm="http://schemas.openxmlformats.org/drawingml/2006/diagram" xmlns:r="http://schemas.openxmlformats.org/officeDocument/2006/relationships" r:dm="rId2" r:lo="rId3" r:qs="rId4" r:cs="rId5"/>
+          </a:graphicData>
+        </a:graphic>
+      </p:graphicFrame>
     </p:spTree>
   </p:cSld>
   <p:clrMapOvr>

--- a/docs/Indra.pptx
+++ b/docs/Indra.pptx
@@ -13875,6 +13875,30 @@
           </a:graphicData>
         </a:graphic>
       </p:graphicFrame>
+      <p:pic>
+        <p:nvPicPr>
+          <p:cNvPr id="3" name="Picture 2"/>
+          <p:cNvPicPr>
+            <a:picLocks noChangeAspect="1"/>
+          </p:cNvPicPr>
+          <p:nvPr/>
+        </p:nvPicPr>
+        <p:blipFill>
+          <a:blip r:embed="rId7"/>
+          <a:stretch>
+            <a:fillRect/>
+          </a:stretch>
+        </p:blipFill>
+        <p:spPr>
+          <a:xfrm>
+            <a:off x="2327348" y="1730744"/>
+            <a:ext cx="3166672" cy="2544230"/>
+          </a:xfrm>
+          <a:prstGeom prst="rect">
+            <a:avLst/>
+          </a:prstGeom>
+        </p:spPr>
+      </p:pic>
     </p:spTree>
   </p:cSld>
   <p:clrMapOvr>
@@ -14005,6 +14029,36 @@
           </a:p>
         </p:txBody>
       </p:sp>
+      <p:pic>
+        <p:nvPicPr>
+          <p:cNvPr id="2" name="Picture 1"/>
+          <p:cNvPicPr>
+            <a:picLocks noChangeAspect="1"/>
+          </p:cNvPicPr>
+          <p:nvPr/>
+        </p:nvPicPr>
+        <p:blipFill>
+          <a:blip r:embed="rId2">
+            <a:extLst>
+              <a:ext uri="{28A0092B-C50C-407E-A947-70E740481C1C}">
+                <a14:useLocalDpi xmlns:a14="http://schemas.microsoft.com/office/drawing/2010/main" val="0"/>
+              </a:ext>
+            </a:extLst>
+          </a:blip>
+          <a:stretch>
+            <a:fillRect/>
+          </a:stretch>
+        </p:blipFill>
+        <p:spPr>
+          <a:xfrm>
+            <a:off x="1560624" y="1507903"/>
+            <a:ext cx="4798374" cy="3562793"/>
+          </a:xfrm>
+          <a:prstGeom prst="rect">
+            <a:avLst/>
+          </a:prstGeom>
+        </p:spPr>
+      </p:pic>
     </p:spTree>
   </p:cSld>
   <p:clrMapOvr>
@@ -14014,7 +14068,132 @@
   <p:timing>
     <p:tnLst>
       <p:par>
-        <p:cTn id="1" dur="indefinite" restart="never" nodeType="tmRoot"/>
+        <p:cTn id="1" dur="indefinite" restart="never" nodeType="tmRoot">
+          <p:childTnLst>
+            <p:seq concurrent="1" nextAc="seek">
+              <p:cTn id="2" dur="indefinite" nodeType="mainSeq">
+                <p:childTnLst>
+                  <p:par>
+                    <p:cTn id="3" fill="hold">
+                      <p:stCondLst>
+                        <p:cond delay="indefinite"/>
+                        <p:cond evt="onBegin" delay="0">
+                          <p:tn val="2"/>
+                        </p:cond>
+                      </p:stCondLst>
+                      <p:childTnLst>
+                        <p:par>
+                          <p:cTn id="4" fill="hold">
+                            <p:stCondLst>
+                              <p:cond delay="0"/>
+                            </p:stCondLst>
+                            <p:childTnLst>
+                              <p:par>
+                                <p:cTn id="5" presetID="53" presetClass="entr" presetSubtype="16" fill="hold" nodeType="withEffect">
+                                  <p:stCondLst>
+                                    <p:cond delay="0"/>
+                                  </p:stCondLst>
+                                  <p:childTnLst>
+                                    <p:set>
+                                      <p:cBhvr>
+                                        <p:cTn id="6" dur="1" fill="hold">
+                                          <p:stCondLst>
+                                            <p:cond delay="0"/>
+                                          </p:stCondLst>
+                                        </p:cTn>
+                                        <p:tgtEl>
+                                          <p:spTgt spid="2"/>
+                                        </p:tgtEl>
+                                        <p:attrNameLst>
+                                          <p:attrName>style.visibility</p:attrName>
+                                        </p:attrNameLst>
+                                      </p:cBhvr>
+                                      <p:to>
+                                        <p:strVal val="visible"/>
+                                      </p:to>
+                                    </p:set>
+                                    <p:anim calcmode="lin" valueType="num">
+                                      <p:cBhvr>
+                                        <p:cTn id="7" dur="3000" fill="hold"/>
+                                        <p:tgtEl>
+                                          <p:spTgt spid="2"/>
+                                        </p:tgtEl>
+                                        <p:attrNameLst>
+                                          <p:attrName>ppt_w</p:attrName>
+                                        </p:attrNameLst>
+                                      </p:cBhvr>
+                                      <p:tavLst>
+                                        <p:tav tm="0">
+                                          <p:val>
+                                            <p:fltVal val="0"/>
+                                          </p:val>
+                                        </p:tav>
+                                        <p:tav tm="100000">
+                                          <p:val>
+                                            <p:strVal val="#ppt_w"/>
+                                          </p:val>
+                                        </p:tav>
+                                      </p:tavLst>
+                                    </p:anim>
+                                    <p:anim calcmode="lin" valueType="num">
+                                      <p:cBhvr>
+                                        <p:cTn id="8" dur="3000" fill="hold"/>
+                                        <p:tgtEl>
+                                          <p:spTgt spid="2"/>
+                                        </p:tgtEl>
+                                        <p:attrNameLst>
+                                          <p:attrName>ppt_h</p:attrName>
+                                        </p:attrNameLst>
+                                      </p:cBhvr>
+                                      <p:tavLst>
+                                        <p:tav tm="0">
+                                          <p:val>
+                                            <p:fltVal val="0"/>
+                                          </p:val>
+                                        </p:tav>
+                                        <p:tav tm="100000">
+                                          <p:val>
+                                            <p:strVal val="#ppt_h"/>
+                                          </p:val>
+                                        </p:tav>
+                                      </p:tavLst>
+                                    </p:anim>
+                                    <p:animEffect transition="in" filter="fade">
+                                      <p:cBhvr>
+                                        <p:cTn id="9" dur="3000"/>
+                                        <p:tgtEl>
+                                          <p:spTgt spid="2"/>
+                                        </p:tgtEl>
+                                      </p:cBhvr>
+                                    </p:animEffect>
+                                  </p:childTnLst>
+                                </p:cTn>
+                              </p:par>
+                            </p:childTnLst>
+                          </p:cTn>
+                        </p:par>
+                      </p:childTnLst>
+                    </p:cTn>
+                  </p:par>
+                </p:childTnLst>
+              </p:cTn>
+              <p:prevCondLst>
+                <p:cond evt="onPrev" delay="0">
+                  <p:tgtEl>
+                    <p:sldTgt/>
+                  </p:tgtEl>
+                </p:cond>
+              </p:prevCondLst>
+              <p:nextCondLst>
+                <p:cond evt="onNext" delay="0">
+                  <p:tgtEl>
+                    <p:sldTgt/>
+                  </p:tgtEl>
+                </p:cond>
+              </p:nextCondLst>
+            </p:seq>
+          </p:childTnLst>
+        </p:cTn>
       </p:par>
     </p:tnLst>
   </p:timing>
@@ -14095,7 +14274,7 @@
         </p:blipFill>
         <p:spPr>
           <a:xfrm>
-            <a:off x="1009854" y="4547181"/>
+            <a:off x="999222" y="4346947"/>
             <a:ext cx="6344209" cy="4253920"/>
           </a:xfrm>
           <a:prstGeom prst="rect">
@@ -14224,6 +14403,10 @@
           </p:nvPr>
         </p:nvSpPr>
         <p:spPr>
+          <a:xfrm>
+            <a:off x="845313" y="3158862"/>
+            <a:ext cx="5561712" cy="5787136"/>
+          </a:xfrm>
           <a:prstGeom prst="rect">
             <a:avLst/>
           </a:prstGeom>
@@ -14252,25 +14435,29 @@
           </a:p>
         </p:txBody>
       </p:sp>
-      <p:sp>
-        <p:nvSpPr>
-          <p:cNvPr id="2" name="Content Placeholder 1"/>
-          <p:cNvSpPr>
-            <a:spLocks noGrp="1"/>
-          </p:cNvSpPr>
+      <p:pic>
+        <p:nvPicPr>
+          <p:cNvPr id="3" name="Content Placeholder 2"/>
+          <p:cNvPicPr>
+            <a:picLocks noGrp="1" noChangeAspect="1"/>
+          </p:cNvPicPr>
           <p:nvPr>
             <p:ph sz="half" idx="2"/>
           </p:nvPr>
-        </p:nvSpPr>
-        <p:spPr/>
-        <p:txBody>
-          <a:bodyPr/>
-          <a:lstStyle/>
-          <a:p>
-            <a:endParaRPr lang="en-US"/>
-          </a:p>
-        </p:txBody>
-      </p:sp>
+        </p:nvPicPr>
+        <p:blipFill>
+          <a:blip r:embed="rId2"/>
+          <a:stretch>
+            <a:fillRect/>
+          </a:stretch>
+        </p:blipFill>
+        <p:spPr>
+          <a:xfrm>
+            <a:off x="7723834" y="3879075"/>
+            <a:ext cx="3251200" cy="3251200"/>
+          </a:xfrm>
+        </p:spPr>
+      </p:pic>
     </p:spTree>
   </p:cSld>
   <p:clrMapOvr>

--- a/docs/Indra.pptx
+++ b/docs/Indra.pptx
@@ -9584,6 +9584,10 @@
           </p:nvPr>
         </p:nvSpPr>
         <p:spPr>
+          <a:xfrm>
+            <a:off x="1270000" y="3444948"/>
+            <a:ext cx="10464800" cy="1495351"/>
+          </a:xfrm>
           <a:prstGeom prst="rect">
             <a:avLst/>
           </a:prstGeom>
@@ -9664,16 +9668,56 @@
               </a:defRPr>
             </a:pPr>
             <a:r>
+              <a:rPr lang="en-US" sz="3800" dirty="0" smtClean="0">
+                <a:solidFill>
+                  <a:srgbClr val="FFFFFF"/>
+                </a:solidFill>
+              </a:rPr>
+              <a:t>Larg</a:t>
+            </a:r>
+            <a:r>
+              <a:rPr sz="3800" dirty="0" smtClean="0">
+                <a:solidFill>
+                  <a:srgbClr val="FFFFFF"/>
+                </a:solidFill>
+              </a:rPr>
+              <a:t>e </a:t>
+            </a:r>
+            <a:r>
               <a:rPr sz="3800" dirty="0">
                 <a:solidFill>
                   <a:srgbClr val="FFFFFF"/>
                 </a:solidFill>
               </a:rPr>
-              <a:t>Huge amount of library support for scientific computing</a:t>
+              <a:t>amount of library support for scientific computing</a:t>
             </a:r>
           </a:p>
         </p:txBody>
       </p:sp>
+      <p:pic>
+        <p:nvPicPr>
+          <p:cNvPr id="2" name="Picture 1"/>
+          <p:cNvPicPr>
+            <a:picLocks noChangeAspect="1"/>
+          </p:cNvPicPr>
+          <p:nvPr/>
+        </p:nvPicPr>
+        <p:blipFill>
+          <a:blip r:embed="rId2"/>
+          <a:stretch>
+            <a:fillRect/>
+          </a:stretch>
+        </p:blipFill>
+        <p:spPr>
+          <a:xfrm>
+            <a:off x="1512777" y="1987692"/>
+            <a:ext cx="3951250" cy="1170178"/>
+          </a:xfrm>
+          <a:prstGeom prst="rect">
+            <a:avLst/>
+          </a:prstGeom>
+        </p:spPr>
+      </p:pic>
     </p:spTree>
   </p:cSld>
   <p:clrMapOvr>

--- a/docs/Indra.pptx
+++ b/docs/Indra.pptx
@@ -5,7 +5,7 @@
     <p:sldMasterId id="2147483820" r:id="rId1"/>
   </p:sldMasterIdLst>
   <p:notesMasterIdLst>
-    <p:notesMasterId r:id="rId16"/>
+    <p:notesMasterId r:id="rId17"/>
   </p:notesMasterIdLst>
   <p:sldIdLst>
     <p:sldId id="256" r:id="rId2"/>
@@ -22,6 +22,7 @@
     <p:sldId id="266" r:id="rId13"/>
     <p:sldId id="267" r:id="rId14"/>
     <p:sldId id="268" r:id="rId15"/>
+    <p:sldId id="274" r:id="rId16"/>
   </p:sldIdLst>
   <p:sldSz cx="13004800" cy="9753600"/>
   <p:notesSz cx="6858000" cy="9144000"/>
@@ -12125,38 +12126,72 @@
             <p:ph idx="1"/>
           </p:nvPr>
         </p:nvSpPr>
-        <p:spPr/>
+        <p:spPr>
+          <a:xfrm>
+            <a:off x="845312" y="2926081"/>
+            <a:ext cx="11314176" cy="6101293"/>
+          </a:xfrm>
+        </p:spPr>
         <p:txBody>
-          <a:bodyPr/>
+          <a:bodyPr>
+            <a:normAutofit fontScale="62500" lnSpcReduction="20000"/>
+          </a:bodyPr>
           <a:lstStyle/>
           <a:p>
             <a:r>
+              <a:rPr lang="en-US" sz="3200" dirty="0"/>
+              <a:t>"Fractal Broccoli" by Jon Sullivan - http://</a:t>
+            </a:r>
+            <a:r>
+              <a:rPr lang="en-US" sz="3200" dirty="0" err="1"/>
+              <a:t>pdphoto.org</a:t>
+            </a:r>
+            <a:r>
+              <a:rPr lang="en-US" sz="3200" dirty="0"/>
+              <a:t>/</a:t>
+            </a:r>
+            <a:r>
+              <a:rPr lang="en-US" sz="3200" dirty="0" err="1"/>
+              <a:t>PictureDetail.php?mat</a:t>
+            </a:r>
+            <a:r>
+              <a:rPr lang="en-US" sz="3200" dirty="0"/>
+              <a:t>=</a:t>
+            </a:r>
+            <a:r>
+              <a:rPr lang="en-US" sz="3200" dirty="0" err="1"/>
+              <a:t>pdef&amp;pg</a:t>
+            </a:r>
+            <a:r>
+              <a:rPr lang="en-US" sz="3200" dirty="0"/>
+              <a:t>=8232. Licensed under Public Domain via Commons - </a:t>
+            </a:r>
+            <a:r>
+              <a:rPr lang="en-US" sz="3200" dirty="0">
+                <a:hlinkClick r:id="rId2"/>
+              </a:rPr>
+              <a:t>https://commons.wikimedia.org/wiki/File:Fractal_Broccoli.jpg#/</a:t>
+            </a:r>
+            <a:r>
+              <a:rPr lang="en-US" sz="3200" dirty="0" smtClean="0">
+                <a:hlinkClick r:id="rId2"/>
+              </a:rPr>
+              <a:t>media/File:Fractal_Broccoli.jpg</a:t>
+            </a:r>
+            <a:endParaRPr lang="en-US" sz="3200" dirty="0" smtClean="0"/>
+          </a:p>
+          <a:p>
+            <a:r>
               <a:rPr lang="en-US" dirty="0"/>
-              <a:t>"Fractal Broccoli" by Jon Sullivan - http://</a:t>
+              <a:t>"Oscillator" by </a:t>
             </a:r>
             <a:r>
               <a:rPr lang="en-US" dirty="0" err="1"/>
-              <a:t>pdphoto.org</a:t>
+              <a:t>Grontesca</a:t>
             </a:r>
             <a:r>
               <a:rPr lang="en-US" dirty="0"/>
-              <a:t>/</a:t>
-            </a:r>
-            <a:r>
-              <a:rPr lang="en-US" dirty="0" err="1"/>
-              <a:t>PictureDetail.php?mat</a:t>
-            </a:r>
-            <a:r>
-              <a:rPr lang="en-US" dirty="0"/>
-              <a:t>=</a:t>
-            </a:r>
-            <a:r>
-              <a:rPr lang="en-US" dirty="0" err="1"/>
-              <a:t>pdef&amp;pg</a:t>
-            </a:r>
-            <a:r>
-              <a:rPr lang="en-US" dirty="0"/>
-              <a:t>=8232. Licensed under Public Domain via Commons - https://</a:t>
+              <a:t> at the English language Wikipedia. Licensed under CC BY-SA 3.0 via Commons - https://</a:t>
             </a:r>
             <a:r>
               <a:rPr lang="en-US" dirty="0" err="1"/>
@@ -12168,7 +12203,7 @@
             </a:r>
             <a:r>
               <a:rPr lang="en-US" dirty="0" err="1"/>
-              <a:t>File:Fractal_Broccoli.jpg</a:t>
+              <a:t>File:Oscillator.gif</a:t>
             </a:r>
             <a:r>
               <a:rPr lang="en-US" dirty="0"/>
@@ -12176,7 +12211,116 @@
             </a:r>
             <a:r>
               <a:rPr lang="en-US" dirty="0" err="1"/>
-              <a:t>File:Fractal_Broccoli.jpg</a:t>
+              <a:t>File:Oscillator.gif</a:t>
+            </a:r>
+            <a:endParaRPr lang="en-US" dirty="0"/>
+          </a:p>
+          <a:p>
+            <a:pPr marL="0" indent="0">
+              <a:buNone/>
+            </a:pPr>
+            <a:endParaRPr lang="en-US" dirty="0"/>
+          </a:p>
+          <a:p>
+            <a:r>
+              <a:rPr lang="en-US" dirty="0"/>
+              <a:t>"Iridescent biofilm on a </a:t>
+            </a:r>
+            <a:r>
+              <a:rPr lang="en-US" dirty="0" err="1"/>
+              <a:t>fishtank</a:t>
+            </a:r>
+            <a:r>
+              <a:rPr lang="en-US" dirty="0"/>
+              <a:t>" by </a:t>
+            </a:r>
+            <a:r>
+              <a:rPr lang="en-US" dirty="0" err="1"/>
+              <a:t>Zaereth</a:t>
+            </a:r>
+            <a:r>
+              <a:rPr lang="en-US" dirty="0"/>
+              <a:t> - Own work. Licensed under CC0 via Commons - https://</a:t>
+            </a:r>
+            <a:r>
+              <a:rPr lang="en-US" dirty="0" err="1"/>
+              <a:t>commons.wikimedia.org</a:t>
+            </a:r>
+            <a:r>
+              <a:rPr lang="en-US" dirty="0"/>
+              <a:t>/wiki/</a:t>
+            </a:r>
+            <a:r>
+              <a:rPr lang="en-US" dirty="0" err="1"/>
+              <a:t>File:Iridescent_biofilm_on_a_fishtank.JPG</a:t>
+            </a:r>
+            <a:r>
+              <a:rPr lang="en-US" dirty="0"/>
+              <a:t>#/media/</a:t>
+            </a:r>
+            <a:r>
+              <a:rPr lang="en-US" dirty="0" err="1"/>
+              <a:t>File:Iridescent_biofilm_on_a_fishtank.JPG</a:t>
+            </a:r>
+            <a:endParaRPr lang="en-US" dirty="0"/>
+          </a:p>
+          <a:p>
+            <a:endParaRPr lang="en-US" dirty="0"/>
+          </a:p>
+          <a:p>
+            <a:r>
+              <a:rPr lang="en-US" dirty="0"/>
+              <a:t>"Gram Stain Anthrax". Licensed under Public Domain via Commons - https://</a:t>
+            </a:r>
+            <a:r>
+              <a:rPr lang="en-US" dirty="0" err="1"/>
+              <a:t>commons.wikimedia.org</a:t>
+            </a:r>
+            <a:r>
+              <a:rPr lang="en-US" dirty="0"/>
+              <a:t>/wiki/</a:t>
+            </a:r>
+            <a:r>
+              <a:rPr lang="en-US" dirty="0" err="1"/>
+              <a:t>File:Gram_Stain_Anthrax.jpg</a:t>
+            </a:r>
+            <a:r>
+              <a:rPr lang="en-US" dirty="0"/>
+              <a:t>#/media/</a:t>
+            </a:r>
+            <a:r>
+              <a:rPr lang="en-US" dirty="0" err="1"/>
+              <a:t>File:Gram_Stain_Anthrax.jpg</a:t>
+            </a:r>
+            <a:endParaRPr lang="en-US" dirty="0"/>
+          </a:p>
+          <a:p>
+            <a:endParaRPr lang="en-US" dirty="0"/>
+          </a:p>
+          <a:p>
+            <a:r>
+              <a:rPr lang="en-US" dirty="0"/>
+              <a:t>"Internet map 1024" by The </a:t>
+            </a:r>
+            <a:r>
+              <a:rPr lang="en-US" dirty="0" err="1"/>
+              <a:t>Opte</a:t>
+            </a:r>
+            <a:r>
+              <a:rPr lang="en-US" dirty="0"/>
+              <a:t> Project - Originally from the English Wikipedia; description page is/was here.. Licensed under CC BY 2.5 via Commons - https://</a:t>
+            </a:r>
+            <a:r>
+              <a:rPr lang="en-US" dirty="0" err="1"/>
+              <a:t>commons.wikimedia.org</a:t>
+            </a:r>
+            <a:r>
+              <a:rPr lang="en-US" dirty="0"/>
+              <a:t>/wiki/File:Internet_map_1024.jpg#/</a:t>
+            </a:r>
+            <a:r>
+              <a:rPr lang="en-US" dirty="0" smtClean="0"/>
+              <a:t>media/File:Internet_map_1024.jpg</a:t>
             </a:r>
             <a:endParaRPr lang="en-US" dirty="0"/>
           </a:p>
@@ -12186,6 +12330,348 @@
     <p:extLst>
       <p:ext uri="{BB962C8B-B14F-4D97-AF65-F5344CB8AC3E}">
         <p14:creationId xmlns:p14="http://schemas.microsoft.com/office/powerpoint/2010/main" val="1780920340"/>
+      </p:ext>
+    </p:extLst>
+  </p:cSld>
+  <p:clrMapOvr>
+    <a:masterClrMapping/>
+  </p:clrMapOvr>
+  <p:timing>
+    <p:tnLst>
+      <p:par>
+        <p:cTn id="1" dur="indefinite" restart="never" nodeType="tmRoot"/>
+      </p:par>
+    </p:tnLst>
+  </p:timing>
+</p:sld>
+</file>
+
+<file path=ppt/slides/slide15.xml><?xml version="1.0" encoding="utf-8"?>
+<p:sld xmlns:a="http://schemas.openxmlformats.org/drawingml/2006/main" xmlns:r="http://schemas.openxmlformats.org/officeDocument/2006/relationships" xmlns:p="http://schemas.openxmlformats.org/presentationml/2006/main">
+  <p:cSld>
+    <p:spTree>
+      <p:nvGrpSpPr>
+        <p:cNvPr id="1" name=""/>
+        <p:cNvGrpSpPr/>
+        <p:nvPr/>
+      </p:nvGrpSpPr>
+      <p:grpSpPr>
+        <a:xfrm>
+          <a:off x="0" y="0"/>
+          <a:ext cx="0" cy="0"/>
+          <a:chOff x="0" y="0"/>
+          <a:chExt cx="0" cy="0"/>
+        </a:xfrm>
+      </p:grpSpPr>
+      <p:sp>
+        <p:nvSpPr>
+          <p:cNvPr id="2" name="Title 1"/>
+          <p:cNvSpPr>
+            <a:spLocks noGrp="1"/>
+          </p:cNvSpPr>
+          <p:nvPr>
+            <p:ph type="title"/>
+          </p:nvPr>
+        </p:nvSpPr>
+        <p:spPr/>
+        <p:txBody>
+          <a:bodyPr/>
+          <a:lstStyle/>
+          <a:p>
+            <a:r>
+              <a:rPr lang="en-US" dirty="0" smtClean="0">
+                <a:solidFill>
+                  <a:schemeClr val="accent1"/>
+                </a:solidFill>
+              </a:rPr>
+              <a:t>CREDITS</a:t>
+            </a:r>
+            <a:endParaRPr lang="en-US" dirty="0">
+              <a:solidFill>
+                <a:schemeClr val="accent1"/>
+              </a:solidFill>
+            </a:endParaRPr>
+          </a:p>
+        </p:txBody>
+      </p:sp>
+      <p:sp>
+        <p:nvSpPr>
+          <p:cNvPr id="3" name="Vertical Text Placeholder 2"/>
+          <p:cNvSpPr>
+            <a:spLocks noGrp="1"/>
+          </p:cNvSpPr>
+          <p:nvPr>
+            <p:ph idx="1"/>
+          </p:nvPr>
+        </p:nvSpPr>
+        <p:spPr>
+          <a:xfrm>
+            <a:off x="845312" y="2796363"/>
+            <a:ext cx="11314176" cy="6111925"/>
+          </a:xfrm>
+        </p:spPr>
+        <p:txBody>
+          <a:bodyPr>
+            <a:normAutofit fontScale="55000" lnSpcReduction="20000"/>
+          </a:bodyPr>
+          <a:lstStyle/>
+          <a:p>
+            <a:r>
+              <a:rPr lang="en-US" dirty="0" smtClean="0"/>
+              <a:t>"</a:t>
+            </a:r>
+            <a:r>
+              <a:rPr lang="en-US" dirty="0"/>
+              <a:t>Farmer, Nicaragua" by Neil Palmer (CIAT) - http://</a:t>
+            </a:r>
+            <a:r>
+              <a:rPr lang="en-US" dirty="0" err="1"/>
+              <a:t>www.flickr.com</a:t>
+            </a:r>
+            <a:r>
+              <a:rPr lang="en-US" dirty="0"/>
+              <a:t>/photos/</a:t>
+            </a:r>
+            <a:r>
+              <a:rPr lang="en-US" dirty="0" err="1"/>
+              <a:t>ciat</a:t>
+            </a:r>
+            <a:r>
+              <a:rPr lang="en-US" dirty="0"/>
+              <a:t>/5471862690/. Licensed under CC BY-SA 2.0 via Commons - https://</a:t>
+            </a:r>
+            <a:r>
+              <a:rPr lang="en-US" dirty="0" err="1"/>
+              <a:t>commons.wikimedia.org</a:t>
+            </a:r>
+            <a:r>
+              <a:rPr lang="en-US" dirty="0"/>
+              <a:t>/wiki/</a:t>
+            </a:r>
+            <a:r>
+              <a:rPr lang="en-US" dirty="0" err="1"/>
+              <a:t>File:Farmer</a:t>
+            </a:r>
+            <a:r>
+              <a:rPr lang="en-US" dirty="0"/>
+              <a:t>,_</a:t>
+            </a:r>
+            <a:r>
+              <a:rPr lang="en-US" dirty="0" err="1"/>
+              <a:t>Nicaragua.jpg</a:t>
+            </a:r>
+            <a:r>
+              <a:rPr lang="en-US" dirty="0"/>
+              <a:t>#/media/</a:t>
+            </a:r>
+            <a:r>
+              <a:rPr lang="en-US" dirty="0" err="1"/>
+              <a:t>File:Farmer</a:t>
+            </a:r>
+            <a:r>
+              <a:rPr lang="en-US" dirty="0"/>
+              <a:t>,_</a:t>
+            </a:r>
+            <a:r>
+              <a:rPr lang="en-US" dirty="0" err="1"/>
+              <a:t>Nicaragua.jpg</a:t>
+            </a:r>
+            <a:endParaRPr lang="en-US" dirty="0"/>
+          </a:p>
+          <a:p>
+            <a:endParaRPr lang="en-US" dirty="0"/>
+          </a:p>
+          <a:p>
+            <a:r>
+              <a:rPr lang="en-US" dirty="0"/>
+              <a:t>"Laura Miller at ANL". Licensed under Public Domain via Commons - https://</a:t>
+            </a:r>
+            <a:r>
+              <a:rPr lang="en-US" dirty="0" err="1"/>
+              <a:t>commons.wikimedia.org</a:t>
+            </a:r>
+            <a:r>
+              <a:rPr lang="en-US" dirty="0"/>
+              <a:t>/wiki/</a:t>
+            </a:r>
+            <a:r>
+              <a:rPr lang="en-US" dirty="0" err="1"/>
+              <a:t>File:Laura_Miller_at_ANL.jpg</a:t>
+            </a:r>
+            <a:r>
+              <a:rPr lang="en-US" dirty="0"/>
+              <a:t>#/media/</a:t>
+            </a:r>
+            <a:r>
+              <a:rPr lang="en-US" dirty="0" err="1"/>
+              <a:t>File:Laura_Miller_at_ANL.jpg</a:t>
+            </a:r>
+            <a:endParaRPr lang="en-US" dirty="0"/>
+          </a:p>
+          <a:p>
+            <a:endParaRPr lang="en-US" dirty="0"/>
+          </a:p>
+          <a:p>
+            <a:r>
+              <a:rPr lang="en-US" dirty="0"/>
+              <a:t>"</a:t>
+            </a:r>
+            <a:r>
+              <a:rPr lang="en-US" dirty="0" err="1"/>
+              <a:t>Indiacarpenter</a:t>
+            </a:r>
+            <a:r>
+              <a:rPr lang="en-US" dirty="0"/>
+              <a:t>" by No machine-readable author provided. </a:t>
+            </a:r>
+            <a:r>
+              <a:rPr lang="en-US" dirty="0" err="1"/>
+              <a:t>Deeptrivia</a:t>
+            </a:r>
+            <a:r>
+              <a:rPr lang="en-US" dirty="0"/>
+              <a:t> assumed (based on copyright claims). - No machine-readable source provided. Own work assumed (based on copyright claims).. Licensed under CC BY-SA 3.0 via Commons - https://</a:t>
+            </a:r>
+            <a:r>
+              <a:rPr lang="en-US" dirty="0" err="1"/>
+              <a:t>commons.wikimedia.org</a:t>
+            </a:r>
+            <a:r>
+              <a:rPr lang="en-US" dirty="0"/>
+              <a:t>/wiki/</a:t>
+            </a:r>
+            <a:r>
+              <a:rPr lang="en-US" dirty="0" err="1"/>
+              <a:t>File:Indiacarpenter.jpg</a:t>
+            </a:r>
+            <a:r>
+              <a:rPr lang="en-US" dirty="0"/>
+              <a:t>#/media/</a:t>
+            </a:r>
+            <a:r>
+              <a:rPr lang="en-US" dirty="0" err="1"/>
+              <a:t>File:Indiacarpenter.jpg</a:t>
+            </a:r>
+            <a:endParaRPr lang="en-US" dirty="0"/>
+          </a:p>
+          <a:p>
+            <a:endParaRPr lang="en-US" dirty="0"/>
+          </a:p>
+          <a:p>
+            <a:r>
+              <a:rPr lang="en-US" dirty="0"/>
+              <a:t>"</a:t>
+            </a:r>
+            <a:r>
+              <a:rPr lang="en-US" dirty="0" err="1"/>
+              <a:t>TwoLorenzOrbits</a:t>
+            </a:r>
+            <a:r>
+              <a:rPr lang="en-US" dirty="0"/>
+              <a:t>". Licensed under CC BY 2.5 via Commons - https://</a:t>
+            </a:r>
+            <a:r>
+              <a:rPr lang="en-US" dirty="0" err="1"/>
+              <a:t>commons.wikimedia.org</a:t>
+            </a:r>
+            <a:r>
+              <a:rPr lang="en-US" dirty="0"/>
+              <a:t>/wiki/</a:t>
+            </a:r>
+            <a:r>
+              <a:rPr lang="en-US" dirty="0" err="1"/>
+              <a:t>File:TwoLorenzOrbits.jpg</a:t>
+            </a:r>
+            <a:r>
+              <a:rPr lang="en-US" dirty="0"/>
+              <a:t>#/media/</a:t>
+            </a:r>
+            <a:r>
+              <a:rPr lang="en-US" dirty="0" err="1"/>
+              <a:t>File:TwoLorenzOrbits.jpg</a:t>
+            </a:r>
+            <a:endParaRPr lang="en-US" dirty="0"/>
+          </a:p>
+          <a:p>
+            <a:endParaRPr lang="en-US" dirty="0"/>
+          </a:p>
+          <a:p>
+            <a:r>
+              <a:rPr lang="en-US" dirty="0"/>
+              <a:t>"Boxing Tournament in Aid of King George's Fund For Sailors at the Royal Naval Air Station, </a:t>
+            </a:r>
+            <a:r>
+              <a:rPr lang="en-US" dirty="0" err="1"/>
+              <a:t>Henstridge</a:t>
+            </a:r>
+            <a:r>
+              <a:rPr lang="en-US" dirty="0"/>
+              <a:t>, Somerset, July 1945 A29806" by Royal Navy official photographer - http://</a:t>
+            </a:r>
+            <a:r>
+              <a:rPr lang="en-US" dirty="0" err="1"/>
+              <a:t>media.iwm.org.uk</a:t>
+            </a:r>
+            <a:r>
+              <a:rPr lang="en-US" dirty="0"/>
+              <a:t>/</a:t>
+            </a:r>
+            <a:r>
+              <a:rPr lang="en-US" dirty="0" err="1"/>
+              <a:t>iwm</a:t>
+            </a:r>
+            <a:r>
+              <a:rPr lang="en-US" dirty="0"/>
+              <a:t>/</a:t>
+            </a:r>
+            <a:r>
+              <a:rPr lang="en-US" dirty="0" err="1"/>
+              <a:t>mediaLib</a:t>
+            </a:r>
+            <a:r>
+              <a:rPr lang="en-US" dirty="0"/>
+              <a:t>//31/media-31189/</a:t>
+            </a:r>
+            <a:r>
+              <a:rPr lang="en-US" dirty="0" err="1"/>
+              <a:t>large.jpgThis</a:t>
+            </a:r>
+            <a:r>
+              <a:rPr lang="en-US" dirty="0"/>
+              <a:t> is photograph A 29806 from the collections of the Imperial War Museums.. Licensed under Public Domain via Commons - </a:t>
+            </a:r>
+          </a:p>
+          <a:p>
+            <a:endParaRPr lang="en-US" dirty="0"/>
+          </a:p>
+          <a:p>
+            <a:r>
+              <a:rPr lang="en-US" dirty="0"/>
+              <a:t>"HAL9000" by </a:t>
+            </a:r>
+            <a:r>
+              <a:rPr lang="en-US" dirty="0" err="1"/>
+              <a:t>Cryteria</a:t>
+            </a:r>
+            <a:r>
+              <a:rPr lang="en-US" dirty="0"/>
+              <a:t> - Own work. Licensed under CC BY 3.0 via Commons - https://</a:t>
+            </a:r>
+            <a:r>
+              <a:rPr lang="en-US" dirty="0" err="1"/>
+              <a:t>commons.wikimedia.org</a:t>
+            </a:r>
+            <a:r>
+              <a:rPr lang="en-US" dirty="0"/>
+              <a:t>/wiki/File:HAL9000.svg#/media/File:HAL9000.svg</a:t>
+            </a:r>
+          </a:p>
+        </p:txBody>
+      </p:sp>
+    </p:spTree>
+    <p:extLst>
+      <p:ext uri="{BB962C8B-B14F-4D97-AF65-F5344CB8AC3E}">
+        <p14:creationId xmlns:p14="http://schemas.microsoft.com/office/powerpoint/2010/main" val="2124408807"/>
       </p:ext>
     </p:extLst>
   </p:cSld>
@@ -14518,7 +15004,86 @@
   <p:timing>
     <p:tnLst>
       <p:par>
-        <p:cTn id="1" dur="indefinite" restart="never" nodeType="tmRoot"/>
+        <p:cTn id="1" dur="indefinite" restart="never" nodeType="tmRoot">
+          <p:childTnLst>
+            <p:seq concurrent="1" nextAc="seek">
+              <p:cTn id="2" dur="indefinite" nodeType="mainSeq">
+                <p:childTnLst>
+                  <p:par>
+                    <p:cTn id="3" fill="hold">
+                      <p:stCondLst>
+                        <p:cond delay="indefinite"/>
+                        <p:cond evt="onBegin" delay="0">
+                          <p:tn val="2"/>
+                        </p:cond>
+                      </p:stCondLst>
+                      <p:childTnLst>
+                        <p:par>
+                          <p:cTn id="4" fill="hold">
+                            <p:stCondLst>
+                              <p:cond delay="0"/>
+                            </p:stCondLst>
+                            <p:childTnLst>
+                              <p:par>
+                                <p:cTn id="5" presetID="9" presetClass="entr" presetSubtype="0" fill="hold" nodeType="withEffect">
+                                  <p:stCondLst>
+                                    <p:cond delay="0"/>
+                                  </p:stCondLst>
+                                  <p:childTnLst>
+                                    <p:set>
+                                      <p:cBhvr>
+                                        <p:cTn id="6" dur="1" fill="hold">
+                                          <p:stCondLst>
+                                            <p:cond delay="0"/>
+                                          </p:stCondLst>
+                                        </p:cTn>
+                                        <p:tgtEl>
+                                          <p:spTgt spid="3"/>
+                                        </p:tgtEl>
+                                        <p:attrNameLst>
+                                          <p:attrName>style.visibility</p:attrName>
+                                        </p:attrNameLst>
+                                      </p:cBhvr>
+                                      <p:to>
+                                        <p:strVal val="visible"/>
+                                      </p:to>
+                                    </p:set>
+                                    <p:animEffect transition="in" filter="dissolve">
+                                      <p:cBhvr>
+                                        <p:cTn id="7" dur="6000"/>
+                                        <p:tgtEl>
+                                          <p:spTgt spid="3"/>
+                                        </p:tgtEl>
+                                      </p:cBhvr>
+                                    </p:animEffect>
+                                  </p:childTnLst>
+                                </p:cTn>
+                              </p:par>
+                            </p:childTnLst>
+                          </p:cTn>
+                        </p:par>
+                      </p:childTnLst>
+                    </p:cTn>
+                  </p:par>
+                </p:childTnLst>
+              </p:cTn>
+              <p:prevCondLst>
+                <p:cond evt="onPrev" delay="0">
+                  <p:tgtEl>
+                    <p:sldTgt/>
+                  </p:tgtEl>
+                </p:cond>
+              </p:prevCondLst>
+              <p:nextCondLst>
+                <p:cond evt="onNext" delay="0">
+                  <p:tgtEl>
+                    <p:sldTgt/>
+                  </p:tgtEl>
+                </p:cond>
+              </p:nextCondLst>
+            </p:seq>
+          </p:childTnLst>
+        </p:cTn>
       </p:par>
     </p:tnLst>
   </p:timing>

--- a/docs/Indra.pptx
+++ b/docs/Indra.pptx
@@ -9916,6 +9916,36 @@
           </a:p>
         </p:txBody>
       </p:sp>
+      <p:pic>
+        <p:nvPicPr>
+          <p:cNvPr id="2" name="Picture 1"/>
+          <p:cNvPicPr>
+            <a:picLocks noChangeAspect="1"/>
+          </p:cNvPicPr>
+          <p:nvPr/>
+        </p:nvPicPr>
+        <p:blipFill>
+          <a:blip r:embed="rId2">
+            <a:extLst>
+              <a:ext uri="{28A0092B-C50C-407E-A947-70E740481C1C}">
+                <a14:useLocalDpi xmlns:a14="http://schemas.microsoft.com/office/drawing/2010/main" val="0"/>
+              </a:ext>
+            </a:extLst>
+          </a:blip>
+          <a:stretch>
+            <a:fillRect/>
+          </a:stretch>
+        </p:blipFill>
+        <p:spPr>
+          <a:xfrm>
+            <a:off x="1806353" y="2077679"/>
+            <a:ext cx="3034344" cy="2275758"/>
+          </a:xfrm>
+          <a:prstGeom prst="rect">
+            <a:avLst/>
+          </a:prstGeom>
+        </p:spPr>
+      </p:pic>
     </p:spTree>
   </p:cSld>
   <p:clrMapOvr>

--- a/docs/Indra.pptx
+++ b/docs/Indra.pptx
@@ -5,7 +5,7 @@
     <p:sldMasterId id="2147483820" r:id="rId1"/>
   </p:sldMasterIdLst>
   <p:notesMasterIdLst>
-    <p:notesMasterId r:id="rId17"/>
+    <p:notesMasterId r:id="rId18"/>
   </p:notesMasterIdLst>
   <p:sldIdLst>
     <p:sldId id="256" r:id="rId2"/>
@@ -21,8 +21,9 @@
     <p:sldId id="265" r:id="rId12"/>
     <p:sldId id="266" r:id="rId13"/>
     <p:sldId id="267" r:id="rId14"/>
-    <p:sldId id="268" r:id="rId15"/>
-    <p:sldId id="274" r:id="rId16"/>
+    <p:sldId id="275" r:id="rId15"/>
+    <p:sldId id="268" r:id="rId16"/>
+    <p:sldId id="274" r:id="rId17"/>
   </p:sldIdLst>
   <p:sldSz cx="13004800" cy="9753600"/>
   <p:notesSz cx="6858000" cy="9144000"/>
@@ -12136,6 +12137,145 @@
                   <a:schemeClr val="accent1"/>
                 </a:solidFill>
               </a:rPr>
+              <a:t>Demos</a:t>
+            </a:r>
+            <a:endParaRPr lang="en-US" dirty="0">
+              <a:solidFill>
+                <a:schemeClr val="accent1"/>
+              </a:solidFill>
+            </a:endParaRPr>
+          </a:p>
+        </p:txBody>
+      </p:sp>
+      <p:sp>
+        <p:nvSpPr>
+          <p:cNvPr id="3" name="Content Placeholder 2"/>
+          <p:cNvSpPr>
+            <a:spLocks noGrp="1"/>
+          </p:cNvSpPr>
+          <p:nvPr>
+            <p:ph sz="half" idx="1"/>
+          </p:nvPr>
+        </p:nvSpPr>
+        <p:spPr>
+          <a:xfrm>
+            <a:off x="988827" y="3902148"/>
+            <a:ext cx="5418197" cy="3285461"/>
+          </a:xfrm>
+        </p:spPr>
+        <p:txBody>
+          <a:bodyPr>
+            <a:normAutofit/>
+          </a:bodyPr>
+          <a:lstStyle/>
+          <a:p>
+            <a:r>
+              <a:rPr lang="en-US" sz="3600" dirty="0" smtClean="0"/>
+              <a:t>Forest fire</a:t>
+            </a:r>
+          </a:p>
+          <a:p>
+            <a:r>
+              <a:rPr lang="en-US" sz="3600" dirty="0" smtClean="0"/>
+              <a:t>Neighborhood segregation</a:t>
+            </a:r>
+          </a:p>
+          <a:p>
+            <a:r>
+              <a:rPr lang="en-US" sz="3600" dirty="0" smtClean="0"/>
+              <a:t>Adam Smith’s fashion model</a:t>
+            </a:r>
+            <a:endParaRPr lang="en-US" sz="3600" dirty="0"/>
+          </a:p>
+        </p:txBody>
+      </p:sp>
+      <p:pic>
+        <p:nvPicPr>
+          <p:cNvPr id="5" name="Content Placeholder 4"/>
+          <p:cNvPicPr>
+            <a:picLocks noGrp="1" noChangeAspect="1"/>
+          </p:cNvPicPr>
+          <p:nvPr>
+            <p:ph sz="half" idx="2"/>
+          </p:nvPr>
+        </p:nvPicPr>
+        <p:blipFill>
+          <a:blip r:embed="rId2">
+            <a:extLst>
+              <a:ext uri="{28A0092B-C50C-407E-A947-70E740481C1C}">
+                <a14:useLocalDpi xmlns:a14="http://schemas.microsoft.com/office/drawing/2010/main" val="0"/>
+              </a:ext>
+            </a:extLst>
+          </a:blip>
+          <a:stretch>
+            <a:fillRect/>
+          </a:stretch>
+        </p:blipFill>
+        <p:spPr>
+          <a:xfrm>
+            <a:off x="6761139" y="3579974"/>
+            <a:ext cx="5557837" cy="4168377"/>
+          </a:xfrm>
+        </p:spPr>
+      </p:pic>
+    </p:spTree>
+    <p:extLst>
+      <p:ext uri="{BB962C8B-B14F-4D97-AF65-F5344CB8AC3E}">
+        <p14:creationId xmlns:p14="http://schemas.microsoft.com/office/powerpoint/2010/main" val="1924956060"/>
+      </p:ext>
+    </p:extLst>
+  </p:cSld>
+  <p:clrMapOvr>
+    <a:masterClrMapping/>
+  </p:clrMapOvr>
+  <p:timing>
+    <p:tnLst>
+      <p:par>
+        <p:cTn id="1" dur="indefinite" restart="never" nodeType="tmRoot"/>
+      </p:par>
+    </p:tnLst>
+  </p:timing>
+</p:sld>
+</file>
+
+<file path=ppt/slides/slide15.xml><?xml version="1.0" encoding="utf-8"?>
+<p:sld xmlns:a="http://schemas.openxmlformats.org/drawingml/2006/main" xmlns:r="http://schemas.openxmlformats.org/officeDocument/2006/relationships" xmlns:p="http://schemas.openxmlformats.org/presentationml/2006/main">
+  <p:cSld>
+    <p:spTree>
+      <p:nvGrpSpPr>
+        <p:cNvPr id="1" name=""/>
+        <p:cNvGrpSpPr/>
+        <p:nvPr/>
+      </p:nvGrpSpPr>
+      <p:grpSpPr>
+        <a:xfrm>
+          <a:off x="0" y="0"/>
+          <a:ext cx="0" cy="0"/>
+          <a:chOff x="0" y="0"/>
+          <a:chExt cx="0" cy="0"/>
+        </a:xfrm>
+      </p:grpSpPr>
+      <p:sp>
+        <p:nvSpPr>
+          <p:cNvPr id="2" name="Title 1"/>
+          <p:cNvSpPr>
+            <a:spLocks noGrp="1"/>
+          </p:cNvSpPr>
+          <p:nvPr>
+            <p:ph type="title"/>
+          </p:nvPr>
+        </p:nvSpPr>
+        <p:spPr/>
+        <p:txBody>
+          <a:bodyPr/>
+          <a:lstStyle/>
+          <a:p>
+            <a:r>
+              <a:rPr lang="en-US" dirty="0" smtClean="0">
+                <a:solidFill>
+                  <a:schemeClr val="accent1"/>
+                </a:solidFill>
+              </a:rPr>
               <a:t>CREDITS</a:t>
             </a:r>
             <a:endParaRPr lang="en-US" dirty="0">
@@ -12376,7 +12516,7 @@
 </p:sld>
 </file>
 
-<file path=ppt/slides/slide15.xml><?xml version="1.0" encoding="utf-8"?>
+<file path=ppt/slides/slide16.xml><?xml version="1.0" encoding="utf-8"?>
 <p:sld xmlns:a="http://schemas.openxmlformats.org/drawingml/2006/main" xmlns:r="http://schemas.openxmlformats.org/officeDocument/2006/relationships" xmlns:p="http://schemas.openxmlformats.org/presentationml/2006/main">
   <p:cSld>
     <p:spTree>

--- a/docs/Indra.pptx
+++ b/docs/Indra.pptx
@@ -5,7 +5,7 @@
     <p:sldMasterId id="2147483820" r:id="rId1"/>
   </p:sldMasterIdLst>
   <p:notesMasterIdLst>
-    <p:notesMasterId r:id="rId18"/>
+    <p:notesMasterId r:id="rId19"/>
   </p:notesMasterIdLst>
   <p:sldIdLst>
     <p:sldId id="256" r:id="rId2"/>
@@ -13,17 +13,18 @@
     <p:sldId id="269" r:id="rId4"/>
     <p:sldId id="270" r:id="rId5"/>
     <p:sldId id="271" r:id="rId6"/>
-    <p:sldId id="258" r:id="rId7"/>
-    <p:sldId id="259" r:id="rId8"/>
-    <p:sldId id="260" r:id="rId9"/>
-    <p:sldId id="262" r:id="rId10"/>
-    <p:sldId id="263" r:id="rId11"/>
-    <p:sldId id="265" r:id="rId12"/>
-    <p:sldId id="266" r:id="rId13"/>
-    <p:sldId id="267" r:id="rId14"/>
-    <p:sldId id="275" r:id="rId15"/>
-    <p:sldId id="268" r:id="rId16"/>
-    <p:sldId id="274" r:id="rId17"/>
+    <p:sldId id="276" r:id="rId7"/>
+    <p:sldId id="258" r:id="rId8"/>
+    <p:sldId id="259" r:id="rId9"/>
+    <p:sldId id="260" r:id="rId10"/>
+    <p:sldId id="262" r:id="rId11"/>
+    <p:sldId id="263" r:id="rId12"/>
+    <p:sldId id="265" r:id="rId13"/>
+    <p:sldId id="266" r:id="rId14"/>
+    <p:sldId id="267" r:id="rId15"/>
+    <p:sldId id="275" r:id="rId16"/>
+    <p:sldId id="268" r:id="rId17"/>
+    <p:sldId id="274" r:id="rId18"/>
   </p:sldIdLst>
   <p:sldSz cx="13004800" cy="9753600"/>
   <p:notesSz cx="6858000" cy="9144000"/>
@@ -3709,7 +3710,7 @@
           <a:p>
             <a:fld id="{4AAD347D-5ACD-4C99-B74B-A9C85AD731AF}" type="datetimeFigureOut">
               <a:rPr lang="en-US" smtClean="0"/>
-              <a:t>10/28/15</a:t>
+              <a:t>10/29/15</a:t>
             </a:fld>
             <a:endParaRPr lang="en-US" dirty="0"/>
           </a:p>
@@ -3988,7 +3989,7 @@
           <a:p>
             <a:fld id="{4AAD347D-5ACD-4C99-B74B-A9C85AD731AF}" type="datetimeFigureOut">
               <a:rPr lang="en-US" smtClean="0"/>
-              <a:t>10/28/15</a:t>
+              <a:t>10/29/15</a:t>
             </a:fld>
             <a:endParaRPr lang="en-US" dirty="0"/>
           </a:p>
@@ -4219,7 +4220,7 @@
           <a:p>
             <a:fld id="{4AAD347D-5ACD-4C99-B74B-A9C85AD731AF}" type="datetimeFigureOut">
               <a:rPr lang="en-US" smtClean="0"/>
-              <a:t>10/28/15</a:t>
+              <a:t>10/29/15</a:t>
             </a:fld>
             <a:endParaRPr lang="en-US" dirty="0"/>
           </a:p>
@@ -4529,7 +4530,7 @@
           <a:p>
             <a:fld id="{4AAD347D-5ACD-4C99-B74B-A9C85AD731AF}" type="datetimeFigureOut">
               <a:rPr lang="en-US" smtClean="0"/>
-              <a:t>10/28/15</a:t>
+              <a:t>10/29/15</a:t>
             </a:fld>
             <a:endParaRPr lang="en-US" dirty="0"/>
           </a:p>
@@ -5002,7 +5003,7 @@
           <a:p>
             <a:fld id="{4AAD347D-5ACD-4C99-B74B-A9C85AD731AF}" type="datetimeFigureOut">
               <a:rPr lang="en-US" smtClean="0"/>
-              <a:t>10/28/15</a:t>
+              <a:t>10/29/15</a:t>
             </a:fld>
             <a:endParaRPr lang="en-US" dirty="0"/>
           </a:p>
@@ -5549,7 +5550,7 @@
           <a:p>
             <a:fld id="{4AAD347D-5ACD-4C99-B74B-A9C85AD731AF}" type="datetimeFigureOut">
               <a:rPr lang="en-US" smtClean="0"/>
-              <a:t>10/28/15</a:t>
+              <a:t>10/29/15</a:t>
             </a:fld>
             <a:endParaRPr lang="en-US" dirty="0"/>
           </a:p>
@@ -6323,7 +6324,7 @@
           <a:p>
             <a:fld id="{4AAD347D-5ACD-4C99-B74B-A9C85AD731AF}" type="datetimeFigureOut">
               <a:rPr lang="en-US" smtClean="0"/>
-              <a:t>10/28/15</a:t>
+              <a:t>10/29/15</a:t>
             </a:fld>
             <a:endParaRPr lang="en-US" dirty="0"/>
           </a:p>
@@ -6498,7 +6499,7 @@
           <a:p>
             <a:fld id="{4509A250-FF31-4206-8172-F9D3106AACB1}" type="datetimeFigureOut">
               <a:rPr lang="en-US" smtClean="0"/>
-              <a:t>10/28/15</a:t>
+              <a:t>10/29/15</a:t>
             </a:fld>
             <a:endParaRPr lang="en-US" dirty="0"/>
           </a:p>
@@ -6721,7 +6722,7 @@
           <a:p>
             <a:fld id="{4509A250-FF31-4206-8172-F9D3106AACB1}" type="datetimeFigureOut">
               <a:rPr lang="en-US" smtClean="0"/>
-              <a:t>10/28/15</a:t>
+              <a:t>10/29/15</a:t>
             </a:fld>
             <a:endParaRPr lang="en-US" dirty="0"/>
           </a:p>
@@ -7128,7 +7129,7 @@
           <a:p>
             <a:fld id="{4509A250-FF31-4206-8172-F9D3106AACB1}" type="datetimeFigureOut">
               <a:rPr lang="en-US" smtClean="0"/>
-              <a:t>10/28/15</a:t>
+              <a:t>10/29/15</a:t>
             </a:fld>
             <a:endParaRPr lang="en-US" dirty="0"/>
           </a:p>
@@ -7417,7 +7418,7 @@
           <a:p>
             <a:fld id="{9796027F-7875-4030-9381-8BD8C4F21935}" type="datetimeFigureOut">
               <a:rPr lang="en-US" smtClean="0"/>
-              <a:t>10/28/15</a:t>
+              <a:t>10/29/15</a:t>
             </a:fld>
             <a:endParaRPr lang="en-US" dirty="0"/>
           </a:p>
@@ -7664,7 +7665,7 @@
           <a:p>
             <a:fld id="{9796027F-7875-4030-9381-8BD8C4F21935}" type="datetimeFigureOut">
               <a:rPr lang="en-US" smtClean="0"/>
-              <a:t>10/28/15</a:t>
+              <a:t>10/29/15</a:t>
             </a:fld>
             <a:endParaRPr lang="en-US" dirty="0"/>
           </a:p>
@@ -8050,7 +8051,7 @@
           <a:p>
             <a:fld id="{9796027F-7875-4030-9381-8BD8C4F21935}" type="datetimeFigureOut">
               <a:rPr lang="en-US" smtClean="0"/>
-              <a:t>10/28/15</a:t>
+              <a:t>10/29/15</a:t>
             </a:fld>
             <a:endParaRPr lang="en-US" dirty="0"/>
           </a:p>
@@ -8168,7 +8169,7 @@
           <a:p>
             <a:fld id="{4509A250-FF31-4206-8172-F9D3106AACB1}" type="datetimeFigureOut">
               <a:rPr lang="en-US" smtClean="0"/>
-              <a:t>10/28/15</a:t>
+              <a:t>10/29/15</a:t>
             </a:fld>
             <a:endParaRPr lang="en-US" dirty="0"/>
           </a:p>
@@ -8263,7 +8264,7 @@
           <a:p>
             <a:fld id="{4509A250-FF31-4206-8172-F9D3106AACB1}" type="datetimeFigureOut">
               <a:rPr lang="en-US" smtClean="0"/>
-              <a:t>10/28/15</a:t>
+              <a:t>10/29/15</a:t>
             </a:fld>
             <a:endParaRPr lang="en-US" dirty="0"/>
           </a:p>
@@ -8517,7 +8518,7 @@
           <a:p>
             <a:fld id="{4509A250-FF31-4206-8172-F9D3106AACB1}" type="datetimeFigureOut">
               <a:rPr lang="en-US" smtClean="0"/>
-              <a:t>10/28/15</a:t>
+              <a:t>10/29/15</a:t>
             </a:fld>
             <a:endParaRPr lang="en-US" dirty="0"/>
           </a:p>
@@ -8779,7 +8780,7 @@
           <a:p>
             <a:fld id="{4509A250-FF31-4206-8172-F9D3106AACB1}" type="datetimeFigureOut">
               <a:rPr lang="en-US" smtClean="0"/>
-              <a:t>10/28/15</a:t>
+              <a:t>10/29/15</a:t>
             </a:fld>
             <a:endParaRPr lang="en-US" dirty="0"/>
           </a:p>
@@ -9022,7 +9023,7 @@
           <a:p>
             <a:fld id="{4AAD347D-5ACD-4C99-B74B-A9C85AD731AF}" type="datetimeFigureOut">
               <a:rPr lang="en-US" smtClean="0"/>
-              <a:t>10/28/15</a:t>
+              <a:t>10/29/15</a:t>
             </a:fld>
             <a:endParaRPr lang="en-US" dirty="0"/>
           </a:p>
@@ -9577,6 +9578,259 @@
       </p:grpSpPr>
       <p:sp>
         <p:nvSpPr>
+          <p:cNvPr id="51" name="Shape 51"/>
+          <p:cNvSpPr>
+            <a:spLocks noGrp="1"/>
+          </p:cNvSpPr>
+          <p:nvPr>
+            <p:ph type="title"/>
+          </p:nvPr>
+        </p:nvSpPr>
+        <p:spPr>
+          <a:xfrm>
+            <a:off x="3088638" y="585663"/>
+            <a:ext cx="9070848" cy="1838973"/>
+          </a:xfrm>
+          <a:prstGeom prst="rect">
+            <a:avLst/>
+          </a:prstGeom>
+        </p:spPr>
+        <p:txBody>
+          <a:bodyPr>
+            <a:normAutofit fontScale="90000"/>
+          </a:bodyPr>
+          <a:lstStyle>
+            <a:lvl1pPr defTabSz="484886">
+              <a:defRPr sz="6640"/>
+            </a:lvl1pPr>
+          </a:lstStyle>
+          <a:p>
+            <a:pPr lvl="0">
+              <a:defRPr sz="1800">
+                <a:solidFill>
+                  <a:srgbClr val="000000"/>
+                </a:solidFill>
+              </a:defRPr>
+            </a:pPr>
+            <a:r>
+              <a:rPr sz="6640" dirty="0">
+                <a:solidFill>
+                  <a:schemeClr val="accent1"/>
+                </a:solidFill>
+              </a:rPr>
+              <a:t>Solution: Agent-Based </a:t>
+            </a:r>
+            <a:r>
+              <a:rPr lang="en-US" sz="6640" dirty="0" smtClean="0">
+                <a:solidFill>
+                  <a:schemeClr val="accent1"/>
+                </a:solidFill>
+              </a:rPr>
+              <a:t>Modeli</a:t>
+            </a:r>
+            <a:r>
+              <a:rPr sz="6640" dirty="0" smtClean="0">
+                <a:solidFill>
+                  <a:schemeClr val="accent1"/>
+                </a:solidFill>
+              </a:rPr>
+              <a:t>ng</a:t>
+            </a:r>
+            <a:endParaRPr sz="6640" dirty="0">
+              <a:solidFill>
+                <a:schemeClr val="accent1"/>
+              </a:solidFill>
+            </a:endParaRPr>
+          </a:p>
+        </p:txBody>
+      </p:sp>
+      <p:sp>
+        <p:nvSpPr>
+          <p:cNvPr id="52" name="Shape 52"/>
+          <p:cNvSpPr>
+            <a:spLocks noGrp="1"/>
+          </p:cNvSpPr>
+          <p:nvPr>
+            <p:ph sz="half" idx="1"/>
+          </p:nvPr>
+        </p:nvSpPr>
+        <p:spPr>
+          <a:xfrm>
+            <a:off x="845313" y="3349256"/>
+            <a:ext cx="5561712" cy="5596742"/>
+          </a:xfrm>
+          <a:prstGeom prst="rect">
+            <a:avLst/>
+          </a:prstGeom>
+        </p:spPr>
+        <p:txBody>
+          <a:bodyPr>
+            <a:normAutofit/>
+          </a:bodyPr>
+          <a:lstStyle/>
+          <a:p>
+            <a:pPr lvl="0">
+              <a:defRPr sz="1800">
+                <a:solidFill>
+                  <a:srgbClr val="000000"/>
+                </a:solidFill>
+              </a:defRPr>
+            </a:pPr>
+            <a:r>
+              <a:rPr sz="3800" dirty="0">
+                <a:solidFill>
+                  <a:srgbClr val="FFFFFF"/>
+                </a:solidFill>
+              </a:rPr>
+              <a:t>Let us create “autonomous” software agents, give them semi-realistic behavior, divide them in two distinct populations, and see if we get the cycles that interest us.</a:t>
+            </a:r>
+          </a:p>
+        </p:txBody>
+      </p:sp>
+      <p:pic>
+        <p:nvPicPr>
+          <p:cNvPr id="3" name="Content Placeholder 2"/>
+          <p:cNvPicPr>
+            <a:picLocks noGrp="1" noChangeAspect="1"/>
+          </p:cNvPicPr>
+          <p:nvPr>
+            <p:ph sz="half" idx="2"/>
+          </p:nvPr>
+        </p:nvPicPr>
+        <p:blipFill>
+          <a:blip r:embed="rId2"/>
+          <a:stretch>
+            <a:fillRect/>
+          </a:stretch>
+        </p:blipFill>
+        <p:spPr>
+          <a:xfrm>
+            <a:off x="8000281" y="3996033"/>
+            <a:ext cx="3251200" cy="3251200"/>
+          </a:xfrm>
+        </p:spPr>
+      </p:pic>
+    </p:spTree>
+  </p:cSld>
+  <p:clrMapOvr>
+    <a:masterClrMapping/>
+  </p:clrMapOvr>
+  <mc:AlternateContent xmlns:mc="http://schemas.openxmlformats.org/markup-compatibility/2006" xmlns:p14="http://schemas.microsoft.com/office/powerpoint/2010/main">
+    <mc:Choice Requires="p14">
+      <p:transition spd="slow" p14:dur="2000"/>
+    </mc:Choice>
+    <mc:Fallback xmlns="">
+      <p:transition spd="slow"/>
+    </mc:Fallback>
+  </mc:AlternateContent>
+  <p:timing>
+    <p:tnLst>
+      <p:par>
+        <p:cTn id="1" dur="indefinite" restart="never" nodeType="tmRoot">
+          <p:childTnLst>
+            <p:seq concurrent="1" nextAc="seek">
+              <p:cTn id="2" dur="indefinite" nodeType="mainSeq">
+                <p:childTnLst>
+                  <p:par>
+                    <p:cTn id="3" fill="hold">
+                      <p:stCondLst>
+                        <p:cond delay="indefinite"/>
+                        <p:cond evt="onBegin" delay="0">
+                          <p:tn val="2"/>
+                        </p:cond>
+                      </p:stCondLst>
+                      <p:childTnLst>
+                        <p:par>
+                          <p:cTn id="4" fill="hold">
+                            <p:stCondLst>
+                              <p:cond delay="0"/>
+                            </p:stCondLst>
+                            <p:childTnLst>
+                              <p:par>
+                                <p:cTn id="5" presetID="9" presetClass="entr" presetSubtype="0" fill="hold" nodeType="withEffect">
+                                  <p:stCondLst>
+                                    <p:cond delay="0"/>
+                                  </p:stCondLst>
+                                  <p:childTnLst>
+                                    <p:set>
+                                      <p:cBhvr>
+                                        <p:cTn id="6" dur="1" fill="hold">
+                                          <p:stCondLst>
+                                            <p:cond delay="0"/>
+                                          </p:stCondLst>
+                                        </p:cTn>
+                                        <p:tgtEl>
+                                          <p:spTgt spid="3"/>
+                                        </p:tgtEl>
+                                        <p:attrNameLst>
+                                          <p:attrName>style.visibility</p:attrName>
+                                        </p:attrNameLst>
+                                      </p:cBhvr>
+                                      <p:to>
+                                        <p:strVal val="visible"/>
+                                      </p:to>
+                                    </p:set>
+                                    <p:animEffect transition="in" filter="dissolve">
+                                      <p:cBhvr>
+                                        <p:cTn id="7" dur="6000"/>
+                                        <p:tgtEl>
+                                          <p:spTgt spid="3"/>
+                                        </p:tgtEl>
+                                      </p:cBhvr>
+                                    </p:animEffect>
+                                  </p:childTnLst>
+                                </p:cTn>
+                              </p:par>
+                            </p:childTnLst>
+                          </p:cTn>
+                        </p:par>
+                      </p:childTnLst>
+                    </p:cTn>
+                  </p:par>
+                </p:childTnLst>
+              </p:cTn>
+              <p:prevCondLst>
+                <p:cond evt="onPrev" delay="0">
+                  <p:tgtEl>
+                    <p:sldTgt/>
+                  </p:tgtEl>
+                </p:cond>
+              </p:prevCondLst>
+              <p:nextCondLst>
+                <p:cond evt="onNext" delay="0">
+                  <p:tgtEl>
+                    <p:sldTgt/>
+                  </p:tgtEl>
+                </p:cond>
+              </p:nextCondLst>
+            </p:seq>
+          </p:childTnLst>
+        </p:cTn>
+      </p:par>
+    </p:tnLst>
+  </p:timing>
+</p:sld>
+</file>
+
+<file path=ppt/slides/slide11.xml><?xml version="1.0" encoding="utf-8"?>
+<p:sld xmlns:a="http://schemas.openxmlformats.org/drawingml/2006/main" xmlns:r="http://schemas.openxmlformats.org/officeDocument/2006/relationships" xmlns:p="http://schemas.openxmlformats.org/presentationml/2006/main">
+  <p:cSld>
+    <p:spTree>
+      <p:nvGrpSpPr>
+        <p:cNvPr id="1" name=""/>
+        <p:cNvGrpSpPr/>
+        <p:nvPr/>
+      </p:nvGrpSpPr>
+      <p:grpSpPr>
+        <a:xfrm>
+          <a:off x="0" y="0"/>
+          <a:ext cx="0" cy="0"/>
+          <a:chOff x="0" y="0"/>
+          <a:chExt cx="0" cy="0"/>
+        </a:xfrm>
+      </p:grpSpPr>
+      <p:sp>
+        <p:nvSpPr>
           <p:cNvPr id="54" name="Shape 54"/>
           <p:cNvSpPr>
             <a:spLocks noGrp="1"/>
@@ -9736,7 +9990,7 @@
 </p:sld>
 </file>
 
-<file path=ppt/slides/slide11.xml><?xml version="1.0" encoding="utf-8"?>
+<file path=ppt/slides/slide12.xml><?xml version="1.0" encoding="utf-8"?>
 <p:sld xmlns:a="http://schemas.openxmlformats.org/drawingml/2006/main" xmlns:r="http://schemas.openxmlformats.org/officeDocument/2006/relationships" xmlns:p="http://schemas.openxmlformats.org/presentationml/2006/main">
   <p:cSld>
     <p:spTree>
@@ -9963,7 +10217,7 @@
 </p:sld>
 </file>
 
-<file path=ppt/slides/slide12.xml><?xml version="1.0" encoding="utf-8"?>
+<file path=ppt/slides/slide13.xml><?xml version="1.0" encoding="utf-8"?>
 <p:sld xmlns:a="http://schemas.openxmlformats.org/drawingml/2006/main" xmlns:r="http://schemas.openxmlformats.org/officeDocument/2006/relationships" xmlns:p="http://schemas.openxmlformats.org/presentationml/2006/main">
   <p:cSld>
     <p:spTree>
@@ -10595,7 +10849,7 @@
 </p:sld>
 </file>
 
-<file path=ppt/slides/slide13.xml><?xml version="1.0" encoding="utf-8"?>
+<file path=ppt/slides/slide14.xml><?xml version="1.0" encoding="utf-8"?>
 <p:sld xmlns:a="http://schemas.openxmlformats.org/drawingml/2006/main" xmlns:r="http://schemas.openxmlformats.org/officeDocument/2006/relationships" xmlns:p="http://schemas.openxmlformats.org/presentationml/2006/main">
   <p:cSld>
     <p:spTree>
@@ -12099,7 +12353,7 @@
 </p:sld>
 </file>
 
-<file path=ppt/slides/slide14.xml><?xml version="1.0" encoding="utf-8"?>
+<file path=ppt/slides/slide15.xml><?xml version="1.0" encoding="utf-8"?>
 <p:sld xmlns:a="http://schemas.openxmlformats.org/drawingml/2006/main" xmlns:r="http://schemas.openxmlformats.org/officeDocument/2006/relationships" xmlns:p="http://schemas.openxmlformats.org/presentationml/2006/main">
   <p:cSld>
     <p:spTree>
@@ -12238,7 +12492,7 @@
 </p:sld>
 </file>
 
-<file path=ppt/slides/slide15.xml><?xml version="1.0" encoding="utf-8"?>
+<file path=ppt/slides/slide16.xml><?xml version="1.0" encoding="utf-8"?>
 <p:sld xmlns:a="http://schemas.openxmlformats.org/drawingml/2006/main" xmlns:r="http://schemas.openxmlformats.org/officeDocument/2006/relationships" xmlns:p="http://schemas.openxmlformats.org/presentationml/2006/main">
   <p:cSld>
     <p:spTree>
@@ -12516,7 +12770,7 @@
 </p:sld>
 </file>
 
-<file path=ppt/slides/slide16.xml><?xml version="1.0" encoding="utf-8"?>
+<file path=ppt/slides/slide17.xml><?xml version="1.0" encoding="utf-8"?>
 <p:sld xmlns:a="http://schemas.openxmlformats.org/drawingml/2006/main" xmlns:r="http://schemas.openxmlformats.org/officeDocument/2006/relationships" xmlns:p="http://schemas.openxmlformats.org/presentationml/2006/main">
   <p:cSld>
     <p:spTree>
@@ -14362,6 +14616,195 @@
       </p:grpSpPr>
       <p:sp>
         <p:nvSpPr>
+          <p:cNvPr id="2" name="Title 1"/>
+          <p:cNvSpPr>
+            <a:spLocks noGrp="1"/>
+          </p:cNvSpPr>
+          <p:nvPr>
+            <p:ph type="title"/>
+          </p:nvPr>
+        </p:nvSpPr>
+        <p:spPr>
+          <a:xfrm>
+            <a:off x="3088640" y="1087109"/>
+            <a:ext cx="9070848" cy="1315849"/>
+          </a:xfrm>
+        </p:spPr>
+        <p:txBody>
+          <a:bodyPr/>
+          <a:lstStyle/>
+          <a:p>
+            <a:r>
+              <a:rPr lang="en-US" dirty="0" smtClean="0">
+                <a:solidFill>
+                  <a:schemeClr val="accent1"/>
+                </a:solidFill>
+              </a:rPr>
+              <a:t>Uses in Animation</a:t>
+            </a:r>
+            <a:endParaRPr lang="en-US" dirty="0">
+              <a:solidFill>
+                <a:schemeClr val="accent1"/>
+              </a:solidFill>
+            </a:endParaRPr>
+          </a:p>
+        </p:txBody>
+      </p:sp>
+      <p:sp>
+        <p:nvSpPr>
+          <p:cNvPr id="3" name="Content Placeholder 2"/>
+          <p:cNvSpPr>
+            <a:spLocks noGrp="1"/>
+          </p:cNvSpPr>
+          <p:nvPr>
+            <p:ph sz="half" idx="1"/>
+          </p:nvPr>
+        </p:nvSpPr>
+        <p:spPr>
+          <a:xfrm>
+            <a:off x="2169041" y="2766593"/>
+            <a:ext cx="10558129" cy="3949499"/>
+          </a:xfrm>
+        </p:spPr>
+        <p:txBody>
+          <a:bodyPr>
+            <a:normAutofit fontScale="92500" lnSpcReduction="20000"/>
+          </a:bodyPr>
+          <a:lstStyle/>
+          <a:p>
+            <a:r>
+              <a:rPr lang="en-US" dirty="0" smtClean="0"/>
+              <a:t>Some of the movies using ABM:</a:t>
+            </a:r>
+          </a:p>
+          <a:p>
+            <a:pPr lvl="1"/>
+            <a:r>
+              <a:rPr lang="en-US" i="1" dirty="0" smtClean="0"/>
+              <a:t>Lord of the Rings</a:t>
+            </a:r>
+          </a:p>
+          <a:p>
+            <a:pPr lvl="1"/>
+            <a:r>
+              <a:rPr lang="en-US" i="1" dirty="0" smtClean="0"/>
+              <a:t>The Hobbit</a:t>
+            </a:r>
+          </a:p>
+          <a:p>
+            <a:pPr lvl="1"/>
+            <a:r>
+              <a:rPr lang="en-US" i="1" dirty="0" smtClean="0"/>
+              <a:t>WALL-E</a:t>
+            </a:r>
+          </a:p>
+          <a:p>
+            <a:pPr lvl="1"/>
+            <a:r>
+              <a:rPr lang="en-US" i="1" dirty="0" smtClean="0"/>
+              <a:t>Rise of the Planet of the Apes</a:t>
+            </a:r>
+          </a:p>
+          <a:p>
+            <a:pPr lvl="1"/>
+            <a:r>
+              <a:rPr lang="en-US" i="1" dirty="0" smtClean="0"/>
+              <a:t>Life of Pi</a:t>
+            </a:r>
+          </a:p>
+          <a:p>
+            <a:pPr lvl="1"/>
+            <a:r>
+              <a:rPr lang="en-US" i="1" dirty="0" smtClean="0"/>
+              <a:t>300</a:t>
+            </a:r>
+          </a:p>
+          <a:p>
+            <a:pPr lvl="1"/>
+            <a:r>
+              <a:rPr lang="en-US" i="1" dirty="0" smtClean="0"/>
+              <a:t>King Kong</a:t>
+            </a:r>
+          </a:p>
+          <a:p>
+            <a:pPr lvl="1"/>
+            <a:r>
+              <a:rPr lang="en-US" i="1" dirty="0" smtClean="0"/>
+              <a:t>Avatar</a:t>
+            </a:r>
+          </a:p>
+          <a:p>
+            <a:pPr lvl="1"/>
+            <a:r>
+              <a:rPr lang="en-US" i="1" dirty="0" smtClean="0"/>
+              <a:t>Ender’s Game</a:t>
+            </a:r>
+            <a:endParaRPr lang="en-US" i="1" dirty="0"/>
+          </a:p>
+        </p:txBody>
+      </p:sp>
+      <p:pic>
+        <p:nvPicPr>
+          <p:cNvPr id="5" name="Picture 4"/>
+          <p:cNvPicPr>
+            <a:picLocks noChangeAspect="1"/>
+          </p:cNvPicPr>
+          <p:nvPr/>
+        </p:nvPicPr>
+        <p:blipFill>
+          <a:blip r:embed="rId2">
+            <a:extLst>
+              <a:ext uri="{28A0092B-C50C-407E-A947-70E740481C1C}">
+                <a14:useLocalDpi xmlns:a14="http://schemas.microsoft.com/office/drawing/2010/main" val="0"/>
+              </a:ext>
+            </a:extLst>
+          </a:blip>
+          <a:stretch>
+            <a:fillRect/>
+          </a:stretch>
+        </p:blipFill>
+        <p:spPr>
+          <a:xfrm>
+            <a:off x="1757041" y="7051749"/>
+            <a:ext cx="10058400" cy="2235200"/>
+          </a:xfrm>
+          <a:prstGeom prst="rect">
+            <a:avLst/>
+          </a:prstGeom>
+        </p:spPr>
+      </p:pic>
+    </p:spTree>
+    <p:extLst>
+      <p:ext uri="{BB962C8B-B14F-4D97-AF65-F5344CB8AC3E}">
+        <p14:creationId xmlns:p14="http://schemas.microsoft.com/office/powerpoint/2010/main" val="660674074"/>
+      </p:ext>
+    </p:extLst>
+  </p:cSld>
+  <p:clrMapOvr>
+    <a:masterClrMapping/>
+  </p:clrMapOvr>
+</p:sld>
+</file>
+
+<file path=ppt/slides/slide7.xml><?xml version="1.0" encoding="utf-8"?>
+<p:sld xmlns:a="http://schemas.openxmlformats.org/drawingml/2006/main" xmlns:r="http://schemas.openxmlformats.org/officeDocument/2006/relationships" xmlns:p="http://schemas.openxmlformats.org/presentationml/2006/main">
+  <p:cSld>
+    <p:spTree>
+      <p:nvGrpSpPr>
+        <p:cNvPr id="1" name=""/>
+        <p:cNvGrpSpPr/>
+        <p:nvPr/>
+      </p:nvGrpSpPr>
+      <p:grpSpPr>
+        <a:xfrm>
+          <a:off x="0" y="0"/>
+          <a:ext cx="0" cy="0"/>
+          <a:chOff x="0" y="0"/>
+          <a:chExt cx="0" cy="0"/>
+        </a:xfrm>
+      </p:grpSpPr>
+      <p:sp>
+        <p:nvSpPr>
           <p:cNvPr id="38" name="Shape 38"/>
           <p:cNvSpPr>
             <a:spLocks noGrp="1"/>
@@ -14615,7 +15058,7 @@
 </p:sld>
 </file>
 
-<file path=ppt/slides/slide7.xml><?xml version="1.0" encoding="utf-8"?>
+<file path=ppt/slides/slide8.xml><?xml version="1.0" encoding="utf-8"?>
 <p:sld xmlns:a="http://schemas.openxmlformats.org/drawingml/2006/main" xmlns:r="http://schemas.openxmlformats.org/officeDocument/2006/relationships" xmlns:p="http://schemas.openxmlformats.org/presentationml/2006/main">
   <p:cSld>
     <p:spTree>
@@ -14900,7 +15343,7 @@
 </p:sld>
 </file>
 
-<file path=ppt/slides/slide8.xml><?xml version="1.0" encoding="utf-8"?>
+<file path=ppt/slides/slide9.xml><?xml version="1.0" encoding="utf-8"?>
 <p:sld xmlns:a="http://schemas.openxmlformats.org/drawingml/2006/main" xmlns:r="http://schemas.openxmlformats.org/officeDocument/2006/relationships" xmlns:p="http://schemas.openxmlformats.org/presentationml/2006/main">
   <p:cSld>
     <p:spTree>
@@ -15022,238 +15465,6 @@
     <p:tnLst>
       <p:par>
         <p:cTn id="1" dur="indefinite" restart="never" nodeType="tmRoot"/>
-      </p:par>
-    </p:tnLst>
-  </p:timing>
-</p:sld>
-</file>
-
-<file path=ppt/slides/slide9.xml><?xml version="1.0" encoding="utf-8"?>
-<p:sld xmlns:a="http://schemas.openxmlformats.org/drawingml/2006/main" xmlns:r="http://schemas.openxmlformats.org/officeDocument/2006/relationships" xmlns:p="http://schemas.openxmlformats.org/presentationml/2006/main">
-  <p:cSld>
-    <p:spTree>
-      <p:nvGrpSpPr>
-        <p:cNvPr id="1" name=""/>
-        <p:cNvGrpSpPr/>
-        <p:nvPr/>
-      </p:nvGrpSpPr>
-      <p:grpSpPr>
-        <a:xfrm>
-          <a:off x="0" y="0"/>
-          <a:ext cx="0" cy="0"/>
-          <a:chOff x="0" y="0"/>
-          <a:chExt cx="0" cy="0"/>
-        </a:xfrm>
-      </p:grpSpPr>
-      <p:sp>
-        <p:nvSpPr>
-          <p:cNvPr id="51" name="Shape 51"/>
-          <p:cNvSpPr>
-            <a:spLocks noGrp="1"/>
-          </p:cNvSpPr>
-          <p:nvPr>
-            <p:ph type="title"/>
-          </p:nvPr>
-        </p:nvSpPr>
-        <p:spPr>
-          <a:xfrm>
-            <a:off x="3088638" y="585663"/>
-            <a:ext cx="9070848" cy="1838973"/>
-          </a:xfrm>
-          <a:prstGeom prst="rect">
-            <a:avLst/>
-          </a:prstGeom>
-        </p:spPr>
-        <p:txBody>
-          <a:bodyPr>
-            <a:normAutofit fontScale="90000"/>
-          </a:bodyPr>
-          <a:lstStyle>
-            <a:lvl1pPr defTabSz="484886">
-              <a:defRPr sz="6640"/>
-            </a:lvl1pPr>
-          </a:lstStyle>
-          <a:p>
-            <a:pPr lvl="0">
-              <a:defRPr sz="1800">
-                <a:solidFill>
-                  <a:srgbClr val="000000"/>
-                </a:solidFill>
-              </a:defRPr>
-            </a:pPr>
-            <a:r>
-              <a:rPr sz="6640" dirty="0">
-                <a:solidFill>
-                  <a:schemeClr val="accent1"/>
-                </a:solidFill>
-              </a:rPr>
-              <a:t>Solution: Agent-Based Programming</a:t>
-            </a:r>
-          </a:p>
-        </p:txBody>
-      </p:sp>
-      <p:sp>
-        <p:nvSpPr>
-          <p:cNvPr id="52" name="Shape 52"/>
-          <p:cNvSpPr>
-            <a:spLocks noGrp="1"/>
-          </p:cNvSpPr>
-          <p:nvPr>
-            <p:ph sz="half" idx="1"/>
-          </p:nvPr>
-        </p:nvSpPr>
-        <p:spPr>
-          <a:xfrm>
-            <a:off x="845313" y="3158862"/>
-            <a:ext cx="5561712" cy="5787136"/>
-          </a:xfrm>
-          <a:prstGeom prst="rect">
-            <a:avLst/>
-          </a:prstGeom>
-        </p:spPr>
-        <p:txBody>
-          <a:bodyPr>
-            <a:normAutofit/>
-          </a:bodyPr>
-          <a:lstStyle/>
-          <a:p>
-            <a:pPr lvl="0">
-              <a:defRPr sz="1800">
-                <a:solidFill>
-                  <a:srgbClr val="000000"/>
-                </a:solidFill>
-              </a:defRPr>
-            </a:pPr>
-            <a:r>
-              <a:rPr sz="3800" dirty="0">
-                <a:solidFill>
-                  <a:srgbClr val="FFFFFF"/>
-                </a:solidFill>
-              </a:rPr>
-              <a:t>Let us create “autonomous” software agents, give them semi-realistic behavior, divide them in two distinct populations, and see if we get the cycles that interest us.</a:t>
-            </a:r>
-          </a:p>
-        </p:txBody>
-      </p:sp>
-      <p:pic>
-        <p:nvPicPr>
-          <p:cNvPr id="3" name="Content Placeholder 2"/>
-          <p:cNvPicPr>
-            <a:picLocks noGrp="1" noChangeAspect="1"/>
-          </p:cNvPicPr>
-          <p:nvPr>
-            <p:ph sz="half" idx="2"/>
-          </p:nvPr>
-        </p:nvPicPr>
-        <p:blipFill>
-          <a:blip r:embed="rId2"/>
-          <a:stretch>
-            <a:fillRect/>
-          </a:stretch>
-        </p:blipFill>
-        <p:spPr>
-          <a:xfrm>
-            <a:off x="7723834" y="3879075"/>
-            <a:ext cx="3251200" cy="3251200"/>
-          </a:xfrm>
-        </p:spPr>
-      </p:pic>
-    </p:spTree>
-  </p:cSld>
-  <p:clrMapOvr>
-    <a:masterClrMapping/>
-  </p:clrMapOvr>
-  <mc:AlternateContent xmlns:mc="http://schemas.openxmlformats.org/markup-compatibility/2006" xmlns:p14="http://schemas.microsoft.com/office/powerpoint/2010/main">
-    <mc:Choice Requires="p14">
-      <p:transition spd="slow" p14:dur="2000"/>
-    </mc:Choice>
-    <mc:Fallback xmlns="">
-      <p:transition spd="slow"/>
-    </mc:Fallback>
-  </mc:AlternateContent>
-  <p:timing>
-    <p:tnLst>
-      <p:par>
-        <p:cTn id="1" dur="indefinite" restart="never" nodeType="tmRoot">
-          <p:childTnLst>
-            <p:seq concurrent="1" nextAc="seek">
-              <p:cTn id="2" dur="indefinite" nodeType="mainSeq">
-                <p:childTnLst>
-                  <p:par>
-                    <p:cTn id="3" fill="hold">
-                      <p:stCondLst>
-                        <p:cond delay="indefinite"/>
-                        <p:cond evt="onBegin" delay="0">
-                          <p:tn val="2"/>
-                        </p:cond>
-                      </p:stCondLst>
-                      <p:childTnLst>
-                        <p:par>
-                          <p:cTn id="4" fill="hold">
-                            <p:stCondLst>
-                              <p:cond delay="0"/>
-                            </p:stCondLst>
-                            <p:childTnLst>
-                              <p:par>
-                                <p:cTn id="5" presetID="9" presetClass="entr" presetSubtype="0" fill="hold" nodeType="withEffect">
-                                  <p:stCondLst>
-                                    <p:cond delay="0"/>
-                                  </p:stCondLst>
-                                  <p:childTnLst>
-                                    <p:set>
-                                      <p:cBhvr>
-                                        <p:cTn id="6" dur="1" fill="hold">
-                                          <p:stCondLst>
-                                            <p:cond delay="0"/>
-                                          </p:stCondLst>
-                                        </p:cTn>
-                                        <p:tgtEl>
-                                          <p:spTgt spid="3"/>
-                                        </p:tgtEl>
-                                        <p:attrNameLst>
-                                          <p:attrName>style.visibility</p:attrName>
-                                        </p:attrNameLst>
-                                      </p:cBhvr>
-                                      <p:to>
-                                        <p:strVal val="visible"/>
-                                      </p:to>
-                                    </p:set>
-                                    <p:animEffect transition="in" filter="dissolve">
-                                      <p:cBhvr>
-                                        <p:cTn id="7" dur="6000"/>
-                                        <p:tgtEl>
-                                          <p:spTgt spid="3"/>
-                                        </p:tgtEl>
-                                      </p:cBhvr>
-                                    </p:animEffect>
-                                  </p:childTnLst>
-                                </p:cTn>
-                              </p:par>
-                            </p:childTnLst>
-                          </p:cTn>
-                        </p:par>
-                      </p:childTnLst>
-                    </p:cTn>
-                  </p:par>
-                </p:childTnLst>
-              </p:cTn>
-              <p:prevCondLst>
-                <p:cond evt="onPrev" delay="0">
-                  <p:tgtEl>
-                    <p:sldTgt/>
-                  </p:tgtEl>
-                </p:cond>
-              </p:prevCondLst>
-              <p:nextCondLst>
-                <p:cond evt="onNext" delay="0">
-                  <p:tgtEl>
-                    <p:sldTgt/>
-                  </p:tgtEl>
-                </p:cond>
-              </p:nextCondLst>
-            </p:seq>
-          </p:childTnLst>
-        </p:cTn>
       </p:par>
     </p:tnLst>
   </p:timing>
